--- a/PPT/05- Angular Routing.pptx
+++ b/PPT/05- Angular Routing.pptx
@@ -1900,7 +1900,7 @@
           <a:p>
             <a:fld id="{B496B693-9FDE-D34D-BA2D-87876F5E0558}" type="datetime1">
               <a:rPr lang="en-US" smtClean="0"/>
-              <a:t>12/17/20</a:t>
+              <a:t>12/17/21</a:t>
             </a:fld>
             <a:endParaRPr lang="en-US"/>
           </a:p>
@@ -2059,7 +2059,7 @@
           <a:p>
             <a:fld id="{2C668659-E1B9-F248-8B7A-62E98257FA2B}" type="datetime1">
               <a:rPr lang="en-US" smtClean="0"/>
-              <a:t>12/17/20</a:t>
+              <a:t>12/17/21</a:t>
             </a:fld>
             <a:endParaRPr lang="en-US"/>
           </a:p>
@@ -2537,7 +2537,7 @@
           <a:p>
             <a:fld id="{B6121E9A-9D8F-554C-B283-F41E0A321D9E}" type="datetime1">
               <a:rPr lang="en-US" smtClean="0"/>
-              <a:t>12/17/20</a:t>
+              <a:t>12/17/21</a:t>
             </a:fld>
             <a:endParaRPr lang="en-US"/>
           </a:p>
@@ -2662,7 +2662,7 @@
           <a:p>
             <a:fld id="{4830FFAC-C408-5B4A-A43B-C51D21E865D6}" type="datetime1">
               <a:rPr lang="en-US" smtClean="0"/>
-              <a:t>12/17/20</a:t>
+              <a:t>12/17/21</a:t>
             </a:fld>
             <a:endParaRPr lang="en-US"/>
           </a:p>
@@ -2758,7 +2758,7 @@
           <a:p>
             <a:fld id="{AAFBA3EB-6224-474F-84CA-5E91E4443D27}" type="datetime1">
               <a:rPr lang="en-US" smtClean="0"/>
-              <a:t>12/17/20</a:t>
+              <a:t>12/17/21</a:t>
             </a:fld>
             <a:endParaRPr lang="en-US"/>
           </a:p>
@@ -2992,7 +2992,7 @@
           <a:p>
             <a:fld id="{5A1FA41D-3A39-F741-AA79-3F454EC99F26}" type="datetime1">
               <a:rPr lang="en-US" smtClean="0"/>
-              <a:t>12/17/20</a:t>
+              <a:t>12/17/21</a:t>
             </a:fld>
             <a:endParaRPr lang="en-US"/>
           </a:p>

--- a/PPT/05- Angular Routing.pptx
+++ b/PPT/05- Angular Routing.pptx
@@ -1900,7 +1900,7 @@
           <a:p>
             <a:fld id="{B496B693-9FDE-D34D-BA2D-87876F5E0558}" type="datetime1">
               <a:rPr lang="en-US" smtClean="0"/>
-              <a:t>12/17/21</a:t>
+              <a:t>1/9/22</a:t>
             </a:fld>
             <a:endParaRPr lang="en-US"/>
           </a:p>
@@ -2059,7 +2059,7 @@
           <a:p>
             <a:fld id="{2C668659-E1B9-F248-8B7A-62E98257FA2B}" type="datetime1">
               <a:rPr lang="en-US" smtClean="0"/>
-              <a:t>12/17/21</a:t>
+              <a:t>1/9/22</a:t>
             </a:fld>
             <a:endParaRPr lang="en-US"/>
           </a:p>
@@ -2537,7 +2537,7 @@
           <a:p>
             <a:fld id="{B6121E9A-9D8F-554C-B283-F41E0A321D9E}" type="datetime1">
               <a:rPr lang="en-US" smtClean="0"/>
-              <a:t>12/17/21</a:t>
+              <a:t>1/9/22</a:t>
             </a:fld>
             <a:endParaRPr lang="en-US"/>
           </a:p>
@@ -2662,7 +2662,7 @@
           <a:p>
             <a:fld id="{4830FFAC-C408-5B4A-A43B-C51D21E865D6}" type="datetime1">
               <a:rPr lang="en-US" smtClean="0"/>
-              <a:t>12/17/21</a:t>
+              <a:t>1/9/22</a:t>
             </a:fld>
             <a:endParaRPr lang="en-US"/>
           </a:p>
@@ -2758,7 +2758,7 @@
           <a:p>
             <a:fld id="{AAFBA3EB-6224-474F-84CA-5E91E4443D27}" type="datetime1">
               <a:rPr lang="en-US" smtClean="0"/>
-              <a:t>12/17/21</a:t>
+              <a:t>1/9/22</a:t>
             </a:fld>
             <a:endParaRPr lang="en-US"/>
           </a:p>
@@ -2992,7 +2992,7 @@
           <a:p>
             <a:fld id="{5A1FA41D-3A39-F741-AA79-3F454EC99F26}" type="datetime1">
               <a:rPr lang="en-US" smtClean="0"/>
-              <a:t>12/17/21</a:t>
+              <a:t>1/9/22</a:t>
             </a:fld>
             <a:endParaRPr lang="en-US"/>
           </a:p>
@@ -4182,7 +4182,7 @@
               </a:rPr>
               <a:t>`</a:t>
             </a:r>
-            <a:endParaRPr sz="1700">
+            <a:endParaRPr sz="1700" dirty="0">
               <a:latin typeface="Consolas"/>
               <a:cs typeface="Consolas"/>
             </a:endParaRPr>
@@ -4203,10 +4203,6 @@
               </a:rPr>
               <a:t>})</a:t>
             </a:r>
-            <a:endParaRPr sz="1700">
-              <a:latin typeface="Consolas"/>
-              <a:cs typeface="Consolas"/>
-            </a:endParaRPr>
           </a:p>
         </p:txBody>
       </p:sp>
@@ -6053,7 +6049,7 @@
               </a:rPr>
               <a:t>`&lt;h1&gt;Ed</a:t>
             </a:r>
-            <a:endParaRPr sz="1700">
+            <a:endParaRPr sz="1700" dirty="0">
               <a:latin typeface="Consolas"/>
               <a:cs typeface="Consolas"/>
             </a:endParaRPr>
@@ -6074,10 +6070,6 @@
               </a:rPr>
               <a:t>})</a:t>
             </a:r>
-            <a:endParaRPr sz="1700">
-              <a:latin typeface="Consolas"/>
-              <a:cs typeface="Consolas"/>
-            </a:endParaRPr>
           </a:p>
         </p:txBody>
       </p:sp>
@@ -9564,7 +9556,7 @@
         <p:spPr>
           <a:xfrm>
             <a:off x="1351954" y="2305182"/>
-            <a:ext cx="4169410" cy="1397819"/>
+            <a:ext cx="9176346" cy="4634089"/>
           </a:xfrm>
           <a:prstGeom prst="rect">
             <a:avLst/>
@@ -10018,29 +10010,67 @@
               </a:rPr>
               <a:t>})</a:t>
             </a:r>
-          </a:p>
-        </p:txBody>
-      </p:sp>
-      <p:sp>
-        <p:nvSpPr>
-          <p:cNvPr id="5" name="object 5"/>
-          <p:cNvSpPr txBox="1"/>
-          <p:nvPr/>
-        </p:nvSpPr>
-        <p:spPr>
-          <a:xfrm>
-            <a:off x="1351992" y="3916789"/>
-            <a:ext cx="6718300" cy="2981960"/>
-          </a:xfrm>
-          <a:prstGeom prst="rect">
-            <a:avLst/>
-          </a:prstGeom>
-        </p:spPr>
-        <p:txBody>
-          <a:bodyPr vert="horz" wrap="square" lIns="0" tIns="0" rIns="0" bIns="0" rtlCol="0">
-            <a:spAutoFit/>
-          </a:bodyPr>
-          <a:lstStyle/>
+            <a:endParaRPr lang="nl-NL" sz="1500" dirty="0">
+              <a:latin typeface="Consolas"/>
+              <a:cs typeface="Consolas"/>
+            </a:endParaRPr>
+          </a:p>
+          <a:p>
+            <a:pPr marL="12700">
+              <a:lnSpc>
+                <a:spcPct val="100000"/>
+              </a:lnSpc>
+              <a:spcBef>
+                <a:spcPts val="10"/>
+              </a:spcBef>
+            </a:pPr>
+            <a:endParaRPr lang="en-NL" sz="1500" dirty="0">
+              <a:latin typeface="Consolas"/>
+              <a:cs typeface="Consolas"/>
+            </a:endParaRPr>
+          </a:p>
+          <a:p>
+            <a:pPr marL="12700">
+              <a:lnSpc>
+                <a:spcPct val="100000"/>
+              </a:lnSpc>
+              <a:spcBef>
+                <a:spcPts val="10"/>
+              </a:spcBef>
+            </a:pPr>
+            <a:endParaRPr lang="en-NL" sz="1500" dirty="0">
+              <a:latin typeface="Consolas"/>
+              <a:cs typeface="Consolas"/>
+            </a:endParaRPr>
+          </a:p>
+          <a:p>
+            <a:pPr marL="12700">
+              <a:lnSpc>
+                <a:spcPct val="100000"/>
+              </a:lnSpc>
+              <a:spcBef>
+                <a:spcPts val="10"/>
+              </a:spcBef>
+            </a:pPr>
+            <a:endParaRPr lang="nl-NL" sz="1500" dirty="0">
+              <a:latin typeface="Consolas"/>
+              <a:cs typeface="Consolas"/>
+            </a:endParaRPr>
+          </a:p>
+          <a:p>
+            <a:pPr marL="12700">
+              <a:lnSpc>
+                <a:spcPct val="100000"/>
+              </a:lnSpc>
+              <a:spcBef>
+                <a:spcPts val="10"/>
+              </a:spcBef>
+            </a:pPr>
+            <a:endParaRPr lang="en-NL" sz="1500" dirty="0">
+              <a:latin typeface="Consolas"/>
+              <a:cs typeface="Consolas"/>
+            </a:endParaRPr>
+          </a:p>
           <a:p>
             <a:pPr marL="330835" marR="5080" indent="-318770">
               <a:lnSpc>
@@ -10048,7 +10078,7 @@
               </a:lnSpc>
             </a:pPr>
             <a:r>
-              <a:rPr sz="1500" b="1" dirty="0">
+              <a:rPr lang="en-US" sz="1500" b="1" dirty="0">
                 <a:solidFill>
                   <a:srgbClr val="000080"/>
                 </a:solidFill>
@@ -10058,7 +10088,7 @@
               <a:t>export</a:t>
             </a:r>
             <a:r>
-              <a:rPr sz="1500" b="1" dirty="0">
+              <a:rPr lang="en-US" sz="1500" b="1" dirty="0">
                 <a:solidFill>
                   <a:srgbClr val="000080"/>
                 </a:solidFill>
@@ -10068,7 +10098,7 @@
               <a:t> </a:t>
             </a:r>
             <a:r>
-              <a:rPr sz="1500" b="1" spc="95" dirty="0">
+              <a:rPr lang="en-US" sz="1500" b="1" spc="95" dirty="0">
                 <a:solidFill>
                   <a:srgbClr val="000080"/>
                 </a:solidFill>
@@ -10078,7 +10108,7 @@
               <a:t> </a:t>
             </a:r>
             <a:r>
-              <a:rPr sz="1500" b="1" dirty="0">
+              <a:rPr lang="en-US" sz="1500" b="1" dirty="0">
                 <a:solidFill>
                   <a:srgbClr val="000080"/>
                 </a:solidFill>
@@ -10088,7 +10118,7 @@
               <a:t>class</a:t>
             </a:r>
             <a:r>
-              <a:rPr sz="1500" b="1" dirty="0">
+              <a:rPr lang="en-US" sz="1500" b="1" dirty="0">
                 <a:solidFill>
                   <a:srgbClr val="000080"/>
                 </a:solidFill>
@@ -10098,7 +10128,7 @@
               <a:t> </a:t>
             </a:r>
             <a:r>
-              <a:rPr sz="1500" b="1" spc="90" dirty="0">
+              <a:rPr lang="en-US" sz="1500" b="1" spc="90" dirty="0">
                 <a:solidFill>
                   <a:srgbClr val="000080"/>
                 </a:solidFill>
@@ -10108,35 +10138,35 @@
               <a:t> </a:t>
             </a:r>
             <a:r>
-              <a:rPr sz="1500" spc="5" dirty="0">
+              <a:rPr lang="en-US" sz="1500" spc="5" dirty="0" err="1">
                 <a:latin typeface="Consolas"/>
                 <a:cs typeface="Consolas"/>
               </a:rPr>
               <a:t>CityDetailComponen</a:t>
             </a:r>
             <a:r>
-              <a:rPr sz="1500" dirty="0">
+              <a:rPr lang="en-US" sz="1500" dirty="0" err="1">
                 <a:latin typeface="Consolas"/>
                 <a:cs typeface="Consolas"/>
               </a:rPr>
               <a:t>t</a:t>
             </a:r>
             <a:r>
-              <a:rPr sz="1500" dirty="0">
-                <a:latin typeface="Times New Roman"/>
-                <a:cs typeface="Times New Roman"/>
-              </a:rPr>
-              <a:t> </a:t>
-            </a:r>
-            <a:r>
-              <a:rPr sz="1500" spc="80" dirty="0">
-                <a:latin typeface="Times New Roman"/>
-                <a:cs typeface="Times New Roman"/>
-              </a:rPr>
-              <a:t> </a:t>
-            </a:r>
-            <a:r>
-              <a:rPr sz="1500" b="1" spc="5" dirty="0">
+              <a:rPr lang="en-US" sz="1500" dirty="0">
+                <a:latin typeface="Times New Roman"/>
+                <a:cs typeface="Times New Roman"/>
+              </a:rPr>
+              <a:t> </a:t>
+            </a:r>
+            <a:r>
+              <a:rPr lang="en-US" sz="1500" spc="80" dirty="0">
+                <a:latin typeface="Times New Roman"/>
+                <a:cs typeface="Times New Roman"/>
+              </a:rPr>
+              <a:t> </a:t>
+            </a:r>
+            <a:r>
+              <a:rPr lang="en-US" sz="1500" b="1" spc="5" dirty="0">
                 <a:solidFill>
                   <a:srgbClr val="000080"/>
                 </a:solidFill>
@@ -10146,7 +10176,7 @@
               <a:t>implement</a:t>
             </a:r>
             <a:r>
-              <a:rPr sz="1500" b="1" dirty="0">
+              <a:rPr lang="en-US" sz="1500" b="1" dirty="0">
                 <a:solidFill>
                   <a:srgbClr val="000080"/>
                 </a:solidFill>
@@ -10156,7 +10186,7 @@
               <a:t>s</a:t>
             </a:r>
             <a:r>
-              <a:rPr sz="1500" b="1" dirty="0">
+              <a:rPr lang="en-US" sz="1500" b="1" dirty="0">
                 <a:solidFill>
                   <a:srgbClr val="000080"/>
                 </a:solidFill>
@@ -10166,7 +10196,7 @@
               <a:t> </a:t>
             </a:r>
             <a:r>
-              <a:rPr sz="1500" b="1" spc="80" dirty="0">
+              <a:rPr lang="en-US" sz="1500" b="1" spc="80" dirty="0">
                 <a:solidFill>
                   <a:srgbClr val="000080"/>
                 </a:solidFill>
@@ -10176,98 +10206,98 @@
               <a:t> </a:t>
             </a:r>
             <a:r>
-              <a:rPr sz="1500" spc="5" dirty="0">
+              <a:rPr lang="en-US" sz="1500" spc="5" dirty="0" err="1">
                 <a:latin typeface="Consolas"/>
                 <a:cs typeface="Consolas"/>
               </a:rPr>
               <a:t>OnInit</a:t>
             </a:r>
             <a:r>
-              <a:rPr sz="1500" dirty="0">
+              <a:rPr lang="en-US" sz="1500" dirty="0">
                 <a:latin typeface="Consolas"/>
                 <a:cs typeface="Consolas"/>
               </a:rPr>
               <a:t>,</a:t>
             </a:r>
             <a:r>
-              <a:rPr sz="1500" dirty="0">
-                <a:latin typeface="Times New Roman"/>
-                <a:cs typeface="Times New Roman"/>
-              </a:rPr>
-              <a:t> </a:t>
-            </a:r>
-            <a:r>
-              <a:rPr sz="1500" spc="90" dirty="0">
-                <a:latin typeface="Times New Roman"/>
-                <a:cs typeface="Times New Roman"/>
-              </a:rPr>
-              <a:t> </a:t>
-            </a:r>
-            <a:r>
-              <a:rPr sz="1500" spc="5" dirty="0">
+              <a:rPr lang="en-US" sz="1500" dirty="0">
+                <a:latin typeface="Times New Roman"/>
+                <a:cs typeface="Times New Roman"/>
+              </a:rPr>
+              <a:t> </a:t>
+            </a:r>
+            <a:r>
+              <a:rPr lang="en-US" sz="1500" spc="90" dirty="0">
+                <a:latin typeface="Times New Roman"/>
+                <a:cs typeface="Times New Roman"/>
+              </a:rPr>
+              <a:t> </a:t>
+            </a:r>
+            <a:r>
+              <a:rPr lang="en-US" sz="1500" spc="5" dirty="0" err="1">
                 <a:latin typeface="Consolas"/>
                 <a:cs typeface="Consolas"/>
               </a:rPr>
               <a:t>OnDestro</a:t>
             </a:r>
             <a:r>
-              <a:rPr sz="1500" dirty="0">
+              <a:rPr lang="en-US" sz="1500" dirty="0" err="1">
                 <a:latin typeface="Consolas"/>
                 <a:cs typeface="Consolas"/>
               </a:rPr>
               <a:t>y</a:t>
             </a:r>
             <a:r>
-              <a:rPr sz="1500" dirty="0">
-                <a:latin typeface="Times New Roman"/>
-                <a:cs typeface="Times New Roman"/>
-              </a:rPr>
-              <a:t> </a:t>
-            </a:r>
-            <a:r>
-              <a:rPr sz="1500" spc="90" dirty="0">
-                <a:latin typeface="Times New Roman"/>
-                <a:cs typeface="Times New Roman"/>
-              </a:rPr>
-              <a:t> </a:t>
-            </a:r>
-            <a:r>
-              <a:rPr sz="1500" dirty="0">
+              <a:rPr lang="en-US" sz="1500" dirty="0">
+                <a:latin typeface="Times New Roman"/>
+                <a:cs typeface="Times New Roman"/>
+              </a:rPr>
+              <a:t> </a:t>
+            </a:r>
+            <a:r>
+              <a:rPr lang="en-US" sz="1500" spc="90" dirty="0">
+                <a:latin typeface="Times New Roman"/>
+                <a:cs typeface="Times New Roman"/>
+              </a:rPr>
+              <a:t> </a:t>
+            </a:r>
+            <a:r>
+              <a:rPr lang="en-US" sz="1500" dirty="0">
                 <a:latin typeface="Consolas"/>
                 <a:cs typeface="Consolas"/>
               </a:rPr>
               <a:t>{</a:t>
             </a:r>
             <a:r>
-              <a:rPr sz="1500" dirty="0">
-                <a:latin typeface="Times New Roman"/>
-                <a:cs typeface="Times New Roman"/>
-              </a:rPr>
-              <a:t> </a:t>
-            </a:r>
-            <a:r>
-              <a:rPr sz="1500" dirty="0">
+              <a:rPr lang="en-US" sz="1500" dirty="0">
+                <a:latin typeface="Times New Roman"/>
+                <a:cs typeface="Times New Roman"/>
+              </a:rPr>
+              <a:t> </a:t>
+            </a:r>
+            <a:r>
+              <a:rPr lang="en-US" sz="1500" dirty="0">
                 <a:latin typeface="Consolas"/>
                 <a:cs typeface="Consolas"/>
               </a:rPr>
               <a:t>id:</a:t>
             </a:r>
             <a:r>
-              <a:rPr sz="1500" dirty="0">
-                <a:latin typeface="Times New Roman"/>
-                <a:cs typeface="Times New Roman"/>
-              </a:rPr>
-              <a:t> </a:t>
-            </a:r>
-            <a:r>
-              <a:rPr sz="1500" spc="95" dirty="0">
-                <a:latin typeface="Times New Roman"/>
-                <a:cs typeface="Times New Roman"/>
-              </a:rPr>
-              <a:t> </a:t>
-            </a:r>
-            <a:r>
-              <a:rPr sz="1500" b="1" dirty="0">
+              <a:rPr lang="en-US" sz="1500" dirty="0">
+                <a:latin typeface="Times New Roman"/>
+                <a:cs typeface="Times New Roman"/>
+              </a:rPr>
+              <a:t> </a:t>
+            </a:r>
+            <a:r>
+              <a:rPr lang="en-US" sz="1500" spc="95" dirty="0">
+                <a:latin typeface="Times New Roman"/>
+                <a:cs typeface="Times New Roman"/>
+              </a:rPr>
+              <a:t> </a:t>
+            </a:r>
+            <a:r>
+              <a:rPr lang="en-US" sz="1500" b="1" dirty="0">
                 <a:solidFill>
                   <a:srgbClr val="000080"/>
                 </a:solidFill>
@@ -10277,7 +10307,7 @@
               <a:t>strin</a:t>
             </a:r>
             <a:r>
-              <a:rPr sz="1500" b="1" spc="5" dirty="0">
+              <a:rPr lang="en-US" sz="1500" b="1" spc="5" dirty="0">
                 <a:solidFill>
                   <a:srgbClr val="000080"/>
                 </a:solidFill>
@@ -10287,7 +10317,7 @@
               <a:t>g</a:t>
             </a:r>
             <a:r>
-              <a:rPr sz="1500" dirty="0">
+              <a:rPr lang="en-US" sz="1500" dirty="0">
                 <a:latin typeface="Consolas"/>
                 <a:cs typeface="Consolas"/>
               </a:rPr>
@@ -10304,41 +10334,41 @@
               </a:spcBef>
             </a:pPr>
             <a:r>
-              <a:rPr sz="1500" spc="5" dirty="0">
+              <a:rPr lang="en-US" sz="1500" spc="5" dirty="0" err="1">
                 <a:latin typeface="Consolas"/>
                 <a:cs typeface="Consolas"/>
               </a:rPr>
               <a:t>currentCity</a:t>
             </a:r>
             <a:r>
-              <a:rPr sz="1500" dirty="0">
+              <a:rPr lang="en-US" sz="1500" dirty="0">
                 <a:latin typeface="Consolas"/>
                 <a:cs typeface="Consolas"/>
               </a:rPr>
               <a:t>:</a:t>
             </a:r>
             <a:r>
-              <a:rPr sz="1500" dirty="0">
-                <a:latin typeface="Times New Roman"/>
-                <a:cs typeface="Times New Roman"/>
-              </a:rPr>
-              <a:t> </a:t>
-            </a:r>
-            <a:r>
-              <a:rPr sz="1500" spc="80" dirty="0">
-                <a:latin typeface="Times New Roman"/>
-                <a:cs typeface="Times New Roman"/>
-              </a:rPr>
-              <a:t> </a:t>
-            </a:r>
-            <a:r>
-              <a:rPr sz="1500" spc="5" dirty="0">
+              <a:rPr lang="en-US" sz="1500" dirty="0">
+                <a:latin typeface="Times New Roman"/>
+                <a:cs typeface="Times New Roman"/>
+              </a:rPr>
+              <a:t> </a:t>
+            </a:r>
+            <a:r>
+              <a:rPr lang="en-US" sz="1500" spc="80" dirty="0">
+                <a:latin typeface="Times New Roman"/>
+                <a:cs typeface="Times New Roman"/>
+              </a:rPr>
+              <a:t> </a:t>
+            </a:r>
+            <a:r>
+              <a:rPr lang="en-US" sz="1500" spc="5" dirty="0">
                 <a:latin typeface="Consolas"/>
                 <a:cs typeface="Consolas"/>
               </a:rPr>
               <a:t>City;</a:t>
             </a:r>
-            <a:endParaRPr sz="1500" dirty="0">
+            <a:endParaRPr lang="en-US" sz="1500" dirty="0">
               <a:latin typeface="Consolas"/>
               <a:cs typeface="Consolas"/>
             </a:endParaRPr>
@@ -10350,7 +10380,7 @@
               </a:lnSpc>
             </a:pPr>
             <a:r>
-              <a:rPr sz="1500" b="1" spc="5" dirty="0">
+              <a:rPr lang="en-US" sz="1500" b="1" spc="5" dirty="0">
                 <a:solidFill>
                   <a:srgbClr val="000080"/>
                 </a:solidFill>
@@ -10360,14 +10390,14 @@
               <a:t>constructor</a:t>
             </a:r>
             <a:r>
-              <a:rPr sz="1500" dirty="0">
+              <a:rPr lang="en-US" sz="1500" dirty="0">
                 <a:latin typeface="Consolas"/>
                 <a:cs typeface="Consolas"/>
               </a:rPr>
               <a:t>(</a:t>
             </a:r>
             <a:r>
-              <a:rPr sz="1500" b="1" spc="5" dirty="0">
+              <a:rPr lang="en-US" sz="1500" b="1" spc="5" dirty="0">
                 <a:solidFill>
                   <a:srgbClr val="000080"/>
                 </a:solidFill>
@@ -10377,7 +10407,7 @@
               <a:t>privat</a:t>
             </a:r>
             <a:r>
-              <a:rPr sz="1500" b="1" dirty="0">
+              <a:rPr lang="en-US" sz="1500" b="1" dirty="0">
                 <a:solidFill>
                   <a:srgbClr val="000080"/>
                 </a:solidFill>
@@ -10387,7 +10417,7 @@
               <a:t>e</a:t>
             </a:r>
             <a:r>
-              <a:rPr sz="1500" b="1" dirty="0">
+              <a:rPr lang="en-US" sz="1500" b="1" dirty="0">
                 <a:solidFill>
                   <a:srgbClr val="000080"/>
                 </a:solidFill>
@@ -10397,7 +10427,7 @@
               <a:t> </a:t>
             </a:r>
             <a:r>
-              <a:rPr sz="1500" b="1" spc="80" dirty="0">
+              <a:rPr lang="en-US" sz="1500" b="1" spc="80" dirty="0">
                 <a:solidFill>
                   <a:srgbClr val="000080"/>
                 </a:solidFill>
@@ -10407,7 +10437,7 @@
               <a:t> </a:t>
             </a:r>
             <a:r>
-              <a:rPr sz="1500" spc="5" dirty="0">
+              <a:rPr lang="en-US" sz="1500" spc="5" dirty="0">
                 <a:solidFill>
                   <a:srgbClr val="FF0000"/>
                 </a:solidFill>
@@ -10417,28 +10447,28 @@
               <a:t>route</a:t>
             </a:r>
             <a:r>
-              <a:rPr sz="1500" dirty="0">
+              <a:rPr lang="en-US" sz="1500" dirty="0">
                 <a:latin typeface="Consolas"/>
                 <a:cs typeface="Consolas"/>
               </a:rPr>
               <a:t>:</a:t>
             </a:r>
             <a:r>
-              <a:rPr sz="1500" dirty="0">
-                <a:latin typeface="Times New Roman"/>
-                <a:cs typeface="Times New Roman"/>
-              </a:rPr>
-              <a:t> </a:t>
-            </a:r>
-            <a:r>
-              <a:rPr sz="1500" spc="80" dirty="0">
-                <a:latin typeface="Times New Roman"/>
-                <a:cs typeface="Times New Roman"/>
-              </a:rPr>
-              <a:t> </a:t>
-            </a:r>
-            <a:r>
-              <a:rPr sz="1500" b="1" spc="5" dirty="0">
+              <a:rPr lang="en-US" sz="1500" dirty="0">
+                <a:latin typeface="Times New Roman"/>
+                <a:cs typeface="Times New Roman"/>
+              </a:rPr>
+              <a:t> </a:t>
+            </a:r>
+            <a:r>
+              <a:rPr lang="en-US" sz="1500" spc="80" dirty="0">
+                <a:latin typeface="Times New Roman"/>
+                <a:cs typeface="Times New Roman"/>
+              </a:rPr>
+              <a:t> </a:t>
+            </a:r>
+            <a:r>
+              <a:rPr lang="en-US" sz="1500" b="1" spc="5" dirty="0" err="1">
                 <a:solidFill>
                   <a:srgbClr val="FF0000"/>
                 </a:solidFill>
@@ -10448,63 +10478,70 @@
               <a:t>ActivatedRoute</a:t>
             </a:r>
             <a:r>
-              <a:rPr sz="1500" dirty="0">
+              <a:rPr lang="en-US" sz="1500" dirty="0">
                 <a:latin typeface="Consolas"/>
                 <a:cs typeface="Consolas"/>
               </a:rPr>
               <a:t>)</a:t>
             </a:r>
             <a:r>
-              <a:rPr sz="1500" dirty="0">
-                <a:latin typeface="Times New Roman"/>
-                <a:cs typeface="Times New Roman"/>
-              </a:rPr>
-              <a:t> </a:t>
-            </a:r>
-            <a:r>
-              <a:rPr sz="1500" spc="90" dirty="0">
-                <a:latin typeface="Times New Roman"/>
-                <a:cs typeface="Times New Roman"/>
-              </a:rPr>
-              <a:t> </a:t>
-            </a:r>
-            <a:r>
-              <a:rPr sz="1500" dirty="0">
+              <a:rPr lang="en-US" sz="1500" dirty="0">
+                <a:latin typeface="Times New Roman"/>
+                <a:cs typeface="Times New Roman"/>
+              </a:rPr>
+              <a:t> </a:t>
+            </a:r>
+            <a:r>
+              <a:rPr lang="en-US" sz="1500" spc="90" dirty="0">
+                <a:latin typeface="Times New Roman"/>
+                <a:cs typeface="Times New Roman"/>
+              </a:rPr>
+              <a:t> </a:t>
+            </a:r>
+            <a:r>
+              <a:rPr lang="en-US" sz="1500" dirty="0">
                 <a:latin typeface="Consolas"/>
                 <a:cs typeface="Consolas"/>
               </a:rPr>
               <a:t>{}</a:t>
             </a:r>
             <a:r>
-              <a:rPr sz="1500" dirty="0">
-                <a:latin typeface="Times New Roman"/>
-                <a:cs typeface="Times New Roman"/>
-              </a:rPr>
-              <a:t> </a:t>
-            </a:r>
-            <a:r>
-              <a:rPr sz="1500" dirty="0">
-                <a:latin typeface="Consolas"/>
-                <a:cs typeface="Consolas"/>
-              </a:rPr>
-              <a:t>ngOnInit()</a:t>
-            </a:r>
-            <a:r>
-              <a:rPr sz="1500" dirty="0">
-                <a:latin typeface="Times New Roman"/>
-                <a:cs typeface="Times New Roman"/>
-              </a:rPr>
-              <a:t> </a:t>
-            </a:r>
-            <a:r>
-              <a:rPr sz="1500" spc="95" dirty="0">
-                <a:latin typeface="Times New Roman"/>
-                <a:cs typeface="Times New Roman"/>
-              </a:rPr>
-              <a:t> </a:t>
-            </a:r>
-            <a:r>
-              <a:rPr sz="1500" dirty="0">
+              <a:rPr lang="en-US" sz="1500" dirty="0">
+                <a:latin typeface="Times New Roman"/>
+                <a:cs typeface="Times New Roman"/>
+              </a:rPr>
+              <a:t> </a:t>
+            </a:r>
+            <a:r>
+              <a:rPr lang="en-US" sz="1500" dirty="0" err="1">
+                <a:latin typeface="Consolas"/>
+                <a:cs typeface="Consolas"/>
+              </a:rPr>
+              <a:t>ngOnInit</a:t>
+            </a:r>
+            <a:r>
+              <a:rPr lang="en-US" sz="1500" dirty="0">
+                <a:latin typeface="Consolas"/>
+                <a:cs typeface="Consolas"/>
+              </a:rPr>
+              <a:t>()</a:t>
+            </a:r>
+            <a:r>
+              <a:rPr lang="en-US" sz="1500" dirty="0">
+                <a:latin typeface="Times New Roman"/>
+                <a:cs typeface="Times New Roman"/>
+              </a:rPr>
+              <a:t> </a:t>
+            </a:r>
+            <a:r>
+              <a:rPr lang="en-US" sz="1500" spc="95" dirty="0">
+                <a:latin typeface="Times New Roman"/>
+                <a:cs typeface="Times New Roman"/>
+              </a:rPr>
+              <a:t> </a:t>
+            </a:r>
+            <a:r>
+              <a:rPr lang="en-US" sz="1500" dirty="0">
                 <a:latin typeface="Consolas"/>
                 <a:cs typeface="Consolas"/>
               </a:rPr>
@@ -10521,7 +10558,7 @@
               </a:spcBef>
             </a:pPr>
             <a:r>
-              <a:rPr sz="1500" b="1" dirty="0">
+              <a:rPr lang="en-US" sz="1500" b="1" dirty="0" err="1">
                 <a:solidFill>
                   <a:srgbClr val="000080"/>
                 </a:solidFill>
@@ -10531,7 +10568,7 @@
               <a:t>thi</a:t>
             </a:r>
             <a:r>
-              <a:rPr sz="1500" b="1" spc="5" dirty="0">
+              <a:rPr lang="en-US" sz="1500" b="1" spc="5" dirty="0" err="1">
                 <a:solidFill>
                   <a:srgbClr val="000080"/>
                 </a:solidFill>
@@ -10541,14 +10578,14 @@
               <a:t>s</a:t>
             </a:r>
             <a:r>
-              <a:rPr sz="1500" spc="5" dirty="0">
+              <a:rPr lang="en-US" sz="1500" spc="5" dirty="0" err="1">
                 <a:latin typeface="Consolas"/>
                 <a:cs typeface="Consolas"/>
               </a:rPr>
               <a:t>.</a:t>
             </a:r>
             <a:r>
-              <a:rPr sz="1500" spc="5" dirty="0">
+              <a:rPr lang="en-US" sz="1500" spc="5" dirty="0" err="1">
                 <a:solidFill>
                   <a:srgbClr val="FF0000"/>
                 </a:solidFill>
@@ -10558,14 +10595,14 @@
               <a:t>route</a:t>
             </a:r>
             <a:r>
-              <a:rPr sz="1500" spc="5" dirty="0">
+              <a:rPr lang="en-US" sz="1500" spc="5" dirty="0" err="1">
                 <a:latin typeface="Consolas"/>
                 <a:cs typeface="Consolas"/>
               </a:rPr>
               <a:t>.</a:t>
             </a:r>
             <a:r>
-              <a:rPr sz="1500" spc="5" dirty="0">
+              <a:rPr lang="en-US" sz="1500" spc="5" dirty="0" err="1">
                 <a:solidFill>
                   <a:srgbClr val="FF0000"/>
                 </a:solidFill>
@@ -10574,7 +10611,7 @@
               </a:rPr>
               <a:t>params</a:t>
             </a:r>
-            <a:endParaRPr sz="1500" dirty="0">
+            <a:endParaRPr lang="en-US" sz="1500" dirty="0">
               <a:solidFill>
                 <a:srgbClr val="FF0000"/>
               </a:solidFill>
@@ -10592,14 +10629,14 @@
               </a:spcBef>
             </a:pPr>
             <a:r>
-              <a:rPr sz="1500" spc="5" dirty="0">
+              <a:rPr lang="en-US" sz="1500" spc="5" dirty="0">
                 <a:latin typeface="Consolas"/>
                 <a:cs typeface="Consolas"/>
               </a:rPr>
               <a:t>.</a:t>
             </a:r>
             <a:r>
-              <a:rPr sz="1500" b="1" spc="5" dirty="0">
+              <a:rPr lang="en-US" sz="1500" b="1" spc="5" dirty="0">
                 <a:solidFill>
                   <a:srgbClr val="FF0000"/>
                 </a:solidFill>
@@ -10609,35 +10646,35 @@
               <a:t>subscribe</a:t>
             </a:r>
             <a:r>
-              <a:rPr sz="1500" spc="5" dirty="0">
+              <a:rPr lang="en-US" sz="1500" spc="5" dirty="0">
                 <a:latin typeface="Consolas"/>
                 <a:cs typeface="Consolas"/>
               </a:rPr>
               <a:t>((id</a:t>
             </a:r>
             <a:r>
-              <a:rPr sz="1500" dirty="0">
+              <a:rPr lang="en-US" sz="1500" dirty="0">
                 <a:latin typeface="Consolas"/>
                 <a:cs typeface="Consolas"/>
               </a:rPr>
               <a:t>:</a:t>
             </a:r>
             <a:r>
-              <a:rPr sz="1500" dirty="0">
-                <a:latin typeface="Times New Roman"/>
-                <a:cs typeface="Times New Roman"/>
-              </a:rPr>
-              <a:t> </a:t>
-            </a:r>
-            <a:r>
-              <a:rPr sz="1500" spc="90" dirty="0">
-                <a:latin typeface="Times New Roman"/>
-                <a:cs typeface="Times New Roman"/>
-              </a:rPr>
-              <a:t> </a:t>
-            </a:r>
-            <a:r>
-              <a:rPr lang="nl-NL" sz="1500" b="1" spc="5" dirty="0">
+              <a:rPr lang="en-US" sz="1500" dirty="0">
+                <a:latin typeface="Times New Roman"/>
+                <a:cs typeface="Times New Roman"/>
+              </a:rPr>
+              <a:t> </a:t>
+            </a:r>
+            <a:r>
+              <a:rPr lang="en-US" sz="1500" spc="90" dirty="0">
+                <a:latin typeface="Times New Roman"/>
+                <a:cs typeface="Times New Roman"/>
+              </a:rPr>
+              <a:t> </a:t>
+            </a:r>
+            <a:r>
+              <a:rPr lang="en-US" sz="1500" b="1" spc="5" dirty="0">
                 <a:solidFill>
                   <a:srgbClr val="000080"/>
                 </a:solidFill>
@@ -10647,56 +10684,56 @@
               <a:t>string</a:t>
             </a:r>
             <a:r>
-              <a:rPr sz="1500" dirty="0">
+              <a:rPr lang="en-US" sz="1500" dirty="0">
                 <a:latin typeface="Consolas"/>
                 <a:cs typeface="Consolas"/>
               </a:rPr>
               <a:t>)</a:t>
             </a:r>
             <a:r>
-              <a:rPr sz="1500" dirty="0">
-                <a:latin typeface="Times New Roman"/>
-                <a:cs typeface="Times New Roman"/>
-              </a:rPr>
-              <a:t> </a:t>
-            </a:r>
-            <a:r>
-              <a:rPr sz="1500" spc="85" dirty="0">
-                <a:latin typeface="Times New Roman"/>
-                <a:cs typeface="Times New Roman"/>
-              </a:rPr>
-              <a:t> </a:t>
-            </a:r>
-            <a:r>
-              <a:rPr sz="1500" spc="5" dirty="0">
+              <a:rPr lang="en-US" sz="1500" dirty="0">
+                <a:latin typeface="Times New Roman"/>
+                <a:cs typeface="Times New Roman"/>
+              </a:rPr>
+              <a:t> </a:t>
+            </a:r>
+            <a:r>
+              <a:rPr lang="en-US" sz="1500" spc="85" dirty="0">
+                <a:latin typeface="Times New Roman"/>
+                <a:cs typeface="Times New Roman"/>
+              </a:rPr>
+              <a:t> </a:t>
+            </a:r>
+            <a:r>
+              <a:rPr lang="en-US" sz="1500" spc="5" dirty="0">
                 <a:latin typeface="Consolas"/>
                 <a:cs typeface="Consolas"/>
               </a:rPr>
               <a:t>=</a:t>
             </a:r>
             <a:r>
-              <a:rPr sz="1500" dirty="0">
+              <a:rPr lang="en-US" sz="1500" dirty="0">
                 <a:latin typeface="Consolas"/>
                 <a:cs typeface="Consolas"/>
               </a:rPr>
               <a:t>&gt;</a:t>
             </a:r>
             <a:r>
-              <a:rPr sz="1500" dirty="0">
-                <a:latin typeface="Times New Roman"/>
-                <a:cs typeface="Times New Roman"/>
-              </a:rPr>
-              <a:t> </a:t>
-            </a:r>
-            <a:r>
-              <a:rPr sz="1500" spc="85" dirty="0">
-                <a:latin typeface="Times New Roman"/>
-                <a:cs typeface="Times New Roman"/>
-              </a:rPr>
-              <a:t> </a:t>
-            </a:r>
-            <a:r>
-              <a:rPr sz="1500" dirty="0">
+              <a:rPr lang="en-US" sz="1500" dirty="0">
+                <a:latin typeface="Times New Roman"/>
+                <a:cs typeface="Times New Roman"/>
+              </a:rPr>
+              <a:t> </a:t>
+            </a:r>
+            <a:r>
+              <a:rPr lang="en-US" sz="1500" spc="85" dirty="0">
+                <a:latin typeface="Times New Roman"/>
+                <a:cs typeface="Times New Roman"/>
+              </a:rPr>
+              <a:t> </a:t>
+            </a:r>
+            <a:r>
+              <a:rPr lang="en-US" sz="1500" dirty="0">
                 <a:latin typeface="Consolas"/>
                 <a:cs typeface="Consolas"/>
               </a:rPr>
@@ -10713,7 +10750,7 @@
               </a:spcBef>
             </a:pPr>
             <a:r>
-              <a:rPr sz="1500" b="1" spc="5" dirty="0">
+              <a:rPr lang="en-US" sz="1500" b="1" spc="5" dirty="0" err="1">
                 <a:solidFill>
                   <a:srgbClr val="000080"/>
                 </a:solidFill>
@@ -10723,7 +10760,7 @@
               <a:t>thi</a:t>
             </a:r>
             <a:r>
-              <a:rPr sz="1500" b="1" dirty="0">
+              <a:rPr lang="en-US" sz="1500" b="1" dirty="0" err="1">
                 <a:solidFill>
                   <a:srgbClr val="000080"/>
                 </a:solidFill>
@@ -10733,62 +10770,62 @@
               <a:t>s</a:t>
             </a:r>
             <a:r>
-              <a:rPr sz="1500" spc="5" dirty="0">
+              <a:rPr lang="en-US" sz="1500" spc="5" dirty="0" err="1">
                 <a:latin typeface="Consolas"/>
                 <a:cs typeface="Consolas"/>
               </a:rPr>
               <a:t>.i</a:t>
             </a:r>
             <a:r>
-              <a:rPr sz="1500" dirty="0">
+              <a:rPr lang="en-US" sz="1500" dirty="0" err="1">
                 <a:latin typeface="Consolas"/>
                 <a:cs typeface="Consolas"/>
               </a:rPr>
               <a:t>d</a:t>
             </a:r>
             <a:r>
-              <a:rPr sz="1500" dirty="0">
-                <a:latin typeface="Times New Roman"/>
-                <a:cs typeface="Times New Roman"/>
-              </a:rPr>
-              <a:t> </a:t>
-            </a:r>
-            <a:r>
-              <a:rPr sz="1500" spc="90" dirty="0">
-                <a:latin typeface="Times New Roman"/>
-                <a:cs typeface="Times New Roman"/>
-              </a:rPr>
-              <a:t> </a:t>
-            </a:r>
-            <a:r>
-              <a:rPr sz="1500" dirty="0">
+              <a:rPr lang="en-US" sz="1500" dirty="0">
+                <a:latin typeface="Times New Roman"/>
+                <a:cs typeface="Times New Roman"/>
+              </a:rPr>
+              <a:t> </a:t>
+            </a:r>
+            <a:r>
+              <a:rPr lang="en-US" sz="1500" spc="90" dirty="0">
+                <a:latin typeface="Times New Roman"/>
+                <a:cs typeface="Times New Roman"/>
+              </a:rPr>
+              <a:t> </a:t>
+            </a:r>
+            <a:r>
+              <a:rPr lang="en-US" sz="1500" dirty="0">
                 <a:latin typeface="Consolas"/>
                 <a:cs typeface="Consolas"/>
               </a:rPr>
               <a:t>=</a:t>
             </a:r>
             <a:r>
-              <a:rPr sz="1500" dirty="0">
-                <a:latin typeface="Times New Roman"/>
-                <a:cs typeface="Times New Roman"/>
-              </a:rPr>
-              <a:t> </a:t>
-            </a:r>
-            <a:r>
-              <a:rPr sz="1500" spc="90" dirty="0">
-                <a:latin typeface="Times New Roman"/>
-                <a:cs typeface="Times New Roman"/>
-              </a:rPr>
-              <a:t> </a:t>
-            </a:r>
-            <a:r>
-              <a:rPr sz="1500" spc="5" dirty="0">
+              <a:rPr lang="en-US" sz="1500" dirty="0">
+                <a:latin typeface="Times New Roman"/>
+                <a:cs typeface="Times New Roman"/>
+              </a:rPr>
+              <a:t> </a:t>
+            </a:r>
+            <a:r>
+              <a:rPr lang="en-US" sz="1500" spc="90" dirty="0">
+                <a:latin typeface="Times New Roman"/>
+                <a:cs typeface="Times New Roman"/>
+              </a:rPr>
+              <a:t> </a:t>
+            </a:r>
+            <a:r>
+              <a:rPr lang="en-US" sz="1500" spc="5" dirty="0">
                 <a:latin typeface="Consolas"/>
                 <a:cs typeface="Consolas"/>
               </a:rPr>
               <a:t>id;</a:t>
             </a:r>
-            <a:endParaRPr sz="1500" dirty="0">
+            <a:endParaRPr lang="en-US" sz="1500" dirty="0">
               <a:latin typeface="Consolas"/>
               <a:cs typeface="Consolas"/>
             </a:endParaRPr>
@@ -10803,13 +10840,13 @@
               </a:spcBef>
             </a:pPr>
             <a:r>
-              <a:rPr sz="1500" spc="5" dirty="0">
+              <a:rPr lang="en-US" sz="1500" spc="5" dirty="0">
                 <a:latin typeface="Consolas"/>
                 <a:cs typeface="Consolas"/>
               </a:rPr>
               <a:t>});</a:t>
             </a:r>
-            <a:endParaRPr sz="1500" dirty="0">
+            <a:endParaRPr lang="en-US" sz="1500" dirty="0">
               <a:latin typeface="Consolas"/>
               <a:cs typeface="Consolas"/>
             </a:endParaRPr>
@@ -10824,7 +10861,7 @@
               </a:spcBef>
             </a:pPr>
             <a:r>
-              <a:rPr sz="1500" dirty="0">
+              <a:rPr lang="en-US" sz="1500" dirty="0">
                 <a:latin typeface="Consolas"/>
                 <a:cs typeface="Consolas"/>
               </a:rPr>
@@ -10841,12 +10878,26 @@
               </a:spcBef>
             </a:pPr>
             <a:r>
-              <a:rPr sz="1500" dirty="0">
+              <a:rPr lang="en-US" sz="1500" dirty="0">
                 <a:latin typeface="Consolas"/>
                 <a:cs typeface="Consolas"/>
               </a:rPr>
               <a:t>}</a:t>
             </a:r>
+          </a:p>
+          <a:p>
+            <a:pPr marL="12700">
+              <a:lnSpc>
+                <a:spcPct val="100000"/>
+              </a:lnSpc>
+              <a:spcBef>
+                <a:spcPts val="10"/>
+              </a:spcBef>
+            </a:pPr>
+            <a:endParaRPr sz="1500" dirty="0">
+              <a:latin typeface="Consolas"/>
+              <a:cs typeface="Consolas"/>
+            </a:endParaRPr>
           </a:p>
         </p:txBody>
       </p:sp>
@@ -11136,7 +11187,13 @@
           <p:cNvGraphicFramePr>
             <a:graphicFrameLocks noGrp="1"/>
           </p:cNvGraphicFramePr>
-          <p:nvPr/>
+          <p:nvPr>
+            <p:extLst>
+              <p:ext uri="{D42A27DB-BD31-4B8C-83A1-F6EECF244321}">
+                <p14:modId xmlns:p14="http://schemas.microsoft.com/office/powerpoint/2010/main" val="2525399026"/>
+              </p:ext>
+            </p:extLst>
+          </p:nvPr>
         </p:nvGraphicFramePr>
         <p:xfrm>
           <a:off x="1329703" y="1614808"/>
@@ -11508,7 +11565,14 @@
                           <a:latin typeface="Consolas"/>
                           <a:cs typeface="Consolas"/>
                         </a:rPr>
-                        <a:t>{ActivatedRoute</a:t>
+                        <a:t>{</a:t>
+                      </a:r>
+                      <a:r>
+                        <a:rPr sz="1500" b="1" spc="5" dirty="0">
+                          <a:latin typeface="Consolas"/>
+                          <a:cs typeface="Consolas"/>
+                        </a:rPr>
+                        <a:t>ActivatedRoute</a:t>
                       </a:r>
                       <a:r>
                         <a:rPr sz="1500" dirty="0">
@@ -16555,7 +16619,7 @@
               </a:rPr>
               <a:t>imports</a:t>
             </a:r>
-            <a:endParaRPr sz="1700">
+            <a:endParaRPr sz="1700" dirty="0">
               <a:latin typeface="Consolas"/>
               <a:cs typeface="Consolas"/>
             </a:endParaRPr>
@@ -16576,7 +16640,7 @@
               </a:rPr>
               <a:t>…</a:t>
             </a:r>
-            <a:endParaRPr sz="1700">
+            <a:endParaRPr sz="1700" dirty="0">
               <a:latin typeface="Consolas"/>
               <a:cs typeface="Consolas"/>
             </a:endParaRPr>
@@ -16597,7 +16661,7 @@
               </a:rPr>
               <a:t>],</a:t>
             </a:r>
-            <a:endParaRPr sz="1700">
+            <a:endParaRPr sz="1700" dirty="0">
               <a:latin typeface="Consolas"/>
               <a:cs typeface="Consolas"/>
             </a:endParaRPr>
@@ -16726,7 +16790,7 @@
               </a:rPr>
               <a:t>[</a:t>
             </a:r>
-            <a:endParaRPr sz="1700">
+            <a:endParaRPr sz="1700" dirty="0">
               <a:latin typeface="Consolas"/>
               <a:cs typeface="Consolas"/>
             </a:endParaRPr>
@@ -16761,7 +16825,7 @@
               </a:rPr>
               <a:t>CityDetailComponent</a:t>
             </a:r>
-            <a:endParaRPr sz="1700">
+            <a:endParaRPr sz="1700" dirty="0">
               <a:latin typeface="Consolas"/>
               <a:cs typeface="Consolas"/>
             </a:endParaRPr>
@@ -16782,7 +16846,7 @@
               </a:rPr>
               <a:t>],</a:t>
             </a:r>
-            <a:endParaRPr sz="1700">
+            <a:endParaRPr sz="1700" dirty="0">
               <a:latin typeface="Consolas"/>
               <a:cs typeface="Consolas"/>
             </a:endParaRPr>
@@ -16897,7 +16961,7 @@
               </a:rPr>
               <a:t>[CityService],</a:t>
             </a:r>
-            <a:endParaRPr sz="1700">
+            <a:endParaRPr sz="1700" dirty="0">
               <a:latin typeface="Consolas"/>
               <a:cs typeface="Consolas"/>
             </a:endParaRPr>
@@ -16939,7 +17003,7 @@
               </a:rPr>
               <a:t>[MainComponent]</a:t>
             </a:r>
-            <a:endParaRPr sz="1700">
+            <a:endParaRPr sz="1700" dirty="0">
               <a:latin typeface="Consolas"/>
               <a:cs typeface="Consolas"/>
             </a:endParaRPr>
@@ -16979,10 +17043,6 @@
               </a:rPr>
               <a:t>})</a:t>
             </a:r>
-            <a:endParaRPr sz="1700">
-              <a:latin typeface="Consolas"/>
-              <a:cs typeface="Consolas"/>
-            </a:endParaRPr>
           </a:p>
           <a:p>
             <a:pPr marL="12700">
@@ -17108,7 +17168,7 @@
               </a:rPr>
               <a:t>{</a:t>
             </a:r>
-            <a:endParaRPr sz="1700">
+            <a:endParaRPr sz="1700" dirty="0">
               <a:latin typeface="Consolas"/>
               <a:cs typeface="Consolas"/>
             </a:endParaRPr>
@@ -17129,7 +17189,7 @@
               </a:rPr>
               <a:t>}</a:t>
             </a:r>
-            <a:endParaRPr sz="1700">
+            <a:endParaRPr sz="1700" dirty="0">
               <a:latin typeface="Consolas"/>
               <a:cs typeface="Consolas"/>
             </a:endParaRPr>
@@ -30373,61 +30433,96 @@
           <a:lstStyle/>
           <a:p>
             <a:r>
-              <a:rPr lang="en-US" dirty="0"/>
+              <a:rPr lang="en-US" dirty="0">
+                <a:latin typeface="Consolas" panose="020B0609020204030204" pitchFamily="49" charset="0"/>
+                <a:cs typeface="Consolas" panose="020B0609020204030204" pitchFamily="49" charset="0"/>
+              </a:rPr>
               <a:t>import {Pipe, </a:t>
             </a:r>
             <a:r>
-              <a:rPr lang="en-US" dirty="0" err="1"/>
+              <a:rPr lang="en-US" dirty="0" err="1">
+                <a:latin typeface="Consolas" panose="020B0609020204030204" pitchFamily="49" charset="0"/>
+                <a:cs typeface="Consolas" panose="020B0609020204030204" pitchFamily="49" charset="0"/>
+              </a:rPr>
               <a:t>PipeTransform</a:t>
             </a:r>
             <a:r>
-              <a:rPr lang="en-US" dirty="0"/>
+              <a:rPr lang="en-US" dirty="0">
+                <a:latin typeface="Consolas" panose="020B0609020204030204" pitchFamily="49" charset="0"/>
+                <a:cs typeface="Consolas" panose="020B0609020204030204" pitchFamily="49" charset="0"/>
+              </a:rPr>
               <a:t>} from '@angular/core';</a:t>
             </a:r>
           </a:p>
           <a:p>
             <a:br>
-              <a:rPr lang="en-US" dirty="0"/>
+              <a:rPr lang="en-US" dirty="0">
+                <a:latin typeface="Consolas" panose="020B0609020204030204" pitchFamily="49" charset="0"/>
+                <a:cs typeface="Consolas" panose="020B0609020204030204" pitchFamily="49" charset="0"/>
+              </a:rPr>
             </a:br>
             <a:r>
               <a:rPr lang="en-US" dirty="0">
                 <a:solidFill>
                   <a:srgbClr val="FF0000"/>
                 </a:solidFill>
+                <a:latin typeface="Consolas" panose="020B0609020204030204" pitchFamily="49" charset="0"/>
+                <a:cs typeface="Consolas" panose="020B0609020204030204" pitchFamily="49" charset="0"/>
               </a:rPr>
               <a:t>@Pipe</a:t>
             </a:r>
             <a:r>
-              <a:rPr lang="en-US" dirty="0"/>
+              <a:rPr lang="en-US" dirty="0">
+                <a:latin typeface="Consolas" panose="020B0609020204030204" pitchFamily="49" charset="0"/>
+                <a:cs typeface="Consolas" panose="020B0609020204030204" pitchFamily="49" charset="0"/>
+              </a:rPr>
               <a:t>({</a:t>
             </a:r>
           </a:p>
           <a:p>
             <a:r>
-              <a:rPr lang="en-US" dirty="0"/>
+              <a:rPr lang="en-US" dirty="0">
+                <a:latin typeface="Consolas" panose="020B0609020204030204" pitchFamily="49" charset="0"/>
+                <a:cs typeface="Consolas" panose="020B0609020204030204" pitchFamily="49" charset="0"/>
+              </a:rPr>
               <a:t>     name: 'filter’</a:t>
             </a:r>
           </a:p>
           <a:p>
             <a:r>
-              <a:rPr lang="en-US" dirty="0"/>
+              <a:rPr lang="en-US" dirty="0">
+                <a:latin typeface="Consolas" panose="020B0609020204030204" pitchFamily="49" charset="0"/>
+                <a:cs typeface="Consolas" panose="020B0609020204030204" pitchFamily="49" charset="0"/>
+              </a:rPr>
               <a:t>})</a:t>
             </a:r>
           </a:p>
           <a:p>
-            <a:endParaRPr lang="en-US" dirty="0"/>
-          </a:p>
-          <a:p>
-            <a:r>
-              <a:rPr lang="en-US" dirty="0"/>
+            <a:endParaRPr lang="en-US" dirty="0">
+              <a:latin typeface="Consolas" panose="020B0609020204030204" pitchFamily="49" charset="0"/>
+              <a:cs typeface="Consolas" panose="020B0609020204030204" pitchFamily="49" charset="0"/>
+            </a:endParaRPr>
+          </a:p>
+          <a:p>
+            <a:r>
+              <a:rPr lang="en-US" dirty="0">
+                <a:latin typeface="Consolas" panose="020B0609020204030204" pitchFamily="49" charset="0"/>
+                <a:cs typeface="Consolas" panose="020B0609020204030204" pitchFamily="49" charset="0"/>
+              </a:rPr>
               <a:t>export class </a:t>
             </a:r>
             <a:r>
-              <a:rPr lang="en-US" dirty="0" err="1"/>
+              <a:rPr lang="en-US" dirty="0" err="1">
+                <a:latin typeface="Consolas" panose="020B0609020204030204" pitchFamily="49" charset="0"/>
+                <a:cs typeface="Consolas" panose="020B0609020204030204" pitchFamily="49" charset="0"/>
+              </a:rPr>
               <a:t>FilterPipe</a:t>
             </a:r>
             <a:r>
-              <a:rPr lang="en-US" dirty="0"/>
+              <a:rPr lang="en-US" dirty="0">
+                <a:latin typeface="Consolas" panose="020B0609020204030204" pitchFamily="49" charset="0"/>
+                <a:cs typeface="Consolas" panose="020B0609020204030204" pitchFamily="49" charset="0"/>
+              </a:rPr>
               <a:t> implements </a:t>
             </a:r>
             <a:r>
@@ -30435,22 +30530,33 @@
                 <a:solidFill>
                   <a:srgbClr val="FF0000"/>
                 </a:solidFill>
+                <a:latin typeface="Consolas" panose="020B0609020204030204" pitchFamily="49" charset="0"/>
+                <a:cs typeface="Consolas" panose="020B0609020204030204" pitchFamily="49" charset="0"/>
               </a:rPr>
               <a:t>PipeTransform</a:t>
             </a:r>
             <a:r>
-              <a:rPr lang="en-US" dirty="0"/>
+              <a:rPr lang="en-US" dirty="0">
+                <a:latin typeface="Consolas" panose="020B0609020204030204" pitchFamily="49" charset="0"/>
+                <a:cs typeface="Consolas" panose="020B0609020204030204" pitchFamily="49" charset="0"/>
+              </a:rPr>
               <a:t> {</a:t>
             </a:r>
           </a:p>
           <a:p>
             <a:pPr lvl="1"/>
-            <a:endParaRPr lang="en-US" dirty="0"/>
+            <a:endParaRPr lang="en-US" dirty="0">
+              <a:latin typeface="Consolas" panose="020B0609020204030204" pitchFamily="49" charset="0"/>
+              <a:cs typeface="Consolas" panose="020B0609020204030204" pitchFamily="49" charset="0"/>
+            </a:endParaRPr>
           </a:p>
           <a:p>
             <a:pPr lvl="1"/>
             <a:r>
-              <a:rPr lang="en-US" dirty="0"/>
+              <a:rPr lang="en-US" dirty="0">
+                <a:latin typeface="Consolas" panose="020B0609020204030204" pitchFamily="49" charset="0"/>
+                <a:cs typeface="Consolas" panose="020B0609020204030204" pitchFamily="49" charset="0"/>
+              </a:rPr>
               <a:t>	</a:t>
             </a:r>
             <a:r>
@@ -30458,43 +30564,66 @@
                 <a:solidFill>
                   <a:srgbClr val="FF0000"/>
                 </a:solidFill>
+                <a:latin typeface="Consolas" panose="020B0609020204030204" pitchFamily="49" charset="0"/>
+                <a:cs typeface="Consolas" panose="020B0609020204030204" pitchFamily="49" charset="0"/>
               </a:rPr>
               <a:t>transform</a:t>
             </a:r>
             <a:r>
-              <a:rPr lang="en-US" sz="2400" dirty="0"/>
+              <a:rPr lang="en-US" sz="2400" dirty="0">
+                <a:latin typeface="Consolas" panose="020B0609020204030204" pitchFamily="49" charset="0"/>
+                <a:cs typeface="Consolas" panose="020B0609020204030204" pitchFamily="49" charset="0"/>
+              </a:rPr>
               <a:t>(value: any[], </a:t>
             </a:r>
             <a:r>
-              <a:rPr lang="en-US" sz="2400" dirty="0" err="1"/>
+              <a:rPr lang="en-US" sz="2400" dirty="0" err="1">
+                <a:latin typeface="Consolas" panose="020B0609020204030204" pitchFamily="49" charset="0"/>
+                <a:cs typeface="Consolas" panose="020B0609020204030204" pitchFamily="49" charset="0"/>
+              </a:rPr>
               <a:t>args</a:t>
             </a:r>
             <a:r>
-              <a:rPr lang="en-US" sz="2400" dirty="0"/>
+              <a:rPr lang="en-US" sz="2400" dirty="0">
+                <a:latin typeface="Consolas" panose="020B0609020204030204" pitchFamily="49" charset="0"/>
+                <a:cs typeface="Consolas" panose="020B0609020204030204" pitchFamily="49" charset="0"/>
+              </a:rPr>
               <a:t>: any[]) {</a:t>
             </a:r>
           </a:p>
           <a:p>
             <a:pPr lvl="1"/>
             <a:r>
-              <a:rPr lang="en-US" sz="2400" dirty="0"/>
+              <a:rPr lang="en-US" sz="2400" dirty="0">
+                <a:latin typeface="Consolas" panose="020B0609020204030204" pitchFamily="49" charset="0"/>
+                <a:cs typeface="Consolas" panose="020B0609020204030204" pitchFamily="49" charset="0"/>
+              </a:rPr>
               <a:t>		return;</a:t>
             </a:r>
           </a:p>
           <a:p>
             <a:r>
-              <a:rPr lang="en-US" dirty="0"/>
+              <a:rPr lang="en-US" dirty="0">
+                <a:latin typeface="Consolas" panose="020B0609020204030204" pitchFamily="49" charset="0"/>
+                <a:cs typeface="Consolas" panose="020B0609020204030204" pitchFamily="49" charset="0"/>
+              </a:rPr>
               <a:t>	}</a:t>
             </a:r>
           </a:p>
           <a:p>
             <a:r>
-              <a:rPr lang="en-US" dirty="0"/>
+              <a:rPr lang="en-US" dirty="0">
+                <a:latin typeface="Consolas" panose="020B0609020204030204" pitchFamily="49" charset="0"/>
+                <a:cs typeface="Consolas" panose="020B0609020204030204" pitchFamily="49" charset="0"/>
+              </a:rPr>
               <a:t>}</a:t>
             </a:r>
           </a:p>
           <a:p>
-            <a:endParaRPr lang="en-US" dirty="0"/>
+            <a:endParaRPr lang="en-US" dirty="0">
+              <a:latin typeface="Consolas" panose="020B0609020204030204" pitchFamily="49" charset="0"/>
+              <a:cs typeface="Consolas" panose="020B0609020204030204" pitchFamily="49" charset="0"/>
+            </a:endParaRPr>
           </a:p>
         </p:txBody>
       </p:sp>
@@ -30697,7 +30826,7 @@
         <p:spPr>
           <a:xfrm>
             <a:off x="833609" y="906270"/>
-            <a:ext cx="9859791" cy="5663089"/>
+            <a:ext cx="9999491" cy="4739759"/>
           </a:xfrm>
         </p:spPr>
         <p:txBody>
@@ -30705,313 +30834,487 @@
           <a:lstStyle/>
           <a:p>
             <a:r>
-              <a:rPr lang="en-US" sz="1600" dirty="0"/>
+              <a:rPr lang="en-US" sz="1400" dirty="0">
+                <a:latin typeface="Consolas" panose="020B0609020204030204" pitchFamily="49" charset="0"/>
+                <a:cs typeface="Consolas" panose="020B0609020204030204" pitchFamily="49" charset="0"/>
+              </a:rPr>
               <a:t>import {Pipe, </a:t>
             </a:r>
             <a:r>
-              <a:rPr lang="en-US" sz="1600" dirty="0" err="1"/>
+              <a:rPr lang="en-US" sz="1400" dirty="0" err="1">
+                <a:latin typeface="Consolas" panose="020B0609020204030204" pitchFamily="49" charset="0"/>
+                <a:cs typeface="Consolas" panose="020B0609020204030204" pitchFamily="49" charset="0"/>
+              </a:rPr>
               <a:t>PipeTransform</a:t>
             </a:r>
             <a:r>
-              <a:rPr lang="en-US" sz="1600" dirty="0"/>
+              <a:rPr lang="en-US" sz="1400" dirty="0">
+                <a:latin typeface="Consolas" panose="020B0609020204030204" pitchFamily="49" charset="0"/>
+                <a:cs typeface="Consolas" panose="020B0609020204030204" pitchFamily="49" charset="0"/>
+              </a:rPr>
               <a:t>} from '@angular/core';</a:t>
             </a:r>
           </a:p>
           <a:p>
             <a:br>
-              <a:rPr lang="en-US" sz="1600" dirty="0"/>
+              <a:rPr lang="en-US" sz="1400" dirty="0">
+                <a:latin typeface="Consolas" panose="020B0609020204030204" pitchFamily="49" charset="0"/>
+                <a:cs typeface="Consolas" panose="020B0609020204030204" pitchFamily="49" charset="0"/>
+              </a:rPr>
             </a:br>
             <a:r>
-              <a:rPr lang="en-US" sz="1600" b="1" dirty="0"/>
+              <a:rPr lang="en-US" sz="1400" b="1" dirty="0">
+                <a:latin typeface="Consolas" panose="020B0609020204030204" pitchFamily="49" charset="0"/>
+                <a:cs typeface="Consolas" panose="020B0609020204030204" pitchFamily="49" charset="0"/>
+              </a:rPr>
               <a:t>@Pipe</a:t>
             </a:r>
             <a:r>
-              <a:rPr lang="en-US" sz="1600" dirty="0"/>
+              <a:rPr lang="en-US" sz="1400" dirty="0">
+                <a:latin typeface="Consolas" panose="020B0609020204030204" pitchFamily="49" charset="0"/>
+                <a:cs typeface="Consolas" panose="020B0609020204030204" pitchFamily="49" charset="0"/>
+              </a:rPr>
               <a:t>({</a:t>
             </a:r>
           </a:p>
           <a:p>
             <a:r>
-              <a:rPr lang="en-US" sz="1600" dirty="0"/>
+              <a:rPr lang="en-US" sz="1400" dirty="0">
+                <a:latin typeface="Consolas" panose="020B0609020204030204" pitchFamily="49" charset="0"/>
+                <a:cs typeface="Consolas" panose="020B0609020204030204" pitchFamily="49" charset="0"/>
+              </a:rPr>
               <a:t>      name: 'filter’</a:t>
             </a:r>
           </a:p>
           <a:p>
             <a:r>
-              <a:rPr lang="en-US" sz="1600" dirty="0"/>
+              <a:rPr lang="en-US" sz="1400" dirty="0">
+                <a:latin typeface="Consolas" panose="020B0609020204030204" pitchFamily="49" charset="0"/>
+                <a:cs typeface="Consolas" panose="020B0609020204030204" pitchFamily="49" charset="0"/>
+              </a:rPr>
               <a:t>})</a:t>
             </a:r>
           </a:p>
           <a:p>
-            <a:endParaRPr lang="en-US" sz="1600" dirty="0"/>
-          </a:p>
-          <a:p>
-            <a:r>
-              <a:rPr lang="en-US" sz="1600" dirty="0"/>
+            <a:endParaRPr lang="en-US" sz="1400" dirty="0">
+              <a:latin typeface="Consolas" panose="020B0609020204030204" pitchFamily="49" charset="0"/>
+              <a:cs typeface="Consolas" panose="020B0609020204030204" pitchFamily="49" charset="0"/>
+            </a:endParaRPr>
+          </a:p>
+          <a:p>
+            <a:r>
+              <a:rPr lang="en-US" sz="1400" dirty="0">
+                <a:latin typeface="Consolas" panose="020B0609020204030204" pitchFamily="49" charset="0"/>
+                <a:cs typeface="Consolas" panose="020B0609020204030204" pitchFamily="49" charset="0"/>
+              </a:rPr>
               <a:t>export class </a:t>
             </a:r>
             <a:r>
-              <a:rPr lang="en-US" sz="1600" b="1" dirty="0" err="1">
+              <a:rPr lang="en-US" sz="1400" b="1" dirty="0" err="1">
                 <a:solidFill>
                   <a:srgbClr val="C00000"/>
                 </a:solidFill>
+                <a:latin typeface="Consolas" panose="020B0609020204030204" pitchFamily="49" charset="0"/>
+                <a:cs typeface="Consolas" panose="020B0609020204030204" pitchFamily="49" charset="0"/>
               </a:rPr>
               <a:t>FilterPipe</a:t>
             </a:r>
             <a:r>
-              <a:rPr lang="en-US" sz="1600" dirty="0"/>
-              <a:t> </a:t>
-            </a:r>
-            <a:r>
-              <a:rPr lang="en-US" sz="1600" i="1" dirty="0"/>
+              <a:rPr lang="en-US" sz="1400" dirty="0">
+                <a:latin typeface="Consolas" panose="020B0609020204030204" pitchFamily="49" charset="0"/>
+                <a:cs typeface="Consolas" panose="020B0609020204030204" pitchFamily="49" charset="0"/>
+              </a:rPr>
+              <a:t> </a:t>
+            </a:r>
+            <a:r>
+              <a:rPr lang="en-US" sz="1400" i="1" dirty="0">
+                <a:latin typeface="Consolas" panose="020B0609020204030204" pitchFamily="49" charset="0"/>
+                <a:cs typeface="Consolas" panose="020B0609020204030204" pitchFamily="49" charset="0"/>
+              </a:rPr>
               <a:t>implements</a:t>
             </a:r>
             <a:r>
-              <a:rPr lang="en-US" sz="1600" dirty="0"/>
-              <a:t> </a:t>
-            </a:r>
-            <a:r>
-              <a:rPr lang="en-US" sz="1600" b="1" dirty="0" err="1"/>
+              <a:rPr lang="en-US" sz="1400" dirty="0">
+                <a:latin typeface="Consolas" panose="020B0609020204030204" pitchFamily="49" charset="0"/>
+                <a:cs typeface="Consolas" panose="020B0609020204030204" pitchFamily="49" charset="0"/>
+              </a:rPr>
+              <a:t> </a:t>
+            </a:r>
+            <a:r>
+              <a:rPr lang="en-US" sz="1400" b="1" dirty="0" err="1">
+                <a:solidFill>
+                  <a:srgbClr val="C00000"/>
+                </a:solidFill>
+                <a:latin typeface="Consolas" panose="020B0609020204030204" pitchFamily="49" charset="0"/>
+                <a:cs typeface="Consolas" panose="020B0609020204030204" pitchFamily="49" charset="0"/>
+              </a:rPr>
               <a:t>PipeTransform</a:t>
             </a:r>
             <a:r>
-              <a:rPr lang="en-US" sz="1600" dirty="0"/>
+              <a:rPr lang="en-US" sz="1400" dirty="0">
+                <a:latin typeface="Consolas" panose="020B0609020204030204" pitchFamily="49" charset="0"/>
+                <a:cs typeface="Consolas" panose="020B0609020204030204" pitchFamily="49" charset="0"/>
+              </a:rPr>
               <a:t> {</a:t>
             </a:r>
           </a:p>
           <a:p>
             <a:pPr lvl="1"/>
-            <a:endParaRPr lang="en-US" sz="1600" dirty="0"/>
+            <a:endParaRPr lang="en-US" sz="1400" dirty="0">
+              <a:latin typeface="Consolas" panose="020B0609020204030204" pitchFamily="49" charset="0"/>
+              <a:cs typeface="Consolas" panose="020B0609020204030204" pitchFamily="49" charset="0"/>
+            </a:endParaRPr>
           </a:p>
           <a:p>
             <a:pPr lvl="1"/>
             <a:r>
-              <a:rPr lang="en-US" sz="1600" dirty="0"/>
-              <a:t>transform(</a:t>
-            </a:r>
-            <a:r>
-              <a:rPr lang="en-US" sz="1600" b="1" dirty="0">
+              <a:rPr lang="en-US" sz="1400" dirty="0">
+                <a:latin typeface="Consolas" panose="020B0609020204030204" pitchFamily="49" charset="0"/>
+                <a:cs typeface="Consolas" panose="020B0609020204030204" pitchFamily="49" charset="0"/>
+              </a:rPr>
+              <a:t>    </a:t>
+            </a:r>
+            <a:r>
+              <a:rPr lang="en-US" sz="1400" b="1" dirty="0">
                 <a:solidFill>
                   <a:srgbClr val="C00000"/>
                 </a:solidFill>
+                <a:latin typeface="Consolas" panose="020B0609020204030204" pitchFamily="49" charset="0"/>
+                <a:cs typeface="Consolas" panose="020B0609020204030204" pitchFamily="49" charset="0"/>
+              </a:rPr>
+              <a:t>transform</a:t>
+            </a:r>
+            <a:r>
+              <a:rPr lang="en-US" sz="1400" dirty="0">
+                <a:latin typeface="Consolas" panose="020B0609020204030204" pitchFamily="49" charset="0"/>
+                <a:cs typeface="Consolas" panose="020B0609020204030204" pitchFamily="49" charset="0"/>
+              </a:rPr>
+              <a:t>(</a:t>
+            </a:r>
+            <a:r>
+              <a:rPr lang="en-US" sz="1400" b="1" dirty="0" err="1">
+                <a:solidFill>
+                  <a:srgbClr val="C00000"/>
+                </a:solidFill>
+                <a:latin typeface="Consolas" panose="020B0609020204030204" pitchFamily="49" charset="0"/>
+                <a:cs typeface="Consolas" panose="020B0609020204030204" pitchFamily="49" charset="0"/>
+              </a:rPr>
+              <a:t>listItems</a:t>
+            </a:r>
+            <a:r>
+              <a:rPr lang="en-US" sz="1400" dirty="0">
+                <a:latin typeface="Consolas" panose="020B0609020204030204" pitchFamily="49" charset="0"/>
+                <a:cs typeface="Consolas" panose="020B0609020204030204" pitchFamily="49" charset="0"/>
+              </a:rPr>
+              <a:t>: any[], </a:t>
+            </a:r>
+            <a:r>
+              <a:rPr lang="en-US" sz="1400" b="1" dirty="0" err="1">
+                <a:solidFill>
+                  <a:srgbClr val="C00000"/>
+                </a:solidFill>
+                <a:latin typeface="Consolas" panose="020B0609020204030204" pitchFamily="49" charset="0"/>
+                <a:cs typeface="Consolas" panose="020B0609020204030204" pitchFamily="49" charset="0"/>
+              </a:rPr>
+              <a:t>args</a:t>
+            </a:r>
+            <a:r>
+              <a:rPr lang="en-US" sz="1400" dirty="0">
+                <a:latin typeface="Consolas" panose="020B0609020204030204" pitchFamily="49" charset="0"/>
+                <a:cs typeface="Consolas" panose="020B0609020204030204" pitchFamily="49" charset="0"/>
+              </a:rPr>
+              <a:t>: any[]) {</a:t>
+            </a:r>
+          </a:p>
+          <a:p>
+            <a:pPr lvl="1"/>
+            <a:endParaRPr lang="en-US" sz="1400" dirty="0">
+              <a:latin typeface="Consolas" panose="020B0609020204030204" pitchFamily="49" charset="0"/>
+              <a:cs typeface="Consolas" panose="020B0609020204030204" pitchFamily="49" charset="0"/>
+            </a:endParaRPr>
+          </a:p>
+          <a:p>
+            <a:pPr lvl="2"/>
+            <a:r>
+              <a:rPr lang="en-US" sz="1400" dirty="0">
+                <a:latin typeface="Consolas" panose="020B0609020204030204" pitchFamily="49" charset="0"/>
+                <a:cs typeface="Consolas" panose="020B0609020204030204" pitchFamily="49" charset="0"/>
+              </a:rPr>
+              <a:t>if (!</a:t>
+            </a:r>
+            <a:r>
+              <a:rPr lang="en-US" sz="1400" b="1" dirty="0" err="1">
+                <a:solidFill>
+                  <a:srgbClr val="C00000"/>
+                </a:solidFill>
+                <a:latin typeface="Consolas" panose="020B0609020204030204" pitchFamily="49" charset="0"/>
+                <a:cs typeface="Consolas" panose="020B0609020204030204" pitchFamily="49" charset="0"/>
+              </a:rPr>
+              <a:t>args</a:t>
+            </a:r>
+            <a:r>
+              <a:rPr lang="en-US" sz="1400" dirty="0">
+                <a:latin typeface="Consolas" panose="020B0609020204030204" pitchFamily="49" charset="0"/>
+                <a:cs typeface="Consolas" panose="020B0609020204030204" pitchFamily="49" charset="0"/>
+              </a:rPr>
+              <a:t>) {</a:t>
+            </a:r>
+          </a:p>
+          <a:p>
+            <a:pPr lvl="2"/>
+            <a:r>
+              <a:rPr lang="en-US" sz="1400" dirty="0">
+                <a:latin typeface="Consolas" panose="020B0609020204030204" pitchFamily="49" charset="0"/>
+                <a:cs typeface="Consolas" panose="020B0609020204030204" pitchFamily="49" charset="0"/>
+              </a:rPr>
+              <a:t>   return value;</a:t>
+            </a:r>
+          </a:p>
+          <a:p>
+            <a:pPr lvl="2"/>
+            <a:r>
+              <a:rPr lang="en-US" sz="1400" dirty="0">
+                <a:latin typeface="Consolas" panose="020B0609020204030204" pitchFamily="49" charset="0"/>
+                <a:cs typeface="Consolas" panose="020B0609020204030204" pitchFamily="49" charset="0"/>
+              </a:rPr>
+              <a:t>}</a:t>
+            </a:r>
+            <a:br>
+              <a:rPr lang="en-US" sz="1400" dirty="0">
+                <a:latin typeface="Consolas" panose="020B0609020204030204" pitchFamily="49" charset="0"/>
+                <a:cs typeface="Consolas" panose="020B0609020204030204" pitchFamily="49" charset="0"/>
+              </a:rPr>
+            </a:br>
+            <a:endParaRPr lang="en-US" sz="1400" dirty="0">
+              <a:latin typeface="Consolas" panose="020B0609020204030204" pitchFamily="49" charset="0"/>
+              <a:cs typeface="Consolas" panose="020B0609020204030204" pitchFamily="49" charset="0"/>
+            </a:endParaRPr>
+          </a:p>
+          <a:p>
+            <a:pPr lvl="2"/>
+            <a:r>
+              <a:rPr lang="en-US" sz="1400" dirty="0">
+                <a:latin typeface="Consolas" panose="020B0609020204030204" pitchFamily="49" charset="0"/>
+                <a:cs typeface="Consolas" panose="020B0609020204030204" pitchFamily="49" charset="0"/>
+              </a:rPr>
+              <a:t>if (</a:t>
+            </a:r>
+            <a:r>
+              <a:rPr lang="en-US" sz="1400" b="1" dirty="0">
+                <a:solidFill>
+                  <a:srgbClr val="C00000"/>
+                </a:solidFill>
+                <a:latin typeface="Consolas" panose="020B0609020204030204" pitchFamily="49" charset="0"/>
+                <a:cs typeface="Consolas" panose="020B0609020204030204" pitchFamily="49" charset="0"/>
               </a:rPr>
               <a:t>value</a:t>
             </a:r>
             <a:r>
-              <a:rPr lang="en-US" sz="1600" dirty="0"/>
-              <a:t>: any[], </a:t>
-            </a:r>
-            <a:r>
-              <a:rPr lang="en-US" sz="1600" b="1" dirty="0" err="1">
+              <a:rPr lang="en-US" sz="1400" dirty="0">
+                <a:latin typeface="Consolas" panose="020B0609020204030204" pitchFamily="49" charset="0"/>
+                <a:cs typeface="Consolas" panose="020B0609020204030204" pitchFamily="49" charset="0"/>
+              </a:rPr>
+              <a:t>) {</a:t>
+            </a:r>
+          </a:p>
+          <a:p>
+            <a:pPr lvl="2"/>
+            <a:r>
+              <a:rPr lang="en-US" sz="1400" dirty="0">
+                <a:latin typeface="Consolas" panose="020B0609020204030204" pitchFamily="49" charset="0"/>
+                <a:cs typeface="Consolas" panose="020B0609020204030204" pitchFamily="49" charset="0"/>
+              </a:rPr>
+              <a:t>   const </a:t>
+            </a:r>
+            <a:r>
+              <a:rPr lang="en-US" sz="1400" b="1" dirty="0" err="1">
+                <a:latin typeface="Consolas" panose="020B0609020204030204" pitchFamily="49" charset="0"/>
+                <a:cs typeface="Consolas" panose="020B0609020204030204" pitchFamily="49" charset="0"/>
+              </a:rPr>
+              <a:t>searchFilter</a:t>
+            </a:r>
+            <a:r>
+              <a:rPr lang="en-US" sz="1400" dirty="0">
+                <a:latin typeface="Consolas" panose="020B0609020204030204" pitchFamily="49" charset="0"/>
+                <a:cs typeface="Consolas" panose="020B0609020204030204" pitchFamily="49" charset="0"/>
+              </a:rPr>
+              <a:t> = </a:t>
+            </a:r>
+            <a:r>
+              <a:rPr lang="en-US" sz="1400" b="1" dirty="0" err="1">
+                <a:solidFill>
+                  <a:srgbClr val="FF0000"/>
+                </a:solidFill>
+                <a:latin typeface="Consolas" panose="020B0609020204030204" pitchFamily="49" charset="0"/>
+                <a:cs typeface="Consolas" panose="020B0609020204030204" pitchFamily="49" charset="0"/>
+              </a:rPr>
+              <a:t>args</a:t>
+            </a:r>
+            <a:r>
+              <a:rPr lang="en-US" sz="1400" b="1" dirty="0">
+                <a:solidFill>
+                  <a:srgbClr val="FF0000"/>
+                </a:solidFill>
+                <a:latin typeface="Consolas" panose="020B0609020204030204" pitchFamily="49" charset="0"/>
+                <a:cs typeface="Consolas" panose="020B0609020204030204" pitchFamily="49" charset="0"/>
+              </a:rPr>
+              <a:t>[0]</a:t>
+            </a:r>
+            <a:r>
+              <a:rPr lang="en-US" sz="1400" dirty="0">
+                <a:latin typeface="Consolas" panose="020B0609020204030204" pitchFamily="49" charset="0"/>
+                <a:cs typeface="Consolas" panose="020B0609020204030204" pitchFamily="49" charset="0"/>
+              </a:rPr>
+              <a:t>.</a:t>
+            </a:r>
+            <a:r>
+              <a:rPr lang="en-US" sz="1400" dirty="0" err="1">
+                <a:latin typeface="Consolas" panose="020B0609020204030204" pitchFamily="49" charset="0"/>
+                <a:cs typeface="Consolas" panose="020B0609020204030204" pitchFamily="49" charset="0"/>
+              </a:rPr>
+              <a:t>toLowerCase</a:t>
+            </a:r>
+            <a:r>
+              <a:rPr lang="en-US" sz="1400" dirty="0">
+                <a:latin typeface="Consolas" panose="020B0609020204030204" pitchFamily="49" charset="0"/>
+                <a:cs typeface="Consolas" panose="020B0609020204030204" pitchFamily="49" charset="0"/>
+              </a:rPr>
+              <a:t>();</a:t>
+            </a:r>
+            <a:br>
+              <a:rPr lang="en-US" sz="1400" dirty="0">
+                <a:latin typeface="Consolas" panose="020B0609020204030204" pitchFamily="49" charset="0"/>
+                <a:cs typeface="Consolas" panose="020B0609020204030204" pitchFamily="49" charset="0"/>
+              </a:rPr>
+            </a:br>
+            <a:r>
+              <a:rPr lang="en-US" sz="1400" dirty="0">
+                <a:latin typeface="Consolas" panose="020B0609020204030204" pitchFamily="49" charset="0"/>
+                <a:cs typeface="Consolas" panose="020B0609020204030204" pitchFamily="49" charset="0"/>
+              </a:rPr>
+              <a:t>   return </a:t>
+            </a:r>
+            <a:r>
+              <a:rPr lang="en-US" sz="1400" b="1" dirty="0" err="1">
                 <a:solidFill>
                   <a:srgbClr val="C00000"/>
                 </a:solidFill>
-              </a:rPr>
-              <a:t>args</a:t>
-            </a:r>
-            <a:r>
-              <a:rPr lang="en-US" sz="1600" dirty="0"/>
-              <a:t>: any[]) {</a:t>
+                <a:latin typeface="Consolas" panose="020B0609020204030204" pitchFamily="49" charset="0"/>
+                <a:cs typeface="Consolas" panose="020B0609020204030204" pitchFamily="49" charset="0"/>
+              </a:rPr>
+              <a:t>listItems</a:t>
+            </a:r>
+            <a:r>
+              <a:rPr lang="en-US" sz="1400" dirty="0" err="1">
+                <a:latin typeface="Consolas" panose="020B0609020204030204" pitchFamily="49" charset="0"/>
+                <a:cs typeface="Consolas" panose="020B0609020204030204" pitchFamily="49" charset="0"/>
+              </a:rPr>
+              <a:t>.</a:t>
+            </a:r>
+            <a:r>
+              <a:rPr lang="en-US" sz="1400" dirty="0" err="1">
+                <a:solidFill>
+                  <a:srgbClr val="FF0000"/>
+                </a:solidFill>
+                <a:latin typeface="Consolas" panose="020B0609020204030204" pitchFamily="49" charset="0"/>
+                <a:cs typeface="Consolas" panose="020B0609020204030204" pitchFamily="49" charset="0"/>
+              </a:rPr>
+              <a:t>filter</a:t>
+            </a:r>
+            <a:r>
+              <a:rPr lang="en-US" sz="1400" dirty="0">
+                <a:latin typeface="Consolas" panose="020B0609020204030204" pitchFamily="49" charset="0"/>
+                <a:cs typeface="Consolas" panose="020B0609020204030204" pitchFamily="49" charset="0"/>
+              </a:rPr>
+              <a:t>((item) =&gt; </a:t>
+            </a:r>
+            <a:r>
+              <a:rPr lang="en-US" sz="1400" dirty="0" err="1">
+                <a:latin typeface="Consolas" panose="020B0609020204030204" pitchFamily="49" charset="0"/>
+                <a:cs typeface="Consolas" panose="020B0609020204030204" pitchFamily="49" charset="0"/>
+              </a:rPr>
+              <a:t>item.name.toLowerCase</a:t>
+            </a:r>
+            <a:r>
+              <a:rPr lang="en-US" sz="1400" dirty="0">
+                <a:latin typeface="Consolas" panose="020B0609020204030204" pitchFamily="49" charset="0"/>
+                <a:cs typeface="Consolas" panose="020B0609020204030204" pitchFamily="49" charset="0"/>
+              </a:rPr>
+              <a:t>().</a:t>
+            </a:r>
+            <a:r>
+              <a:rPr lang="en-US" sz="1400" dirty="0" err="1">
+                <a:latin typeface="Consolas" panose="020B0609020204030204" pitchFamily="49" charset="0"/>
+                <a:cs typeface="Consolas" panose="020B0609020204030204" pitchFamily="49" charset="0"/>
+              </a:rPr>
+              <a:t>startsWith</a:t>
+            </a:r>
+            <a:r>
+              <a:rPr lang="en-US" sz="1400" dirty="0">
+                <a:latin typeface="Consolas" panose="020B0609020204030204" pitchFamily="49" charset="0"/>
+                <a:cs typeface="Consolas" panose="020B0609020204030204" pitchFamily="49" charset="0"/>
+              </a:rPr>
+              <a:t>(</a:t>
+            </a:r>
+            <a:r>
+              <a:rPr lang="en-US" sz="1400" b="1" dirty="0" err="1">
+                <a:latin typeface="Consolas" panose="020B0609020204030204" pitchFamily="49" charset="0"/>
+                <a:cs typeface="Consolas" panose="020B0609020204030204" pitchFamily="49" charset="0"/>
+              </a:rPr>
+              <a:t>searchFilter</a:t>
+            </a:r>
+            <a:r>
+              <a:rPr lang="en-US" sz="1400" dirty="0">
+                <a:latin typeface="Consolas" panose="020B0609020204030204" pitchFamily="49" charset="0"/>
+                <a:cs typeface="Consolas" panose="020B0609020204030204" pitchFamily="49" charset="0"/>
+              </a:rPr>
+              <a:t>));</a:t>
             </a:r>
           </a:p>
           <a:p>
             <a:pPr lvl="1"/>
-            <a:endParaRPr lang="en-US" sz="1600" dirty="0"/>
-          </a:p>
-          <a:p>
-            <a:pPr lvl="2"/>
-            <a:r>
-              <a:rPr lang="en-US" sz="1600" dirty="0"/>
-              <a:t>if (!</a:t>
-            </a:r>
-            <a:r>
-              <a:rPr lang="en-US" sz="1600" b="1" dirty="0" err="1">
-                <a:solidFill>
-                  <a:srgbClr val="C00000"/>
-                </a:solidFill>
-              </a:rPr>
-              <a:t>args</a:t>
-            </a:r>
-            <a:r>
-              <a:rPr lang="en-US" sz="1600" dirty="0"/>
-              <a:t>) {</a:t>
-            </a:r>
-          </a:p>
-          <a:p>
-            <a:pPr lvl="2"/>
-            <a:r>
-              <a:rPr lang="en-US" sz="1600" dirty="0"/>
-              <a:t>	return value;</a:t>
-            </a:r>
-          </a:p>
-          <a:p>
-            <a:pPr lvl="2"/>
-            <a:r>
-              <a:rPr lang="en-US" sz="1600" dirty="0"/>
+            <a:r>
+              <a:rPr lang="en-US" sz="1400" dirty="0">
+                <a:latin typeface="Consolas" panose="020B0609020204030204" pitchFamily="49" charset="0"/>
+                <a:cs typeface="Consolas" panose="020B0609020204030204" pitchFamily="49" charset="0"/>
+              </a:rPr>
+              <a:t>	}</a:t>
+            </a:r>
+          </a:p>
+          <a:p>
+            <a:pPr lvl="1"/>
+            <a:r>
+              <a:rPr lang="en-US" sz="1400" dirty="0">
+                <a:latin typeface="Consolas" panose="020B0609020204030204" pitchFamily="49" charset="0"/>
+                <a:cs typeface="Consolas" panose="020B0609020204030204" pitchFamily="49" charset="0"/>
+              </a:rPr>
+              <a:t>     return;</a:t>
+            </a:r>
+          </a:p>
+          <a:p>
+            <a:pPr lvl="1"/>
+            <a:r>
+              <a:rPr lang="en-US" sz="1400" dirty="0">
+                <a:latin typeface="Consolas" panose="020B0609020204030204" pitchFamily="49" charset="0"/>
+                <a:cs typeface="Consolas" panose="020B0609020204030204" pitchFamily="49" charset="0"/>
+              </a:rPr>
               <a:t>}</a:t>
             </a:r>
-            <a:br>
-              <a:rPr lang="en-US" sz="1600" dirty="0"/>
-            </a:br>
-            <a:endParaRPr lang="en-US" sz="1600" dirty="0"/>
-          </a:p>
-          <a:p>
-            <a:pPr lvl="2"/>
-            <a:r>
-              <a:rPr lang="en-US" sz="1600" dirty="0"/>
-              <a:t>if (</a:t>
-            </a:r>
-            <a:r>
-              <a:rPr lang="en-US" sz="1600" b="1" dirty="0">
-                <a:solidFill>
-                  <a:srgbClr val="C00000"/>
-                </a:solidFill>
-              </a:rPr>
-              <a:t>value</a:t>
-            </a:r>
-            <a:r>
-              <a:rPr lang="en-US" sz="1600" dirty="0"/>
-              <a:t>) {</a:t>
-            </a:r>
-          </a:p>
-          <a:p>
-            <a:pPr lvl="2"/>
-            <a:r>
-              <a:rPr lang="en-US" sz="1600" dirty="0"/>
-              <a:t>	</a:t>
-            </a:r>
-            <a:r>
-              <a:rPr lang="en-US" sz="1600" dirty="0" err="1"/>
-              <a:t>const</a:t>
-            </a:r>
-            <a:r>
-              <a:rPr lang="en-US" sz="1600" dirty="0"/>
-              <a:t> </a:t>
-            </a:r>
-            <a:r>
-              <a:rPr lang="en-US" sz="1600" b="1" dirty="0" err="1"/>
-              <a:t>searchFilter</a:t>
-            </a:r>
-            <a:r>
-              <a:rPr lang="en-US" sz="1600" dirty="0"/>
-              <a:t> = </a:t>
-            </a:r>
-            <a:r>
-              <a:rPr lang="en-US" sz="1600" b="1" dirty="0" err="1">
-                <a:solidFill>
-                  <a:srgbClr val="FF0000"/>
-                </a:solidFill>
-              </a:rPr>
-              <a:t>args</a:t>
-            </a:r>
-            <a:r>
-              <a:rPr lang="en-US" sz="1600" b="1" dirty="0">
-                <a:solidFill>
-                  <a:srgbClr val="FF0000"/>
-                </a:solidFill>
-              </a:rPr>
-              <a:t>[0]</a:t>
-            </a:r>
-            <a:r>
-              <a:rPr lang="en-US" sz="1600" dirty="0"/>
-              <a:t>.</a:t>
-            </a:r>
-            <a:r>
-              <a:rPr lang="en-US" sz="1600" dirty="0" err="1"/>
-              <a:t>toLowerCase</a:t>
-            </a:r>
-            <a:r>
-              <a:rPr lang="en-US" sz="1600" dirty="0"/>
-              <a:t>();</a:t>
-            </a:r>
-          </a:p>
-          <a:p>
-            <a:pPr lvl="2"/>
-            <a:br>
-              <a:rPr lang="en-US" sz="1600" dirty="0"/>
-            </a:br>
-            <a:r>
-              <a:rPr lang="en-US" sz="1600" dirty="0"/>
-              <a:t>	return </a:t>
-            </a:r>
-            <a:r>
-              <a:rPr lang="en-US" sz="1600" b="1" dirty="0" err="1">
-                <a:solidFill>
-                  <a:srgbClr val="FF0000"/>
-                </a:solidFill>
-              </a:rPr>
-              <a:t>value</a:t>
-            </a:r>
-            <a:r>
-              <a:rPr lang="en-US" sz="1600" dirty="0" err="1"/>
-              <a:t>.</a:t>
-            </a:r>
-            <a:r>
-              <a:rPr lang="en-US" sz="1600" dirty="0" err="1">
-                <a:solidFill>
-                  <a:srgbClr val="FF0000"/>
-                </a:solidFill>
-              </a:rPr>
-              <a:t>filter</a:t>
-            </a:r>
-            <a:r>
-              <a:rPr lang="en-US" sz="1600" dirty="0"/>
-              <a:t>((item) =&gt; </a:t>
-            </a:r>
-            <a:r>
-              <a:rPr lang="en-US" sz="1600" dirty="0" err="1"/>
-              <a:t>item.name.toLowerCase</a:t>
-            </a:r>
-            <a:r>
-              <a:rPr lang="en-US" sz="1600" dirty="0"/>
-              <a:t>().</a:t>
-            </a:r>
-            <a:r>
-              <a:rPr lang="en-US" sz="1600" dirty="0" err="1"/>
-              <a:t>startsWith</a:t>
-            </a:r>
-            <a:r>
-              <a:rPr lang="en-US" sz="1600" dirty="0"/>
-              <a:t>(</a:t>
-            </a:r>
-            <a:r>
-              <a:rPr lang="en-US" sz="1600" b="1" dirty="0" err="1"/>
-              <a:t>searchFilter</a:t>
-            </a:r>
-            <a:r>
-              <a:rPr lang="en-US" sz="1600" dirty="0"/>
-              <a:t>));</a:t>
-            </a:r>
-          </a:p>
-          <a:p>
-            <a:pPr lvl="1"/>
-            <a:r>
-              <a:rPr lang="en-US" sz="1600" dirty="0"/>
-              <a:t>	}</a:t>
-            </a:r>
-          </a:p>
-          <a:p>
-            <a:pPr lvl="1"/>
-            <a:r>
-              <a:rPr lang="en-US" sz="1600" dirty="0"/>
-              <a:t>return;</a:t>
-            </a:r>
-          </a:p>
-          <a:p>
-            <a:pPr lvl="1"/>
-            <a:r>
-              <a:rPr lang="en-US" sz="1600" dirty="0"/>
+          </a:p>
+          <a:p>
+            <a:r>
+              <a:rPr lang="en-US" sz="1400" dirty="0">
+                <a:latin typeface="Consolas" panose="020B0609020204030204" pitchFamily="49" charset="0"/>
+                <a:cs typeface="Consolas" panose="020B0609020204030204" pitchFamily="49" charset="0"/>
+              </a:rPr>
               <a:t>}</a:t>
             </a:r>
           </a:p>
           <a:p>
-            <a:r>
-              <a:rPr lang="en-US" sz="1600" dirty="0"/>
-              <a:t>}</a:t>
-            </a:r>
-          </a:p>
-          <a:p>
-            <a:endParaRPr lang="en-US" sz="1600" dirty="0"/>
+            <a:endParaRPr lang="en-US" sz="1400" dirty="0">
+              <a:latin typeface="Consolas" panose="020B0609020204030204" pitchFamily="49" charset="0"/>
+              <a:cs typeface="Consolas" panose="020B0609020204030204" pitchFamily="49" charset="0"/>
+            </a:endParaRPr>
           </a:p>
         </p:txBody>
       </p:sp>
@@ -31074,7 +31377,7 @@
             <a:pPr algn="ctr"/>
             <a:r>
               <a:rPr lang="en-US" dirty="0"/>
-              <a:t>Template</a:t>
+              <a:t>Usage in Template !</a:t>
             </a:r>
           </a:p>
         </p:txBody>
@@ -31098,7 +31401,7 @@
         <p:spPr>
           <a:xfrm>
             <a:off x="1536700" y="2257425"/>
-            <a:ext cx="8895474" cy="2700739"/>
+            <a:ext cx="8895474" cy="2215991"/>
           </a:xfrm>
         </p:spPr>
         <p:txBody>
@@ -31106,138 +31409,219 @@
           <a:lstStyle/>
           <a:p>
             <a:r>
-              <a:rPr lang="en-US" dirty="0"/>
+              <a:rPr lang="en-US" sz="1600" dirty="0">
+                <a:latin typeface="Consolas" panose="020B0609020204030204" pitchFamily="49" charset="0"/>
+                <a:cs typeface="Consolas" panose="020B0609020204030204" pitchFamily="49" charset="0"/>
+              </a:rPr>
               <a:t>&lt;</a:t>
             </a:r>
             <a:r>
-              <a:rPr lang="en-US" dirty="0">
+              <a:rPr lang="en-US" sz="1600" dirty="0">
                 <a:solidFill>
                   <a:srgbClr val="00B050"/>
                 </a:solidFill>
+                <a:latin typeface="Consolas" panose="020B0609020204030204" pitchFamily="49" charset="0"/>
+                <a:cs typeface="Consolas" panose="020B0609020204030204" pitchFamily="49" charset="0"/>
               </a:rPr>
               <a:t>input</a:t>
             </a:r>
             <a:r>
-              <a:rPr lang="en-US" dirty="0"/>
+              <a:rPr lang="en-US" sz="1600" dirty="0">
+                <a:latin typeface="Consolas" panose="020B0609020204030204" pitchFamily="49" charset="0"/>
+                <a:cs typeface="Consolas" panose="020B0609020204030204" pitchFamily="49" charset="0"/>
+              </a:rPr>
               <a:t> class="form-control-</a:t>
             </a:r>
             <a:r>
-              <a:rPr lang="en-US" dirty="0" err="1"/>
+              <a:rPr lang="en-US" sz="1600" dirty="0" err="1">
+                <a:latin typeface="Consolas" panose="020B0609020204030204" pitchFamily="49" charset="0"/>
+                <a:cs typeface="Consolas" panose="020B0609020204030204" pitchFamily="49" charset="0"/>
+              </a:rPr>
               <a:t>lg</a:t>
             </a:r>
             <a:r>
-              <a:rPr lang="en-US" dirty="0"/>
+              <a:rPr lang="en-US" sz="1600" dirty="0">
+                <a:latin typeface="Consolas" panose="020B0609020204030204" pitchFamily="49" charset="0"/>
+                <a:cs typeface="Consolas" panose="020B0609020204030204" pitchFamily="49" charset="0"/>
+              </a:rPr>
               <a:t>" type="text"</a:t>
             </a:r>
           </a:p>
           <a:p>
             <a:r>
-              <a:rPr lang="en-US" dirty="0"/>
+              <a:rPr lang="en-US" sz="1600" dirty="0">
+                <a:latin typeface="Consolas" panose="020B0609020204030204" pitchFamily="49" charset="0"/>
+                <a:cs typeface="Consolas" panose="020B0609020204030204" pitchFamily="49" charset="0"/>
+              </a:rPr>
               <a:t>           placeholder="filter cities..."</a:t>
             </a:r>
           </a:p>
           <a:p>
             <a:r>
-              <a:rPr lang="en-US" dirty="0"/>
+              <a:rPr lang="en-US" sz="1600" dirty="0">
+                <a:latin typeface="Consolas" panose="020B0609020204030204" pitchFamily="49" charset="0"/>
+                <a:cs typeface="Consolas" panose="020B0609020204030204" pitchFamily="49" charset="0"/>
+              </a:rPr>
               <a:t>           </a:t>
             </a:r>
             <a:r>
-              <a:rPr lang="en-US" b="1" dirty="0"/>
+              <a:rPr lang="en-US" sz="1600" b="1" dirty="0">
+                <a:latin typeface="Consolas" panose="020B0609020204030204" pitchFamily="49" charset="0"/>
+                <a:cs typeface="Consolas" panose="020B0609020204030204" pitchFamily="49" charset="0"/>
+              </a:rPr>
               <a:t>[(</a:t>
             </a:r>
             <a:r>
-              <a:rPr lang="en-US" b="1" dirty="0" err="1"/>
+              <a:rPr lang="en-US" sz="1600" b="1" dirty="0" err="1">
+                <a:latin typeface="Consolas" panose="020B0609020204030204" pitchFamily="49" charset="0"/>
+                <a:cs typeface="Consolas" panose="020B0609020204030204" pitchFamily="49" charset="0"/>
+              </a:rPr>
               <a:t>ngModel</a:t>
             </a:r>
             <a:r>
-              <a:rPr lang="en-US" b="1" dirty="0"/>
+              <a:rPr lang="en-US" sz="1600" b="1" dirty="0">
+                <a:latin typeface="Consolas" panose="020B0609020204030204" pitchFamily="49" charset="0"/>
+                <a:cs typeface="Consolas" panose="020B0609020204030204" pitchFamily="49" charset="0"/>
+              </a:rPr>
               <a:t>)]</a:t>
             </a:r>
             <a:r>
-              <a:rPr lang="en-US" dirty="0"/>
+              <a:rPr lang="en-US" sz="1600" dirty="0">
+                <a:latin typeface="Consolas" panose="020B0609020204030204" pitchFamily="49" charset="0"/>
+                <a:cs typeface="Consolas" panose="020B0609020204030204" pitchFamily="49" charset="0"/>
+              </a:rPr>
               <a:t>="</a:t>
             </a:r>
             <a:r>
-              <a:rPr lang="en-US" b="1" dirty="0" err="1"/>
+              <a:rPr lang="en-US" sz="1600" b="1" dirty="0" err="1">
+                <a:latin typeface="Consolas" panose="020B0609020204030204" pitchFamily="49" charset="0"/>
+                <a:cs typeface="Consolas" panose="020B0609020204030204" pitchFamily="49" charset="0"/>
+              </a:rPr>
               <a:t>filterCity</a:t>
             </a:r>
             <a:r>
-              <a:rPr lang="en-US" dirty="0"/>
+              <a:rPr lang="en-US" sz="1600" dirty="0">
+                <a:latin typeface="Consolas" panose="020B0609020204030204" pitchFamily="49" charset="0"/>
+                <a:cs typeface="Consolas" panose="020B0609020204030204" pitchFamily="49" charset="0"/>
+              </a:rPr>
               <a:t>"&gt;</a:t>
             </a:r>
           </a:p>
           <a:p>
-            <a:endParaRPr lang="en-US" dirty="0"/>
-          </a:p>
-          <a:p>
-            <a:endParaRPr lang="en-US" dirty="0"/>
-          </a:p>
-          <a:p>
-            <a:r>
-              <a:rPr lang="en-US" dirty="0"/>
+            <a:endParaRPr lang="en-US" sz="1600" dirty="0">
+              <a:latin typeface="Consolas" panose="020B0609020204030204" pitchFamily="49" charset="0"/>
+              <a:cs typeface="Consolas" panose="020B0609020204030204" pitchFamily="49" charset="0"/>
+            </a:endParaRPr>
+          </a:p>
+          <a:p>
+            <a:endParaRPr lang="en-US" sz="1600" dirty="0">
+              <a:latin typeface="Consolas" panose="020B0609020204030204" pitchFamily="49" charset="0"/>
+              <a:cs typeface="Consolas" panose="020B0609020204030204" pitchFamily="49" charset="0"/>
+            </a:endParaRPr>
+          </a:p>
+          <a:p>
+            <a:r>
+              <a:rPr lang="en-US" sz="1600" dirty="0">
+                <a:latin typeface="Consolas" panose="020B0609020204030204" pitchFamily="49" charset="0"/>
+                <a:cs typeface="Consolas" panose="020B0609020204030204" pitchFamily="49" charset="0"/>
+              </a:rPr>
               <a:t>&lt;li </a:t>
             </a:r>
             <a:r>
-              <a:rPr lang="en-US" dirty="0">
+              <a:rPr lang="en-US" sz="1600" dirty="0">
                 <a:solidFill>
                   <a:srgbClr val="00B050"/>
                 </a:solidFill>
+                <a:latin typeface="Consolas" panose="020B0609020204030204" pitchFamily="49" charset="0"/>
+                <a:cs typeface="Consolas" panose="020B0609020204030204" pitchFamily="49" charset="0"/>
               </a:rPr>
               <a:t>*</a:t>
             </a:r>
             <a:r>
-              <a:rPr lang="en-US" dirty="0" err="1">
+              <a:rPr lang="en-US" sz="1600" dirty="0" err="1">
                 <a:solidFill>
                   <a:srgbClr val="00B050"/>
                 </a:solidFill>
+                <a:latin typeface="Consolas" panose="020B0609020204030204" pitchFamily="49" charset="0"/>
+                <a:cs typeface="Consolas" panose="020B0609020204030204" pitchFamily="49" charset="0"/>
               </a:rPr>
               <a:t>ngFor</a:t>
             </a:r>
             <a:r>
-              <a:rPr lang="en-US" dirty="0"/>
+              <a:rPr lang="en-US" sz="1600" dirty="0">
+                <a:latin typeface="Consolas" panose="020B0609020204030204" pitchFamily="49" charset="0"/>
+                <a:cs typeface="Consolas" panose="020B0609020204030204" pitchFamily="49" charset="0"/>
+              </a:rPr>
               <a:t>="let city of cities </a:t>
             </a:r>
             <a:r>
-              <a:rPr lang="en-US" b="1" dirty="0">
+              <a:rPr lang="en-US" sz="1600" b="1" dirty="0">
                 <a:solidFill>
                   <a:srgbClr val="C00000"/>
                 </a:solidFill>
+                <a:latin typeface="Consolas" panose="020B0609020204030204" pitchFamily="49" charset="0"/>
+                <a:cs typeface="Consolas" panose="020B0609020204030204" pitchFamily="49" charset="0"/>
               </a:rPr>
               <a:t>| </a:t>
             </a:r>
             <a:r>
-              <a:rPr lang="en-US" b="1" dirty="0" err="1">
+              <a:rPr lang="en-US" sz="1600" b="1" dirty="0" err="1">
                 <a:solidFill>
                   <a:srgbClr val="C00000"/>
                 </a:solidFill>
+                <a:latin typeface="Consolas" panose="020B0609020204030204" pitchFamily="49" charset="0"/>
+                <a:cs typeface="Consolas" panose="020B0609020204030204" pitchFamily="49" charset="0"/>
               </a:rPr>
               <a:t>filter:filterCity</a:t>
             </a:r>
             <a:r>
-              <a:rPr lang="en-US" dirty="0"/>
+              <a:rPr lang="en-US" sz="1600" dirty="0">
+                <a:latin typeface="Consolas" panose="020B0609020204030204" pitchFamily="49" charset="0"/>
+                <a:cs typeface="Consolas" panose="020B0609020204030204" pitchFamily="49" charset="0"/>
+              </a:rPr>
               <a:t>"</a:t>
             </a:r>
             <a:r>
-              <a:rPr lang="en-US" dirty="0">
+              <a:rPr lang="en-US" sz="1600" dirty="0">
                 <a:solidFill>
                   <a:srgbClr val="C00000"/>
                 </a:solidFill>
-              </a:rPr>
-              <a:t> </a:t>
-            </a:r>
-            <a:r>
-              <a:rPr lang="en-US" dirty="0"/>
+                <a:latin typeface="Consolas" panose="020B0609020204030204" pitchFamily="49" charset="0"/>
+                <a:cs typeface="Consolas" panose="020B0609020204030204" pitchFamily="49" charset="0"/>
+              </a:rPr>
+              <a:t> </a:t>
+            </a:r>
+            <a:r>
+              <a:rPr lang="en-US" sz="1600" dirty="0">
+                <a:latin typeface="Consolas" panose="020B0609020204030204" pitchFamily="49" charset="0"/>
+                <a:cs typeface="Consolas" panose="020B0609020204030204" pitchFamily="49" charset="0"/>
+              </a:rPr>
               <a:t>class="list-group-item"&gt;</a:t>
             </a:r>
           </a:p>
           <a:p>
             <a:r>
-              <a:rPr lang="en-US" dirty="0"/>
+              <a:rPr lang="en-US" sz="1600" dirty="0">
+                <a:latin typeface="Consolas" panose="020B0609020204030204" pitchFamily="49" charset="0"/>
+                <a:cs typeface="Consolas" panose="020B0609020204030204" pitchFamily="49" charset="0"/>
+              </a:rPr>
               <a:t>  ….</a:t>
             </a:r>
           </a:p>
           <a:p>
-            <a:endParaRPr lang="en-US" dirty="0"/>
+            <a:endParaRPr lang="en-US" sz="1600" dirty="0">
+              <a:latin typeface="Consolas" panose="020B0609020204030204" pitchFamily="49" charset="0"/>
+              <a:cs typeface="Consolas" panose="020B0609020204030204" pitchFamily="49" charset="0"/>
+            </a:endParaRPr>
+          </a:p>
+          <a:p>
+            <a:r>
+              <a:rPr lang="en-US" sz="1600" dirty="0">
+                <a:latin typeface="Consolas" panose="020B0609020204030204" pitchFamily="49" charset="0"/>
+                <a:cs typeface="Consolas" panose="020B0609020204030204" pitchFamily="49" charset="0"/>
+              </a:rPr>
+              <a:t>&lt;/li&gt;</a:t>
+            </a:r>
           </a:p>
         </p:txBody>
       </p:sp>
@@ -33444,7 +33828,7 @@
         <p:spPr>
           <a:xfrm>
             <a:off x="1266584" y="1503657"/>
-            <a:ext cx="5552440" cy="1708150"/>
+            <a:ext cx="5552440" cy="664284"/>
           </a:xfrm>
           <a:prstGeom prst="rect">
             <a:avLst/>
@@ -33605,7 +33989,7 @@
               <a:t> </a:t>
             </a:r>
             <a:r>
-              <a:rPr sz="1950" spc="-15" dirty="0">
+              <a:rPr sz="1950" spc="-15" dirty="0" err="1">
                 <a:latin typeface="Verdana"/>
                 <a:cs typeface="Verdana"/>
               </a:rPr>
@@ -33616,368 +34000,18 @@
               <a:cs typeface="Verdana"/>
             </a:endParaRPr>
           </a:p>
-          <a:p>
-            <a:pPr marL="759460">
-              <a:lnSpc>
-                <a:spcPct val="100000"/>
-              </a:lnSpc>
-              <a:spcBef>
-                <a:spcPts val="1120"/>
-              </a:spcBef>
-            </a:pPr>
-            <a:r>
-              <a:rPr sz="1500" b="1" dirty="0">
-                <a:solidFill>
-                  <a:srgbClr val="000080"/>
-                </a:solidFill>
-                <a:latin typeface="Consolas"/>
-                <a:cs typeface="Consolas"/>
-              </a:rPr>
-              <a:t>…</a:t>
-            </a:r>
-            <a:endParaRPr sz="1500" dirty="0">
-              <a:latin typeface="Consolas"/>
-              <a:cs typeface="Consolas"/>
-            </a:endParaRPr>
-          </a:p>
-          <a:p>
-            <a:pPr marL="759460">
-              <a:lnSpc>
-                <a:spcPct val="100000"/>
-              </a:lnSpc>
-              <a:spcBef>
-                <a:spcPts val="15"/>
-              </a:spcBef>
-            </a:pPr>
-            <a:r>
-              <a:rPr sz="1500" i="1" dirty="0">
-                <a:solidFill>
-                  <a:srgbClr val="46C249"/>
-                </a:solidFill>
-                <a:latin typeface="Consolas"/>
-                <a:cs typeface="Consolas"/>
-              </a:rPr>
-              <a:t>//</a:t>
-            </a:r>
-            <a:r>
-              <a:rPr sz="1500" i="1" dirty="0">
-                <a:solidFill>
-                  <a:srgbClr val="46C249"/>
-                </a:solidFill>
-                <a:latin typeface="Times New Roman"/>
-                <a:cs typeface="Times New Roman"/>
-              </a:rPr>
-              <a:t> </a:t>
-            </a:r>
-            <a:r>
-              <a:rPr sz="1500" i="1" spc="90" dirty="0">
-                <a:solidFill>
-                  <a:srgbClr val="46C249"/>
-                </a:solidFill>
-                <a:latin typeface="Times New Roman"/>
-                <a:cs typeface="Times New Roman"/>
-              </a:rPr>
-              <a:t> </a:t>
-            </a:r>
-            <a:r>
-              <a:rPr sz="1500" i="1" spc="5" dirty="0">
-                <a:solidFill>
-                  <a:srgbClr val="46C249"/>
-                </a:solidFill>
-                <a:latin typeface="Consolas"/>
-                <a:cs typeface="Consolas"/>
-              </a:rPr>
-              <a:t>Router</a:t>
-            </a:r>
-            <a:endParaRPr sz="1500" dirty="0">
-              <a:latin typeface="Consolas"/>
-              <a:cs typeface="Consolas"/>
-            </a:endParaRPr>
-          </a:p>
-          <a:p>
-            <a:pPr marL="759460" marR="5080">
-              <a:lnSpc>
-                <a:spcPct val="100699"/>
-              </a:lnSpc>
-            </a:pPr>
-            <a:r>
-              <a:rPr sz="1500" dirty="0">
-                <a:solidFill>
-                  <a:srgbClr val="FF0000"/>
-                </a:solidFill>
-                <a:latin typeface="Consolas"/>
-                <a:cs typeface="Consolas"/>
-              </a:rPr>
-              <a:t>import</a:t>
-            </a:r>
-            <a:r>
-              <a:rPr sz="1500" dirty="0">
-                <a:solidFill>
-                  <a:srgbClr val="FF0000"/>
-                </a:solidFill>
-                <a:latin typeface="Times New Roman"/>
-                <a:cs typeface="Times New Roman"/>
-              </a:rPr>
-              <a:t> </a:t>
-            </a:r>
-            <a:r>
-              <a:rPr sz="1500" spc="95" dirty="0">
-                <a:solidFill>
-                  <a:srgbClr val="FF0000"/>
-                </a:solidFill>
-                <a:latin typeface="Times New Roman"/>
-                <a:cs typeface="Times New Roman"/>
-              </a:rPr>
-              <a:t> </a:t>
-            </a:r>
-            <a:r>
-              <a:rPr sz="1500" spc="5" dirty="0">
-                <a:solidFill>
-                  <a:srgbClr val="FF0000"/>
-                </a:solidFill>
-                <a:latin typeface="Consolas"/>
-                <a:cs typeface="Consolas"/>
-              </a:rPr>
-              <a:t>{RouterModule</a:t>
-            </a:r>
-            <a:r>
-              <a:rPr sz="1500" dirty="0">
-                <a:solidFill>
-                  <a:srgbClr val="FF0000"/>
-                </a:solidFill>
-                <a:latin typeface="Consolas"/>
-                <a:cs typeface="Consolas"/>
-              </a:rPr>
-              <a:t>}</a:t>
-            </a:r>
-            <a:r>
-              <a:rPr sz="1500" dirty="0">
-                <a:solidFill>
-                  <a:srgbClr val="FF0000"/>
-                </a:solidFill>
-                <a:latin typeface="Times New Roman"/>
-                <a:cs typeface="Times New Roman"/>
-              </a:rPr>
-              <a:t> </a:t>
-            </a:r>
-            <a:r>
-              <a:rPr sz="1500" spc="85" dirty="0">
-                <a:solidFill>
-                  <a:srgbClr val="FF0000"/>
-                </a:solidFill>
-                <a:latin typeface="Times New Roman"/>
-                <a:cs typeface="Times New Roman"/>
-              </a:rPr>
-              <a:t> </a:t>
-            </a:r>
-            <a:r>
-              <a:rPr sz="1500" dirty="0">
-                <a:solidFill>
-                  <a:srgbClr val="FF0000"/>
-                </a:solidFill>
-                <a:latin typeface="Consolas"/>
-                <a:cs typeface="Consolas"/>
-              </a:rPr>
-              <a:t>from</a:t>
-            </a:r>
-            <a:r>
-              <a:rPr sz="1500" dirty="0">
-                <a:solidFill>
-                  <a:srgbClr val="FF0000"/>
-                </a:solidFill>
-                <a:latin typeface="Times New Roman"/>
-                <a:cs typeface="Times New Roman"/>
-              </a:rPr>
-              <a:t> </a:t>
-            </a:r>
-            <a:r>
-              <a:rPr sz="1500" spc="90" dirty="0">
-                <a:solidFill>
-                  <a:srgbClr val="FF0000"/>
-                </a:solidFill>
-                <a:latin typeface="Times New Roman"/>
-                <a:cs typeface="Times New Roman"/>
-              </a:rPr>
-              <a:t> </a:t>
-            </a:r>
-            <a:r>
-              <a:rPr sz="1500" spc="5" dirty="0">
-                <a:solidFill>
-                  <a:srgbClr val="FF0000"/>
-                </a:solidFill>
-                <a:latin typeface="Consolas"/>
-                <a:cs typeface="Consolas"/>
-              </a:rPr>
-              <a:t>'@angular/router</a:t>
-            </a:r>
-            <a:r>
-              <a:rPr sz="1500" spc="-5" dirty="0">
-                <a:solidFill>
-                  <a:srgbClr val="FF0000"/>
-                </a:solidFill>
-                <a:latin typeface="Consolas"/>
-                <a:cs typeface="Consolas"/>
-              </a:rPr>
-              <a:t>'</a:t>
-            </a:r>
-            <a:r>
-              <a:rPr sz="1500" dirty="0">
-                <a:solidFill>
-                  <a:srgbClr val="FF0000"/>
-                </a:solidFill>
-                <a:latin typeface="Consolas"/>
-                <a:cs typeface="Consolas"/>
-              </a:rPr>
-              <a:t>;</a:t>
-            </a:r>
-            <a:r>
-              <a:rPr sz="1500" dirty="0">
-                <a:solidFill>
-                  <a:srgbClr val="FF0000"/>
-                </a:solidFill>
-                <a:latin typeface="Times New Roman"/>
-                <a:cs typeface="Times New Roman"/>
-              </a:rPr>
-              <a:t> </a:t>
-            </a:r>
-            <a:r>
-              <a:rPr sz="1500" b="1" dirty="0">
-                <a:solidFill>
-                  <a:srgbClr val="000080"/>
-                </a:solidFill>
-                <a:latin typeface="Consolas"/>
-                <a:cs typeface="Consolas"/>
-              </a:rPr>
-              <a:t>import</a:t>
-            </a:r>
-            <a:r>
-              <a:rPr sz="1500" b="1" dirty="0">
-                <a:solidFill>
-                  <a:srgbClr val="000080"/>
-                </a:solidFill>
-                <a:latin typeface="Times New Roman"/>
-                <a:cs typeface="Times New Roman"/>
-              </a:rPr>
-              <a:t> </a:t>
-            </a:r>
-            <a:r>
-              <a:rPr sz="1500" b="1" spc="95" dirty="0">
-                <a:solidFill>
-                  <a:srgbClr val="000080"/>
-                </a:solidFill>
-                <a:latin typeface="Times New Roman"/>
-                <a:cs typeface="Times New Roman"/>
-              </a:rPr>
-              <a:t> </a:t>
-            </a:r>
-            <a:r>
-              <a:rPr sz="1500" spc="5" dirty="0">
-                <a:latin typeface="Consolas"/>
-                <a:cs typeface="Consolas"/>
-              </a:rPr>
-              <a:t>{</a:t>
-            </a:r>
-            <a:r>
-              <a:rPr sz="1500" spc="5" dirty="0">
-                <a:solidFill>
-                  <a:srgbClr val="FF0000"/>
-                </a:solidFill>
-                <a:latin typeface="Consolas"/>
-                <a:cs typeface="Consolas"/>
-              </a:rPr>
-              <a:t>AppRoutes</a:t>
-            </a:r>
-            <a:r>
-              <a:rPr sz="1500" dirty="0">
-                <a:latin typeface="Consolas"/>
-                <a:cs typeface="Consolas"/>
-              </a:rPr>
-              <a:t>}</a:t>
-            </a:r>
-            <a:r>
-              <a:rPr sz="1500" dirty="0">
-                <a:latin typeface="Times New Roman"/>
-                <a:cs typeface="Times New Roman"/>
-              </a:rPr>
-              <a:t> </a:t>
-            </a:r>
-            <a:r>
-              <a:rPr sz="1500" spc="80" dirty="0">
-                <a:latin typeface="Times New Roman"/>
-                <a:cs typeface="Times New Roman"/>
-              </a:rPr>
-              <a:t> </a:t>
-            </a:r>
-            <a:r>
-              <a:rPr sz="1500" b="1" spc="5" dirty="0">
-                <a:solidFill>
-                  <a:srgbClr val="000080"/>
-                </a:solidFill>
-                <a:latin typeface="Consolas"/>
-                <a:cs typeface="Consolas"/>
-              </a:rPr>
-              <a:t>fro</a:t>
-            </a:r>
-            <a:r>
-              <a:rPr sz="1500" b="1" dirty="0">
-                <a:solidFill>
-                  <a:srgbClr val="000080"/>
-                </a:solidFill>
-                <a:latin typeface="Consolas"/>
-                <a:cs typeface="Consolas"/>
-              </a:rPr>
-              <a:t>m</a:t>
-            </a:r>
-            <a:r>
-              <a:rPr sz="1500" b="1" dirty="0">
-                <a:solidFill>
-                  <a:srgbClr val="000080"/>
-                </a:solidFill>
-                <a:latin typeface="Times New Roman"/>
-                <a:cs typeface="Times New Roman"/>
-              </a:rPr>
-              <a:t> </a:t>
-            </a:r>
-            <a:r>
-              <a:rPr sz="1500" b="1" spc="90" dirty="0">
-                <a:solidFill>
-                  <a:srgbClr val="000080"/>
-                </a:solidFill>
-                <a:latin typeface="Times New Roman"/>
-                <a:cs typeface="Times New Roman"/>
-              </a:rPr>
-              <a:t> </a:t>
-            </a:r>
-            <a:r>
-              <a:rPr sz="1500" b="1" spc="5" dirty="0">
-                <a:solidFill>
-                  <a:srgbClr val="008000"/>
-                </a:solidFill>
-                <a:latin typeface="Consolas"/>
-                <a:cs typeface="Consolas"/>
-              </a:rPr>
-              <a:t>'./app.routes'</a:t>
-            </a:r>
-            <a:r>
-              <a:rPr sz="1500" dirty="0">
-                <a:latin typeface="Consolas"/>
-                <a:cs typeface="Consolas"/>
-              </a:rPr>
-              <a:t>;</a:t>
-            </a:r>
-          </a:p>
         </p:txBody>
       </p:sp>
       <p:sp>
         <p:nvSpPr>
-          <p:cNvPr id="8" name="object 8"/>
+          <p:cNvPr id="9" name="object 9"/>
           <p:cNvSpPr txBox="1"/>
           <p:nvPr/>
         </p:nvSpPr>
         <p:spPr>
           <a:xfrm>
-            <a:off x="2013358" y="3454280"/>
-            <a:ext cx="2364105" cy="1139190"/>
+            <a:off x="1599212" y="2609557"/>
+            <a:ext cx="8624288" cy="3926459"/>
           </a:xfrm>
           <a:prstGeom prst="rect">
             <a:avLst/>
@@ -33989,381 +34023,473 @@
           </a:bodyPr>
           <a:lstStyle/>
           <a:p>
-            <a:pPr marL="12700">
-              <a:lnSpc>
-                <a:spcPct val="100000"/>
-              </a:lnSpc>
-            </a:pPr>
-            <a:r>
-              <a:rPr sz="1500" i="1" dirty="0">
-                <a:solidFill>
-                  <a:srgbClr val="46C249"/>
-                </a:solidFill>
-                <a:latin typeface="Consolas"/>
-                <a:cs typeface="Consolas"/>
-              </a:rPr>
-              <a:t>//</a:t>
-            </a:r>
-            <a:r>
-              <a:rPr sz="1500" i="1" dirty="0">
-                <a:solidFill>
-                  <a:srgbClr val="46C249"/>
-                </a:solidFill>
-                <a:latin typeface="Times New Roman"/>
-                <a:cs typeface="Times New Roman"/>
-              </a:rPr>
-              <a:t> </a:t>
-            </a:r>
-            <a:r>
-              <a:rPr sz="1500" i="1" spc="90" dirty="0">
-                <a:solidFill>
-                  <a:srgbClr val="46C249"/>
-                </a:solidFill>
-                <a:latin typeface="Times New Roman"/>
-                <a:cs typeface="Times New Roman"/>
-              </a:rPr>
-              <a:t> </a:t>
-            </a:r>
-            <a:r>
-              <a:rPr sz="1500" i="1" dirty="0">
-                <a:solidFill>
-                  <a:srgbClr val="46C249"/>
-                </a:solidFill>
-                <a:latin typeface="Consolas"/>
-                <a:cs typeface="Consolas"/>
-              </a:rPr>
-              <a:t>Components</a:t>
-            </a:r>
-            <a:endParaRPr sz="1500" dirty="0">
+            <a:pPr marL="12700"/>
+            <a:r>
+              <a:rPr lang="en-US" sz="1500" dirty="0">
+                <a:solidFill>
+                  <a:srgbClr val="FF0000"/>
+                </a:solidFill>
+                <a:latin typeface="Consolas"/>
+                <a:cs typeface="Consolas"/>
+              </a:rPr>
+              <a:t>import</a:t>
+            </a:r>
+            <a:r>
+              <a:rPr lang="en-US" sz="1500" dirty="0">
+                <a:solidFill>
+                  <a:srgbClr val="FF0000"/>
+                </a:solidFill>
+                <a:latin typeface="Times New Roman"/>
+                <a:cs typeface="Times New Roman"/>
+              </a:rPr>
+              <a:t> </a:t>
+            </a:r>
+            <a:r>
+              <a:rPr lang="en-US" sz="1500" spc="95" dirty="0">
+                <a:solidFill>
+                  <a:srgbClr val="FF0000"/>
+                </a:solidFill>
+                <a:latin typeface="Times New Roman"/>
+                <a:cs typeface="Times New Roman"/>
+              </a:rPr>
+              <a:t> </a:t>
+            </a:r>
+            <a:r>
+              <a:rPr lang="en-US" sz="1500" spc="5" dirty="0">
+                <a:solidFill>
+                  <a:srgbClr val="FF0000"/>
+                </a:solidFill>
+                <a:latin typeface="Consolas"/>
+                <a:cs typeface="Consolas"/>
+              </a:rPr>
+              <a:t>{</a:t>
+            </a:r>
+            <a:r>
+              <a:rPr lang="en-US" sz="1500" spc="5" dirty="0" err="1">
+                <a:solidFill>
+                  <a:srgbClr val="FF0000"/>
+                </a:solidFill>
+                <a:latin typeface="Consolas"/>
+                <a:cs typeface="Consolas"/>
+              </a:rPr>
+              <a:t>RouterModule</a:t>
+            </a:r>
+            <a:r>
+              <a:rPr lang="en-US" sz="1500" dirty="0">
+                <a:solidFill>
+                  <a:srgbClr val="FF0000"/>
+                </a:solidFill>
+                <a:latin typeface="Consolas"/>
+                <a:cs typeface="Consolas"/>
+              </a:rPr>
+              <a:t>}</a:t>
+            </a:r>
+            <a:r>
+              <a:rPr lang="en-US" sz="1500" dirty="0">
+                <a:solidFill>
+                  <a:srgbClr val="FF0000"/>
+                </a:solidFill>
+                <a:latin typeface="Times New Roman"/>
+                <a:cs typeface="Times New Roman"/>
+              </a:rPr>
+              <a:t> </a:t>
+            </a:r>
+            <a:r>
+              <a:rPr lang="en-US" sz="1500" spc="85" dirty="0">
+                <a:solidFill>
+                  <a:srgbClr val="FF0000"/>
+                </a:solidFill>
+                <a:latin typeface="Times New Roman"/>
+                <a:cs typeface="Times New Roman"/>
+              </a:rPr>
+              <a:t> </a:t>
+            </a:r>
+            <a:r>
+              <a:rPr lang="en-US" sz="1500" dirty="0">
+                <a:solidFill>
+                  <a:srgbClr val="FF0000"/>
+                </a:solidFill>
+                <a:latin typeface="Consolas"/>
+                <a:cs typeface="Consolas"/>
+              </a:rPr>
+              <a:t>from</a:t>
+            </a:r>
+            <a:r>
+              <a:rPr lang="en-US" sz="1500" dirty="0">
+                <a:solidFill>
+                  <a:srgbClr val="FF0000"/>
+                </a:solidFill>
+                <a:latin typeface="Times New Roman"/>
+                <a:cs typeface="Times New Roman"/>
+              </a:rPr>
+              <a:t> </a:t>
+            </a:r>
+            <a:r>
+              <a:rPr lang="en-US" sz="1500" spc="90" dirty="0">
+                <a:solidFill>
+                  <a:srgbClr val="FF0000"/>
+                </a:solidFill>
+                <a:latin typeface="Times New Roman"/>
+                <a:cs typeface="Times New Roman"/>
+              </a:rPr>
+              <a:t> </a:t>
+            </a:r>
+            <a:r>
+              <a:rPr lang="en-US" sz="1500" spc="5" dirty="0">
+                <a:solidFill>
+                  <a:schemeClr val="accent3">
+                    <a:lumMod val="75000"/>
+                  </a:schemeClr>
+                </a:solidFill>
+                <a:latin typeface="Consolas"/>
+                <a:cs typeface="Consolas"/>
+              </a:rPr>
+              <a:t>'@angular/router</a:t>
+            </a:r>
+            <a:r>
+              <a:rPr lang="en-US" sz="1500" b="1" spc="5" dirty="0">
+                <a:solidFill>
+                  <a:srgbClr val="008000"/>
+                </a:solidFill>
+                <a:latin typeface="Consolas"/>
+                <a:cs typeface="Consolas"/>
+              </a:rPr>
+              <a:t>'</a:t>
+            </a:r>
+            <a:r>
+              <a:rPr lang="en-US" sz="1500" dirty="0">
+                <a:solidFill>
+                  <a:srgbClr val="FF0000"/>
+                </a:solidFill>
+                <a:latin typeface="Consolas"/>
+                <a:cs typeface="Consolas"/>
+              </a:rPr>
+              <a:t>;</a:t>
+            </a:r>
+            <a:r>
+              <a:rPr lang="en-US" sz="1500" dirty="0">
+                <a:solidFill>
+                  <a:srgbClr val="FF0000"/>
+                </a:solidFill>
+                <a:latin typeface="Times New Roman"/>
+                <a:cs typeface="Times New Roman"/>
+              </a:rPr>
+              <a:t> </a:t>
+            </a:r>
+          </a:p>
+          <a:p>
+            <a:pPr marL="12700"/>
+            <a:r>
+              <a:rPr lang="en-US" sz="1500" b="1" dirty="0">
+                <a:solidFill>
+                  <a:srgbClr val="000080"/>
+                </a:solidFill>
+                <a:latin typeface="Consolas"/>
+                <a:cs typeface="Consolas"/>
+              </a:rPr>
+              <a:t>import</a:t>
+            </a:r>
+            <a:r>
+              <a:rPr lang="en-US" sz="1500" b="1" dirty="0">
+                <a:solidFill>
+                  <a:srgbClr val="000080"/>
+                </a:solidFill>
+                <a:latin typeface="Times New Roman"/>
+                <a:cs typeface="Times New Roman"/>
+              </a:rPr>
+              <a:t> </a:t>
+            </a:r>
+            <a:r>
+              <a:rPr lang="en-US" sz="1500" b="1" spc="95" dirty="0">
+                <a:solidFill>
+                  <a:srgbClr val="000080"/>
+                </a:solidFill>
+                <a:latin typeface="Times New Roman"/>
+                <a:cs typeface="Times New Roman"/>
+              </a:rPr>
+              <a:t> </a:t>
+            </a:r>
+            <a:r>
+              <a:rPr lang="en-US" sz="1500" spc="5" dirty="0">
+                <a:latin typeface="Consolas"/>
+                <a:cs typeface="Consolas"/>
+              </a:rPr>
+              <a:t>{</a:t>
+            </a:r>
+            <a:r>
+              <a:rPr lang="en-US" sz="1500" spc="5" dirty="0" err="1">
+                <a:solidFill>
+                  <a:srgbClr val="FF0000"/>
+                </a:solidFill>
+                <a:latin typeface="Consolas"/>
+                <a:cs typeface="Consolas"/>
+              </a:rPr>
+              <a:t>AppRoutes</a:t>
+            </a:r>
+            <a:r>
+              <a:rPr lang="en-US" sz="1500" dirty="0">
+                <a:latin typeface="Consolas"/>
+                <a:cs typeface="Consolas"/>
+              </a:rPr>
+              <a:t>}</a:t>
+            </a:r>
+            <a:r>
+              <a:rPr lang="en-US" sz="1500" dirty="0">
+                <a:latin typeface="Times New Roman"/>
+                <a:cs typeface="Times New Roman"/>
+              </a:rPr>
+              <a:t> </a:t>
+            </a:r>
+            <a:r>
+              <a:rPr lang="en-US" sz="1500" spc="80" dirty="0">
+                <a:latin typeface="Times New Roman"/>
+                <a:cs typeface="Times New Roman"/>
+              </a:rPr>
+              <a:t> </a:t>
+            </a:r>
+            <a:r>
+              <a:rPr lang="en-US" sz="1500" b="1" spc="5" dirty="0">
+                <a:solidFill>
+                  <a:srgbClr val="000080"/>
+                </a:solidFill>
+                <a:latin typeface="Consolas"/>
+                <a:cs typeface="Consolas"/>
+              </a:rPr>
+              <a:t>fro</a:t>
+            </a:r>
+            <a:r>
+              <a:rPr lang="en-US" sz="1500" b="1" dirty="0">
+                <a:solidFill>
+                  <a:srgbClr val="000080"/>
+                </a:solidFill>
+                <a:latin typeface="Consolas"/>
+                <a:cs typeface="Consolas"/>
+              </a:rPr>
+              <a:t>m</a:t>
+            </a:r>
+            <a:r>
+              <a:rPr lang="en-US" sz="1500" b="1" dirty="0">
+                <a:solidFill>
+                  <a:srgbClr val="000080"/>
+                </a:solidFill>
+                <a:latin typeface="Times New Roman"/>
+                <a:cs typeface="Times New Roman"/>
+              </a:rPr>
+              <a:t> </a:t>
+            </a:r>
+            <a:r>
+              <a:rPr lang="en-US" sz="1500" b="1" spc="90" dirty="0">
+                <a:solidFill>
+                  <a:srgbClr val="000080"/>
+                </a:solidFill>
+                <a:latin typeface="Times New Roman"/>
+                <a:cs typeface="Times New Roman"/>
+              </a:rPr>
+              <a:t> </a:t>
+            </a:r>
+            <a:r>
+              <a:rPr lang="en-US" sz="1500" b="1" spc="5" dirty="0">
+                <a:solidFill>
+                  <a:srgbClr val="008000"/>
+                </a:solidFill>
+                <a:latin typeface="Consolas"/>
+                <a:cs typeface="Consolas"/>
+              </a:rPr>
+              <a:t>'./</a:t>
+            </a:r>
+            <a:r>
+              <a:rPr lang="en-US" sz="1500" b="1" spc="5" dirty="0" err="1">
+                <a:solidFill>
+                  <a:srgbClr val="008000"/>
+                </a:solidFill>
+                <a:latin typeface="Consolas"/>
+                <a:cs typeface="Consolas"/>
+              </a:rPr>
+              <a:t>app.routes</a:t>
+            </a:r>
+            <a:r>
+              <a:rPr lang="en-US" sz="1500" b="1" spc="5" dirty="0">
+                <a:solidFill>
+                  <a:srgbClr val="008000"/>
+                </a:solidFill>
+                <a:latin typeface="Consolas"/>
+                <a:cs typeface="Consolas"/>
+              </a:rPr>
+              <a:t>'</a:t>
+            </a:r>
+            <a:r>
+              <a:rPr lang="en-US" sz="1500" dirty="0">
+                <a:latin typeface="Consolas"/>
+                <a:cs typeface="Consolas"/>
+              </a:rPr>
+              <a:t>;</a:t>
+            </a:r>
+          </a:p>
+          <a:p>
+            <a:pPr marL="12700"/>
+            <a:endParaRPr lang="en-US" sz="1500" b="1" dirty="0">
+              <a:solidFill>
+                <a:srgbClr val="000080"/>
+              </a:solidFill>
               <a:latin typeface="Consolas"/>
               <a:cs typeface="Consolas"/>
             </a:endParaRPr>
           </a:p>
           <a:p>
-            <a:pPr marL="12700">
-              <a:lnSpc>
-                <a:spcPct val="100000"/>
-              </a:lnSpc>
-              <a:spcBef>
-                <a:spcPts val="10"/>
-              </a:spcBef>
-            </a:pPr>
-            <a:r>
-              <a:rPr sz="1500" b="1" dirty="0">
-                <a:solidFill>
-                  <a:srgbClr val="000080"/>
-                </a:solidFill>
-                <a:latin typeface="Consolas"/>
-                <a:cs typeface="Consolas"/>
-              </a:rPr>
-              <a:t>import</a:t>
-            </a:r>
-            <a:r>
-              <a:rPr sz="1500" b="1" dirty="0">
-                <a:solidFill>
-                  <a:srgbClr val="000080"/>
-                </a:solidFill>
-                <a:latin typeface="Times New Roman"/>
-                <a:cs typeface="Times New Roman"/>
-              </a:rPr>
-              <a:t> </a:t>
-            </a:r>
-            <a:r>
-              <a:rPr sz="1500" b="1" spc="95" dirty="0">
-                <a:solidFill>
-                  <a:srgbClr val="000080"/>
-                </a:solidFill>
-                <a:latin typeface="Times New Roman"/>
-                <a:cs typeface="Times New Roman"/>
-              </a:rPr>
-              <a:t> </a:t>
-            </a:r>
-            <a:r>
-              <a:rPr sz="1500" spc="5" dirty="0">
-                <a:latin typeface="Consolas"/>
-                <a:cs typeface="Consolas"/>
-              </a:rPr>
-              <a:t>{MainComponent}</a:t>
-            </a:r>
-            <a:endParaRPr sz="1500" dirty="0">
+            <a:pPr marL="12700"/>
+            <a:endParaRPr lang="en-US" sz="1500" b="1" dirty="0">
+              <a:solidFill>
+                <a:srgbClr val="000080"/>
+              </a:solidFill>
               <a:latin typeface="Consolas"/>
               <a:cs typeface="Consolas"/>
             </a:endParaRPr>
           </a:p>
           <a:p>
-            <a:pPr marL="12700">
-              <a:lnSpc>
-                <a:spcPct val="100000"/>
-              </a:lnSpc>
-              <a:spcBef>
-                <a:spcPts val="15"/>
-              </a:spcBef>
-            </a:pPr>
+            <a:pPr marL="12700"/>
+            <a:r>
+              <a:rPr lang="en-US" sz="1500" b="1" dirty="0">
+                <a:solidFill>
+                  <a:srgbClr val="000080"/>
+                </a:solidFill>
+                <a:latin typeface="Consolas"/>
+                <a:cs typeface="Consolas"/>
+              </a:rPr>
+              <a:t>import</a:t>
+            </a:r>
+            <a:r>
+              <a:rPr lang="en-US" sz="1500" b="1" dirty="0">
+                <a:solidFill>
+                  <a:srgbClr val="000080"/>
+                </a:solidFill>
+                <a:latin typeface="Times New Roman"/>
+                <a:cs typeface="Times New Roman"/>
+              </a:rPr>
+              <a:t> </a:t>
+            </a:r>
+            <a:r>
+              <a:rPr lang="en-US" sz="1500" b="1" spc="95" dirty="0">
+                <a:solidFill>
+                  <a:srgbClr val="000080"/>
+                </a:solidFill>
+                <a:latin typeface="Times New Roman"/>
+                <a:cs typeface="Times New Roman"/>
+              </a:rPr>
+              <a:t> </a:t>
+            </a:r>
+            <a:r>
+              <a:rPr lang="en-US" sz="1500" spc="5" dirty="0">
+                <a:latin typeface="Consolas"/>
+                <a:cs typeface="Consolas"/>
+              </a:rPr>
+              <a:t>{</a:t>
+            </a:r>
+            <a:r>
+              <a:rPr lang="en-US" sz="1500" spc="5" dirty="0" err="1">
+                <a:latin typeface="Consolas"/>
+                <a:cs typeface="Consolas"/>
+              </a:rPr>
+              <a:t>MainComponent</a:t>
+            </a:r>
+            <a:r>
+              <a:rPr lang="en-US" sz="1500" spc="5" dirty="0">
+                <a:latin typeface="Consolas"/>
+                <a:cs typeface="Consolas"/>
+              </a:rPr>
+              <a:t>}</a:t>
+            </a:r>
+            <a:r>
+              <a:rPr lang="en-US" sz="1500" dirty="0">
+                <a:latin typeface="Consolas"/>
+                <a:cs typeface="Consolas"/>
+              </a:rPr>
+              <a:t> </a:t>
+            </a:r>
+            <a:r>
+              <a:rPr sz="1500" b="1" spc="5" dirty="0">
+                <a:solidFill>
+                  <a:srgbClr val="000080"/>
+                </a:solidFill>
+                <a:latin typeface="Consolas"/>
+                <a:cs typeface="Consolas"/>
+              </a:rPr>
+              <a:t>fro</a:t>
+            </a:r>
+            <a:r>
+              <a:rPr sz="1500" b="1" dirty="0">
+                <a:solidFill>
+                  <a:srgbClr val="000080"/>
+                </a:solidFill>
+                <a:latin typeface="Consolas"/>
+                <a:cs typeface="Consolas"/>
+              </a:rPr>
+              <a:t>m</a:t>
+            </a:r>
+            <a:r>
+              <a:rPr sz="1500" b="1" dirty="0">
+                <a:solidFill>
+                  <a:srgbClr val="000080"/>
+                </a:solidFill>
+                <a:latin typeface="Times New Roman"/>
+                <a:cs typeface="Times New Roman"/>
+              </a:rPr>
+              <a:t> </a:t>
+            </a:r>
+            <a:r>
+              <a:rPr sz="1500" b="1" spc="90" dirty="0">
+                <a:solidFill>
+                  <a:srgbClr val="000080"/>
+                </a:solidFill>
+                <a:latin typeface="Times New Roman"/>
+                <a:cs typeface="Times New Roman"/>
+              </a:rPr>
+              <a:t> </a:t>
+            </a:r>
+            <a:r>
+              <a:rPr sz="1500" b="1" spc="5" dirty="0">
+                <a:solidFill>
+                  <a:srgbClr val="008000"/>
+                </a:solidFill>
+                <a:latin typeface="Consolas"/>
+                <a:cs typeface="Consolas"/>
+              </a:rPr>
+              <a:t>'./</a:t>
+            </a:r>
+            <a:r>
+              <a:rPr sz="1500" b="1" spc="5" dirty="0" err="1">
+                <a:solidFill>
+                  <a:srgbClr val="008000"/>
+                </a:solidFill>
+                <a:latin typeface="Consolas"/>
+                <a:cs typeface="Consolas"/>
+              </a:rPr>
+              <a:t>MainComponent</a:t>
+            </a:r>
+            <a:r>
+              <a:rPr sz="1500" b="1" spc="-5" dirty="0">
+                <a:solidFill>
+                  <a:srgbClr val="008000"/>
+                </a:solidFill>
+                <a:latin typeface="Consolas"/>
+                <a:cs typeface="Consolas"/>
+              </a:rPr>
+              <a:t>’</a:t>
+            </a:r>
             <a:r>
               <a:rPr sz="1500" dirty="0">
                 <a:latin typeface="Consolas"/>
                 <a:cs typeface="Consolas"/>
               </a:rPr>
-              <a:t>…</a:t>
-            </a:r>
-          </a:p>
-          <a:p>
-            <a:pPr marL="330835" marR="431800" indent="-318770">
-              <a:lnSpc>
-                <a:spcPct val="100699"/>
-              </a:lnSpc>
-              <a:tabLst>
-                <a:tab pos="1605915" algn="l"/>
-              </a:tabLst>
-            </a:pPr>
-            <a:r>
-              <a:rPr sz="1500" spc="5" dirty="0">
-                <a:solidFill>
-                  <a:srgbClr val="FF0000"/>
-                </a:solidFill>
-                <a:latin typeface="Consolas"/>
-                <a:cs typeface="Consolas"/>
-              </a:rPr>
-              <a:t>@NgModule</a:t>
-            </a:r>
-            <a:r>
-              <a:rPr sz="1500" spc="5" dirty="0">
-                <a:latin typeface="Consolas"/>
-                <a:cs typeface="Consolas"/>
-              </a:rPr>
-              <a:t>({</a:t>
-            </a:r>
-            <a:r>
-              <a:rPr sz="1500" spc="5" dirty="0">
-                <a:latin typeface="Times New Roman"/>
-                <a:cs typeface="Times New Roman"/>
-              </a:rPr>
-              <a:t> </a:t>
-            </a:r>
-            <a:r>
-              <a:rPr sz="1500" dirty="0">
-                <a:latin typeface="Consolas"/>
-                <a:cs typeface="Consolas"/>
-              </a:rPr>
-              <a:t>imports</a:t>
-            </a:r>
-            <a:r>
-              <a:rPr sz="1500" dirty="0">
-                <a:latin typeface="Times New Roman"/>
-                <a:cs typeface="Times New Roman"/>
-              </a:rPr>
-              <a:t>	</a:t>
-            </a:r>
-            <a:r>
-              <a:rPr sz="1500" dirty="0">
-                <a:latin typeface="Consolas"/>
-                <a:cs typeface="Consolas"/>
-              </a:rPr>
-              <a:t>:</a:t>
-            </a:r>
-            <a:r>
-              <a:rPr sz="1500" dirty="0">
-                <a:latin typeface="Times New Roman"/>
-                <a:cs typeface="Times New Roman"/>
-              </a:rPr>
-              <a:t> </a:t>
-            </a:r>
-            <a:r>
-              <a:rPr sz="1500" spc="90" dirty="0">
-                <a:latin typeface="Times New Roman"/>
-                <a:cs typeface="Times New Roman"/>
-              </a:rPr>
-              <a:t> </a:t>
-            </a:r>
-            <a:r>
-              <a:rPr sz="1500" dirty="0">
-                <a:latin typeface="Consolas"/>
-                <a:cs typeface="Consolas"/>
-              </a:rPr>
-              <a:t>[</a:t>
-            </a:r>
-          </a:p>
-        </p:txBody>
-      </p:sp>
-      <p:sp>
-        <p:nvSpPr>
-          <p:cNvPr id="9" name="object 9"/>
-          <p:cNvSpPr txBox="1"/>
-          <p:nvPr/>
-        </p:nvSpPr>
-        <p:spPr>
-          <a:xfrm>
-            <a:off x="4563037" y="3684392"/>
-            <a:ext cx="2468245" cy="217804"/>
-          </a:xfrm>
-          <a:prstGeom prst="rect">
-            <a:avLst/>
-          </a:prstGeom>
-        </p:spPr>
-        <p:txBody>
-          <a:bodyPr vert="horz" wrap="square" lIns="0" tIns="0" rIns="0" bIns="0" rtlCol="0">
-            <a:spAutoFit/>
-          </a:bodyPr>
-          <a:lstStyle/>
-          <a:p>
-            <a:pPr marL="12700">
-              <a:lnSpc>
-                <a:spcPct val="100000"/>
-              </a:lnSpc>
-            </a:pPr>
-            <a:r>
-              <a:rPr sz="1500" b="1" spc="5" dirty="0">
-                <a:solidFill>
-                  <a:srgbClr val="000080"/>
-                </a:solidFill>
-                <a:latin typeface="Consolas"/>
-                <a:cs typeface="Consolas"/>
-              </a:rPr>
-              <a:t>fro</a:t>
-            </a:r>
-            <a:r>
-              <a:rPr sz="1500" b="1" dirty="0">
-                <a:solidFill>
-                  <a:srgbClr val="000080"/>
-                </a:solidFill>
-                <a:latin typeface="Consolas"/>
-                <a:cs typeface="Consolas"/>
-              </a:rPr>
-              <a:t>m</a:t>
-            </a:r>
-            <a:r>
-              <a:rPr sz="1500" b="1" dirty="0">
-                <a:solidFill>
-                  <a:srgbClr val="000080"/>
-                </a:solidFill>
-                <a:latin typeface="Times New Roman"/>
-                <a:cs typeface="Times New Roman"/>
-              </a:rPr>
-              <a:t> </a:t>
-            </a:r>
-            <a:r>
-              <a:rPr sz="1500" b="1" spc="90" dirty="0">
-                <a:solidFill>
-                  <a:srgbClr val="000080"/>
-                </a:solidFill>
-                <a:latin typeface="Times New Roman"/>
-                <a:cs typeface="Times New Roman"/>
-              </a:rPr>
-              <a:t> </a:t>
-            </a:r>
-            <a:r>
-              <a:rPr sz="1500" b="1" spc="5" dirty="0">
-                <a:solidFill>
-                  <a:srgbClr val="008000"/>
-                </a:solidFill>
-                <a:latin typeface="Consolas"/>
-                <a:cs typeface="Consolas"/>
-              </a:rPr>
-              <a:t>'./MainComponent</a:t>
-            </a:r>
-            <a:r>
-              <a:rPr sz="1500" b="1" spc="-5" dirty="0">
-                <a:solidFill>
-                  <a:srgbClr val="008000"/>
-                </a:solidFill>
-                <a:latin typeface="Consolas"/>
-                <a:cs typeface="Consolas"/>
-              </a:rPr>
-              <a:t>'</a:t>
-            </a:r>
-            <a:r>
-              <a:rPr sz="1500" dirty="0">
-                <a:latin typeface="Consolas"/>
-                <a:cs typeface="Consolas"/>
-              </a:rPr>
               <a:t>;</a:t>
             </a:r>
-            <a:endParaRPr sz="1500">
+            <a:endParaRPr lang="nl-NL" sz="1500" dirty="0">
               <a:latin typeface="Consolas"/>
               <a:cs typeface="Consolas"/>
             </a:endParaRPr>
           </a:p>
-        </p:txBody>
-      </p:sp>
-      <p:sp>
-        <p:nvSpPr>
-          <p:cNvPr id="10" name="object 10"/>
-          <p:cNvSpPr txBox="1"/>
-          <p:nvPr/>
-        </p:nvSpPr>
-        <p:spPr>
-          <a:xfrm>
-            <a:off x="2650426" y="4605639"/>
-            <a:ext cx="3320415" cy="457498"/>
-          </a:xfrm>
-          <a:prstGeom prst="rect">
-            <a:avLst/>
-          </a:prstGeom>
-        </p:spPr>
-        <p:txBody>
-          <a:bodyPr vert="horz" wrap="square" lIns="0" tIns="0" rIns="0" bIns="0" rtlCol="0">
-            <a:spAutoFit/>
-          </a:bodyPr>
-          <a:lstStyle/>
-          <a:p>
-            <a:pPr marL="12700" marR="5080" indent="-635">
-              <a:lnSpc>
-                <a:spcPct val="100699"/>
-              </a:lnSpc>
-            </a:pPr>
-            <a:r>
-              <a:rPr sz="1500" spc="5" dirty="0">
-                <a:latin typeface="Consolas"/>
-                <a:cs typeface="Consolas"/>
-              </a:rPr>
-              <a:t>BrowserModule</a:t>
-            </a:r>
-            <a:r>
-              <a:rPr sz="1500" dirty="0">
-                <a:latin typeface="Consolas"/>
-                <a:cs typeface="Consolas"/>
-              </a:rPr>
-              <a:t>,</a:t>
-            </a:r>
-            <a:r>
-              <a:rPr sz="1500" dirty="0">
-                <a:latin typeface="Times New Roman"/>
-                <a:cs typeface="Times New Roman"/>
-              </a:rPr>
-              <a:t> </a:t>
-            </a:r>
-            <a:r>
-              <a:rPr sz="1500" spc="95" dirty="0">
-                <a:latin typeface="Times New Roman"/>
-                <a:cs typeface="Times New Roman"/>
-              </a:rPr>
-              <a:t> </a:t>
-            </a:r>
-            <a:r>
-              <a:rPr sz="1500" spc="5" dirty="0">
-                <a:latin typeface="Consolas"/>
-                <a:cs typeface="Consolas"/>
-              </a:rPr>
-              <a:t>HttpModule,</a:t>
-            </a:r>
-            <a:r>
-              <a:rPr sz="1500" spc="5" dirty="0">
-                <a:latin typeface="Times New Roman"/>
-                <a:cs typeface="Times New Roman"/>
-              </a:rPr>
-              <a:t> </a:t>
-            </a:r>
-            <a:r>
-              <a:rPr sz="1500" b="1" spc="5" dirty="0">
-                <a:solidFill>
-                  <a:srgbClr val="FF0000"/>
-                </a:solidFill>
-                <a:latin typeface="Consolas"/>
-                <a:cs typeface="Consolas"/>
-              </a:rPr>
-              <a:t>RouterModule.forRoot(AppRoutes)</a:t>
-            </a:r>
-            <a:endParaRPr sz="1500" b="1" dirty="0">
+          <a:p>
+            <a:pPr marL="12700"/>
+            <a:endParaRPr lang="en-US" sz="1500" spc="5" dirty="0">
               <a:solidFill>
                 <a:srgbClr val="FF0000"/>
               </a:solidFill>
@@ -34371,36 +34497,184 @@
               <a:cs typeface="Consolas"/>
             </a:endParaRPr>
           </a:p>
-        </p:txBody>
-      </p:sp>
-      <p:sp>
-        <p:nvSpPr>
-          <p:cNvPr id="11" name="object 11"/>
-          <p:cNvSpPr txBox="1"/>
-          <p:nvPr/>
-        </p:nvSpPr>
-        <p:spPr>
-          <a:xfrm>
-            <a:off x="2013406" y="5065876"/>
-            <a:ext cx="3425825" cy="2059939"/>
-          </a:xfrm>
-          <a:prstGeom prst="rect">
-            <a:avLst/>
-          </a:prstGeom>
-        </p:spPr>
-        <p:txBody>
-          <a:bodyPr vert="horz" wrap="square" lIns="0" tIns="0" rIns="0" bIns="0" rtlCol="0">
-            <a:spAutoFit/>
-          </a:bodyPr>
-          <a:lstStyle/>
-          <a:p>
-            <a:pPr marL="330835">
-              <a:lnSpc>
-                <a:spcPct val="100000"/>
-              </a:lnSpc>
-            </a:pPr>
-            <a:r>
-              <a:rPr sz="1500" dirty="0">
+          <a:p>
+            <a:pPr marL="12700"/>
+            <a:endParaRPr lang="en-US" sz="1500" spc="5" dirty="0">
+              <a:solidFill>
+                <a:srgbClr val="FF0000"/>
+              </a:solidFill>
+              <a:latin typeface="Consolas"/>
+              <a:cs typeface="Consolas"/>
+            </a:endParaRPr>
+          </a:p>
+          <a:p>
+            <a:pPr marL="12700"/>
+            <a:endParaRPr lang="en-US" sz="1500" spc="5" dirty="0">
+              <a:solidFill>
+                <a:srgbClr val="FF0000"/>
+              </a:solidFill>
+              <a:latin typeface="Consolas"/>
+              <a:cs typeface="Consolas"/>
+            </a:endParaRPr>
+          </a:p>
+          <a:p>
+            <a:pPr marL="12700"/>
+            <a:r>
+              <a:rPr lang="en-US" sz="1500" spc="5" dirty="0">
+                <a:solidFill>
+                  <a:srgbClr val="FF0000"/>
+                </a:solidFill>
+                <a:latin typeface="Consolas"/>
+                <a:cs typeface="Consolas"/>
+              </a:rPr>
+              <a:t>@</a:t>
+            </a:r>
+            <a:r>
+              <a:rPr lang="en-US" sz="1500" spc="5" dirty="0" err="1">
+                <a:solidFill>
+                  <a:srgbClr val="FF0000"/>
+                </a:solidFill>
+                <a:latin typeface="Consolas"/>
+                <a:cs typeface="Consolas"/>
+              </a:rPr>
+              <a:t>NgModule</a:t>
+            </a:r>
+            <a:r>
+              <a:rPr lang="en-US" sz="1500" spc="5" dirty="0">
+                <a:latin typeface="Consolas"/>
+                <a:cs typeface="Consolas"/>
+              </a:rPr>
+              <a:t>({</a:t>
+            </a:r>
+            <a:r>
+              <a:rPr lang="en-US" sz="1500" spc="5" dirty="0">
+                <a:latin typeface="Times New Roman"/>
+                <a:cs typeface="Times New Roman"/>
+              </a:rPr>
+              <a:t> </a:t>
+            </a:r>
+          </a:p>
+          <a:p>
+            <a:pPr marL="12700"/>
+            <a:r>
+              <a:rPr lang="en-US" sz="1500" dirty="0">
+                <a:latin typeface="Consolas"/>
+                <a:cs typeface="Consolas"/>
+              </a:rPr>
+              <a:t>   imports:</a:t>
+            </a:r>
+            <a:r>
+              <a:rPr lang="en-US" sz="1500" dirty="0">
+                <a:latin typeface="Times New Roman"/>
+                <a:cs typeface="Times New Roman"/>
+              </a:rPr>
+              <a:t> </a:t>
+            </a:r>
+            <a:r>
+              <a:rPr lang="en-US" sz="1500" spc="90" dirty="0">
+                <a:latin typeface="Times New Roman"/>
+                <a:cs typeface="Times New Roman"/>
+              </a:rPr>
+              <a:t> </a:t>
+            </a:r>
+            <a:r>
+              <a:rPr lang="en-US" sz="1500" dirty="0">
+                <a:latin typeface="Consolas"/>
+                <a:cs typeface="Consolas"/>
+              </a:rPr>
+              <a:t>[ </a:t>
+            </a:r>
+            <a:r>
+              <a:rPr lang="en-US" sz="1500" spc="5" dirty="0" err="1">
+                <a:latin typeface="Consolas"/>
+                <a:cs typeface="Consolas"/>
+              </a:rPr>
+              <a:t>BrowserModule</a:t>
+            </a:r>
+            <a:r>
+              <a:rPr lang="en-US" sz="1500" dirty="0">
+                <a:latin typeface="Consolas"/>
+                <a:cs typeface="Consolas"/>
+              </a:rPr>
+              <a:t>,</a:t>
+            </a:r>
+            <a:r>
+              <a:rPr lang="en-US" sz="1500" dirty="0">
+                <a:latin typeface="Times New Roman"/>
+                <a:cs typeface="Times New Roman"/>
+              </a:rPr>
+              <a:t> </a:t>
+            </a:r>
+            <a:r>
+              <a:rPr lang="en-US" sz="1500" spc="95" dirty="0">
+                <a:latin typeface="Times New Roman"/>
+                <a:cs typeface="Times New Roman"/>
+              </a:rPr>
+              <a:t> </a:t>
+            </a:r>
+            <a:r>
+              <a:rPr lang="en-US" sz="1500" spc="5" dirty="0" err="1">
+                <a:latin typeface="Consolas"/>
+                <a:cs typeface="Consolas"/>
+              </a:rPr>
+              <a:t>HttpModule</a:t>
+            </a:r>
+            <a:r>
+              <a:rPr lang="en-US" sz="1500" spc="5" dirty="0">
+                <a:latin typeface="Consolas"/>
+                <a:cs typeface="Consolas"/>
+              </a:rPr>
+              <a:t>,</a:t>
+            </a:r>
+            <a:r>
+              <a:rPr lang="en-US" sz="1500" spc="5" dirty="0">
+                <a:latin typeface="Times New Roman"/>
+                <a:cs typeface="Times New Roman"/>
+              </a:rPr>
+              <a:t>    </a:t>
+            </a:r>
+            <a:r>
+              <a:rPr lang="en-US" sz="1500" b="1" spc="5" dirty="0" err="1">
+                <a:solidFill>
+                  <a:srgbClr val="FF0000"/>
+                </a:solidFill>
+                <a:latin typeface="Consolas"/>
+                <a:cs typeface="Consolas"/>
+              </a:rPr>
+              <a:t>RouterModule.forRoot</a:t>
+            </a:r>
+            <a:r>
+              <a:rPr lang="en-US" sz="1500" b="1" spc="5" dirty="0">
+                <a:solidFill>
+                  <a:srgbClr val="FF0000"/>
+                </a:solidFill>
+                <a:latin typeface="Consolas"/>
+                <a:cs typeface="Consolas"/>
+              </a:rPr>
+              <a:t>(</a:t>
+            </a:r>
+            <a:r>
+              <a:rPr lang="en-US" sz="1500" b="1" spc="5" dirty="0" err="1">
+                <a:solidFill>
+                  <a:srgbClr val="FF0000"/>
+                </a:solidFill>
+                <a:latin typeface="Consolas"/>
+                <a:cs typeface="Consolas"/>
+              </a:rPr>
+              <a:t>AppRoutes</a:t>
+            </a:r>
+            <a:r>
+              <a:rPr lang="en-US" sz="1500" b="1" spc="5" dirty="0">
+                <a:solidFill>
+                  <a:srgbClr val="FF0000"/>
+                </a:solidFill>
+                <a:latin typeface="Consolas"/>
+                <a:cs typeface="Consolas"/>
+              </a:rPr>
+              <a:t>)</a:t>
+            </a:r>
+            <a:r>
+              <a:rPr lang="en-US" sz="1500" dirty="0">
                 <a:latin typeface="Consolas"/>
                 <a:cs typeface="Consolas"/>
               </a:rPr>
@@ -34417,98 +34691,98 @@
               </a:spcBef>
             </a:pPr>
             <a:r>
-              <a:rPr sz="1500" spc="5" dirty="0">
+              <a:rPr lang="en-US" sz="1500" spc="5" dirty="0">
                 <a:latin typeface="Consolas"/>
                 <a:cs typeface="Consolas"/>
               </a:rPr>
               <a:t>declarations</a:t>
             </a:r>
             <a:r>
-              <a:rPr sz="1500" dirty="0">
+              <a:rPr lang="en-US" sz="1500" dirty="0">
                 <a:latin typeface="Consolas"/>
                 <a:cs typeface="Consolas"/>
               </a:rPr>
               <a:t>:</a:t>
             </a:r>
             <a:r>
-              <a:rPr sz="1500" dirty="0">
-                <a:latin typeface="Times New Roman"/>
-                <a:cs typeface="Times New Roman"/>
-              </a:rPr>
-              <a:t> </a:t>
-            </a:r>
-            <a:r>
-              <a:rPr sz="1500" spc="85" dirty="0">
-                <a:latin typeface="Times New Roman"/>
-                <a:cs typeface="Times New Roman"/>
-              </a:rPr>
-              <a:t> </a:t>
-            </a:r>
-            <a:r>
-              <a:rPr sz="1500" dirty="0">
+              <a:rPr lang="en-US" sz="1500" dirty="0">
+                <a:latin typeface="Times New Roman"/>
+                <a:cs typeface="Times New Roman"/>
+              </a:rPr>
+              <a:t> </a:t>
+            </a:r>
+            <a:r>
+              <a:rPr lang="en-US" sz="1500" spc="85" dirty="0">
+                <a:latin typeface="Times New Roman"/>
+                <a:cs typeface="Times New Roman"/>
+              </a:rPr>
+              <a:t> </a:t>
+            </a:r>
+            <a:r>
+              <a:rPr lang="en-US" sz="1500" dirty="0">
                 <a:latin typeface="Consolas"/>
                 <a:cs typeface="Consolas"/>
               </a:rPr>
               <a:t>[</a:t>
             </a:r>
             <a:r>
-              <a:rPr sz="1500" dirty="0">
-                <a:latin typeface="Times New Roman"/>
-                <a:cs typeface="Times New Roman"/>
-              </a:rPr>
-              <a:t> </a:t>
-            </a:r>
-            <a:r>
-              <a:rPr sz="1500" spc="5" dirty="0">
-                <a:latin typeface="Consolas"/>
-                <a:cs typeface="Consolas"/>
-              </a:rPr>
-              <a:t>MainComponent,</a:t>
-            </a:r>
-            <a:r>
-              <a:rPr sz="1500" spc="5" dirty="0">
-                <a:latin typeface="Times New Roman"/>
-                <a:cs typeface="Times New Roman"/>
-              </a:rPr>
-              <a:t> </a:t>
-            </a:r>
-            <a:r>
-              <a:rPr sz="1500" spc="5" dirty="0">
-                <a:latin typeface="Consolas"/>
-                <a:cs typeface="Consolas"/>
-              </a:rPr>
-              <a:t>AppComponent,</a:t>
-            </a:r>
-            <a:r>
-              <a:rPr sz="1500" spc="5" dirty="0">
-                <a:latin typeface="Times New Roman"/>
-                <a:cs typeface="Times New Roman"/>
-              </a:rPr>
-              <a:t> </a:t>
-            </a:r>
-            <a:r>
-              <a:rPr sz="1500" spc="5" dirty="0">
+              <a:rPr lang="en-US" sz="1500" dirty="0">
+                <a:latin typeface="Times New Roman"/>
+                <a:cs typeface="Times New Roman"/>
+              </a:rPr>
+              <a:t> </a:t>
+            </a:r>
+            <a:r>
+              <a:rPr lang="en-US" sz="1500" spc="5" dirty="0" err="1">
+                <a:latin typeface="Consolas"/>
+                <a:cs typeface="Consolas"/>
+              </a:rPr>
+              <a:t>MainComponent</a:t>
+            </a:r>
+            <a:r>
+              <a:rPr lang="en-US" sz="1500" spc="5" dirty="0">
+                <a:latin typeface="Consolas"/>
+                <a:cs typeface="Consolas"/>
+              </a:rPr>
+              <a:t>,</a:t>
+            </a:r>
+            <a:r>
+              <a:rPr lang="en-US" sz="1500" spc="5" dirty="0">
+                <a:latin typeface="Times New Roman"/>
+                <a:cs typeface="Times New Roman"/>
+              </a:rPr>
+              <a:t> </a:t>
+            </a:r>
+            <a:r>
+              <a:rPr lang="en-US" sz="1500" spc="5" dirty="0" err="1">
+                <a:latin typeface="Consolas"/>
+                <a:cs typeface="Consolas"/>
+              </a:rPr>
+              <a:t>AppComponent</a:t>
+            </a:r>
+            <a:r>
+              <a:rPr lang="en-US" sz="1500" spc="5" dirty="0">
+                <a:latin typeface="Consolas"/>
+                <a:cs typeface="Consolas"/>
+              </a:rPr>
+              <a:t>,</a:t>
+            </a:r>
+            <a:r>
+              <a:rPr lang="en-US" sz="1500" spc="5" dirty="0">
+                <a:latin typeface="Times New Roman"/>
+                <a:cs typeface="Times New Roman"/>
+              </a:rPr>
+              <a:t> </a:t>
+            </a:r>
+            <a:r>
+              <a:rPr lang="en-US" sz="1500" spc="5" dirty="0" err="1">
                 <a:latin typeface="Consolas"/>
                 <a:cs typeface="Consolas"/>
               </a:rPr>
               <a:t>CityAddComponent</a:t>
             </a:r>
-            <a:endParaRPr sz="1500" dirty="0">
-              <a:latin typeface="Consolas"/>
-              <a:cs typeface="Consolas"/>
-            </a:endParaRPr>
-          </a:p>
-          <a:p>
-            <a:pPr marL="330835">
-              <a:lnSpc>
-                <a:spcPct val="100000"/>
-              </a:lnSpc>
-              <a:spcBef>
-                <a:spcPts val="10"/>
-              </a:spcBef>
-            </a:pPr>
-            <a:r>
-              <a:rPr sz="1500" dirty="0">
+            <a:r>
+              <a:rPr lang="en-US" sz="1500" dirty="0">
                 <a:latin typeface="Consolas"/>
                 <a:cs typeface="Consolas"/>
               </a:rPr>
@@ -34528,55 +34802,69 @@
               </a:tabLst>
             </a:pPr>
             <a:r>
-              <a:rPr sz="1500" spc="5" dirty="0">
+              <a:rPr lang="en-US" sz="1500" spc="5" dirty="0">
                 <a:latin typeface="Consolas"/>
                 <a:cs typeface="Consolas"/>
               </a:rPr>
               <a:t>bootstra</a:t>
             </a:r>
             <a:r>
-              <a:rPr sz="1500" dirty="0">
+              <a:rPr lang="en-US" sz="1500" dirty="0">
                 <a:latin typeface="Consolas"/>
                 <a:cs typeface="Consolas"/>
               </a:rPr>
               <a:t>p</a:t>
             </a:r>
             <a:r>
-              <a:rPr sz="1500" dirty="0">
+              <a:rPr lang="en-US" sz="1500" dirty="0">
                 <a:latin typeface="Times New Roman"/>
                 <a:cs typeface="Times New Roman"/>
               </a:rPr>
               <a:t>	</a:t>
             </a:r>
             <a:r>
-              <a:rPr sz="1500" dirty="0">
+              <a:rPr lang="en-US" sz="1500" dirty="0">
                 <a:latin typeface="Consolas"/>
                 <a:cs typeface="Consolas"/>
               </a:rPr>
               <a:t>:</a:t>
             </a:r>
             <a:r>
-              <a:rPr sz="1500" dirty="0">
-                <a:latin typeface="Times New Roman"/>
-                <a:cs typeface="Times New Roman"/>
-              </a:rPr>
-              <a:t> </a:t>
-            </a:r>
-            <a:r>
-              <a:rPr sz="1500" spc="90" dirty="0">
-                <a:latin typeface="Times New Roman"/>
-                <a:cs typeface="Times New Roman"/>
-              </a:rPr>
-              <a:t> </a:t>
-            </a:r>
-            <a:r>
-              <a:rPr sz="1500" spc="5" dirty="0">
-                <a:latin typeface="Consolas"/>
-                <a:cs typeface="Consolas"/>
-              </a:rPr>
-              <a:t>[MainComponent]</a:t>
-            </a:r>
-            <a:endParaRPr sz="1500" dirty="0">
+              <a:rPr lang="en-US" sz="1500" dirty="0">
+                <a:latin typeface="Times New Roman"/>
+                <a:cs typeface="Times New Roman"/>
+              </a:rPr>
+              <a:t> </a:t>
+            </a:r>
+            <a:r>
+              <a:rPr lang="en-US" sz="1500" spc="90" dirty="0">
+                <a:latin typeface="Times New Roman"/>
+                <a:cs typeface="Times New Roman"/>
+              </a:rPr>
+              <a:t> </a:t>
+            </a:r>
+            <a:r>
+              <a:rPr lang="en-US" sz="1500" spc="5" dirty="0">
+                <a:latin typeface="Consolas"/>
+                <a:cs typeface="Consolas"/>
+              </a:rPr>
+              <a:t>[</a:t>
+            </a:r>
+            <a:r>
+              <a:rPr lang="en-US" sz="1500" spc="5" dirty="0" err="1">
+                <a:latin typeface="Consolas"/>
+                <a:cs typeface="Consolas"/>
+              </a:rPr>
+              <a:t>MainComponent</a:t>
+            </a:r>
+            <a:r>
+              <a:rPr lang="en-US" sz="1500" spc="5" dirty="0">
+                <a:latin typeface="Consolas"/>
+                <a:cs typeface="Consolas"/>
+              </a:rPr>
+              <a:t>]</a:t>
+            </a:r>
+            <a:endParaRPr lang="en-US" sz="1500" dirty="0">
               <a:latin typeface="Consolas"/>
               <a:cs typeface="Consolas"/>
             </a:endParaRPr>
@@ -34591,12 +34879,26 @@
               </a:spcBef>
             </a:pPr>
             <a:r>
-              <a:rPr sz="1500" dirty="0">
+              <a:rPr lang="en-US" sz="1500" dirty="0">
                 <a:latin typeface="Consolas"/>
                 <a:cs typeface="Consolas"/>
               </a:rPr>
               <a:t>})</a:t>
             </a:r>
+          </a:p>
+          <a:p>
+            <a:pPr marL="12700">
+              <a:lnSpc>
+                <a:spcPct val="100000"/>
+              </a:lnSpc>
+              <a:spcBef>
+                <a:spcPts val="15"/>
+              </a:spcBef>
+            </a:pPr>
+            <a:endParaRPr lang="en-US" sz="1500" dirty="0">
+              <a:latin typeface="Consolas"/>
+              <a:cs typeface="Consolas"/>
+            </a:endParaRPr>
           </a:p>
           <a:p>
             <a:pPr marL="12700">
@@ -34608,7 +34910,7 @@
               </a:spcBef>
             </a:pPr>
             <a:r>
-              <a:rPr sz="1500" b="1" dirty="0">
+              <a:rPr lang="en-US" sz="1500" b="1" dirty="0">
                 <a:solidFill>
                   <a:srgbClr val="000080"/>
                 </a:solidFill>
@@ -34618,7 +34920,7 @@
               <a:t>export</a:t>
             </a:r>
             <a:r>
-              <a:rPr sz="1500" b="1" dirty="0">
+              <a:rPr lang="en-US" sz="1500" b="1" dirty="0">
                 <a:solidFill>
                   <a:srgbClr val="000080"/>
                 </a:solidFill>
@@ -34628,7 +34930,7 @@
               <a:t> </a:t>
             </a:r>
             <a:r>
-              <a:rPr sz="1500" b="1" spc="95" dirty="0">
+              <a:rPr lang="en-US" sz="1500" b="1" spc="95" dirty="0">
                 <a:solidFill>
                   <a:srgbClr val="000080"/>
                 </a:solidFill>
@@ -34638,7 +34940,7 @@
               <a:t> </a:t>
             </a:r>
             <a:r>
-              <a:rPr sz="1500" b="1" dirty="0">
+              <a:rPr lang="en-US" sz="1500" b="1" dirty="0">
                 <a:solidFill>
                   <a:srgbClr val="000080"/>
                 </a:solidFill>
@@ -34648,7 +34950,7 @@
               <a:t>class</a:t>
             </a:r>
             <a:r>
-              <a:rPr sz="1500" b="1" dirty="0">
+              <a:rPr lang="en-US" sz="1500" b="1" dirty="0">
                 <a:solidFill>
                   <a:srgbClr val="000080"/>
                 </a:solidFill>
@@ -34658,7 +34960,7 @@
               <a:t> </a:t>
             </a:r>
             <a:r>
-              <a:rPr sz="1500" b="1" spc="90" dirty="0">
+              <a:rPr lang="en-US" sz="1500" b="1" spc="90" dirty="0">
                 <a:solidFill>
                   <a:srgbClr val="000080"/>
                 </a:solidFill>
@@ -34668,40 +34970,65 @@
               <a:t> </a:t>
             </a:r>
             <a:r>
-              <a:rPr sz="1500" spc="5" dirty="0">
+              <a:rPr lang="en-US" sz="1500" spc="5" dirty="0" err="1">
                 <a:latin typeface="Consolas"/>
                 <a:cs typeface="Consolas"/>
               </a:rPr>
               <a:t>AppModul</a:t>
             </a:r>
             <a:r>
-              <a:rPr sz="1500" dirty="0">
+              <a:rPr lang="en-US" sz="1500" dirty="0" err="1">
                 <a:latin typeface="Consolas"/>
                 <a:cs typeface="Consolas"/>
               </a:rPr>
               <a:t>e</a:t>
             </a:r>
             <a:r>
-              <a:rPr sz="1500" dirty="0">
-                <a:latin typeface="Times New Roman"/>
-                <a:cs typeface="Times New Roman"/>
-              </a:rPr>
-              <a:t> </a:t>
-            </a:r>
-            <a:r>
-              <a:rPr sz="1500" spc="85" dirty="0">
-                <a:latin typeface="Times New Roman"/>
-                <a:cs typeface="Times New Roman"/>
-              </a:rPr>
-              <a:t> </a:t>
-            </a:r>
-            <a:r>
-              <a:rPr sz="1500" dirty="0">
+              <a:rPr lang="en-US" sz="1500" dirty="0">
+                <a:latin typeface="Times New Roman"/>
+                <a:cs typeface="Times New Roman"/>
+              </a:rPr>
+              <a:t> </a:t>
+            </a:r>
+            <a:r>
+              <a:rPr lang="en-US" sz="1500" spc="85" dirty="0">
+                <a:latin typeface="Times New Roman"/>
+                <a:cs typeface="Times New Roman"/>
+              </a:rPr>
+              <a:t> </a:t>
+            </a:r>
+            <a:r>
+              <a:rPr lang="en-US" sz="1500" dirty="0">
                 <a:latin typeface="Consolas"/>
                 <a:cs typeface="Consolas"/>
               </a:rPr>
               <a:t>{</a:t>
             </a:r>
+            <a:r>
+              <a:rPr lang="en-US" sz="1500" b="1" dirty="0">
+                <a:latin typeface="Consolas"/>
+                <a:cs typeface="Consolas"/>
+              </a:rPr>
+              <a:t>}</a:t>
+            </a:r>
+          </a:p>
+          <a:p>
+            <a:pPr marL="12700"/>
+            <a:endParaRPr lang="en-US" sz="1500" dirty="0">
+              <a:latin typeface="Consolas"/>
+              <a:cs typeface="Consolas"/>
+            </a:endParaRPr>
+          </a:p>
+          <a:p>
+            <a:pPr marL="12700">
+              <a:lnSpc>
+                <a:spcPct val="100000"/>
+              </a:lnSpc>
+            </a:pPr>
+            <a:endParaRPr sz="1500" dirty="0">
+              <a:latin typeface="Consolas"/>
+              <a:cs typeface="Consolas"/>
+            </a:endParaRPr>
           </a:p>
         </p:txBody>
       </p:sp>
@@ -34713,7 +35040,7 @@
         </p:nvSpPr>
         <p:spPr>
           <a:xfrm>
-            <a:off x="6846447" y="2203713"/>
+            <a:off x="7003419" y="1779635"/>
             <a:ext cx="2188210" cy="777240"/>
           </a:xfrm>
           <a:custGeom>
@@ -34787,7 +35114,7 @@
         </p:nvSpPr>
         <p:spPr>
           <a:xfrm>
-            <a:off x="7516514" y="2408912"/>
+            <a:off x="7673486" y="1984834"/>
             <a:ext cx="1169670" cy="387350"/>
           </a:xfrm>
           <a:prstGeom prst="rect">
@@ -34855,7 +35182,7 @@
               </a:rPr>
               <a:t>onderdelen</a:t>
             </a:r>
-            <a:endParaRPr sz="1300">
+            <a:endParaRPr sz="1300" dirty="0">
               <a:latin typeface="Arial"/>
               <a:cs typeface="Arial"/>
             </a:endParaRPr>
@@ -35121,8 +35448,8 @@
         </p:nvSpPr>
         <p:spPr>
           <a:xfrm>
-            <a:off x="5882518" y="4300737"/>
-            <a:ext cx="3075940" cy="777240"/>
+            <a:off x="7521892" y="3985374"/>
+            <a:ext cx="3075939" cy="661024"/>
           </a:xfrm>
           <a:custGeom>
             <a:avLst/>
@@ -35195,8 +35522,8 @@
         </p:nvSpPr>
         <p:spPr>
           <a:xfrm>
-            <a:off x="6705744" y="4505937"/>
-            <a:ext cx="1882139" cy="387350"/>
+            <a:off x="8258320" y="4080994"/>
+            <a:ext cx="1965179" cy="400110"/>
           </a:xfrm>
           <a:prstGeom prst="rect">
             <a:avLst/>
@@ -35223,7 +35550,7 @@
               </a:rPr>
               <a:t>Configure RouterModule.forRoot()</a:t>
             </a:r>
-            <a:endParaRPr sz="1300">
+            <a:endParaRPr sz="1300" dirty="0">
               <a:latin typeface="Arial"/>
               <a:cs typeface="Arial"/>
             </a:endParaRPr>
@@ -35238,8 +35565,8 @@
         </p:nvSpPr>
         <p:spPr>
           <a:xfrm>
-            <a:off x="5561715" y="5909313"/>
-            <a:ext cx="3075940" cy="777240"/>
+            <a:off x="7966176" y="4915833"/>
+            <a:ext cx="3075940" cy="661023"/>
           </a:xfrm>
           <a:custGeom>
             <a:avLst/>
@@ -35300,7 +35627,7 @@
           <a:bodyPr wrap="square" lIns="0" tIns="0" rIns="0" bIns="0" rtlCol="0"/>
           <a:lstStyle/>
           <a:p>
-            <a:endParaRPr/>
+            <a:endParaRPr dirty="0"/>
           </a:p>
         </p:txBody>
       </p:sp>
@@ -35312,7 +35639,7 @@
         </p:nvSpPr>
         <p:spPr>
           <a:xfrm>
-            <a:off x="6296550" y="6114521"/>
+            <a:off x="8635365" y="4949496"/>
             <a:ext cx="2058035" cy="387350"/>
           </a:xfrm>
           <a:prstGeom prst="rect">
@@ -35390,7 +35717,7 @@
               </a:rPr>
               <a:t>nu gebootstrapt</a:t>
             </a:r>
-            <a:endParaRPr sz="1300">
+            <a:endParaRPr sz="1300" dirty="0">
               <a:latin typeface="Arial"/>
               <a:cs typeface="Arial"/>
             </a:endParaRPr>
@@ -35470,7 +35797,7 @@
         </p:nvSpPr>
         <p:spPr>
           <a:xfrm>
-            <a:off x="1178187" y="1269733"/>
+            <a:off x="581467" y="1246040"/>
             <a:ext cx="7569834" cy="792525"/>
           </a:xfrm>
           <a:prstGeom prst="rect">
@@ -35758,2198 +36085,6 @@
               </a:rPr>
               <a:t>;</a:t>
             </a:r>
-          </a:p>
-        </p:txBody>
-      </p:sp>
-      <p:sp>
-        <p:nvSpPr>
-          <p:cNvPr id="5" name="object 5"/>
-          <p:cNvSpPr txBox="1"/>
-          <p:nvPr/>
-        </p:nvSpPr>
-        <p:spPr>
-          <a:xfrm>
-            <a:off x="1178205" y="2280788"/>
-            <a:ext cx="5123815" cy="1158779"/>
-          </a:xfrm>
-          <a:prstGeom prst="rect">
-            <a:avLst/>
-          </a:prstGeom>
-        </p:spPr>
-        <p:txBody>
-          <a:bodyPr vert="horz" wrap="square" lIns="0" tIns="0" rIns="0" bIns="0" rtlCol="0">
-            <a:spAutoFit/>
-          </a:bodyPr>
-          <a:lstStyle/>
-          <a:p>
-            <a:pPr marL="12700">
-              <a:lnSpc>
-                <a:spcPct val="100000"/>
-              </a:lnSpc>
-            </a:pPr>
-            <a:r>
-              <a:rPr sz="1500" spc="5" dirty="0">
-                <a:latin typeface="Consolas"/>
-                <a:cs typeface="Consolas"/>
-              </a:rPr>
-              <a:t>@Component({</a:t>
-            </a:r>
-            <a:endParaRPr sz="1500" dirty="0">
-              <a:latin typeface="Consolas"/>
-              <a:cs typeface="Consolas"/>
-            </a:endParaRPr>
-          </a:p>
-          <a:p>
-            <a:pPr marL="330835" marR="1916430" indent="-635">
-              <a:lnSpc>
-                <a:spcPct val="100699"/>
-              </a:lnSpc>
-            </a:pPr>
-            <a:r>
-              <a:rPr sz="1500" spc="5" dirty="0">
-                <a:latin typeface="Consolas"/>
-                <a:cs typeface="Consolas"/>
-              </a:rPr>
-              <a:t>selector</a:t>
-            </a:r>
-            <a:r>
-              <a:rPr sz="1500" dirty="0">
-                <a:latin typeface="Consolas"/>
-                <a:cs typeface="Consolas"/>
-              </a:rPr>
-              <a:t>:</a:t>
-            </a:r>
-            <a:r>
-              <a:rPr sz="1500" dirty="0">
-                <a:latin typeface="Times New Roman"/>
-                <a:cs typeface="Times New Roman"/>
-              </a:rPr>
-              <a:t> </a:t>
-            </a:r>
-            <a:r>
-              <a:rPr sz="1500" spc="90" dirty="0">
-                <a:latin typeface="Times New Roman"/>
-                <a:cs typeface="Times New Roman"/>
-              </a:rPr>
-              <a:t> </a:t>
-            </a:r>
-            <a:r>
-              <a:rPr sz="1500" spc="5" dirty="0">
-                <a:solidFill>
-                  <a:srgbClr val="008000"/>
-                </a:solidFill>
-                <a:latin typeface="Consolas"/>
-                <a:cs typeface="Consolas"/>
-              </a:rPr>
-              <a:t>'mai</a:t>
-            </a:r>
-            <a:r>
-              <a:rPr sz="1500" dirty="0">
-                <a:solidFill>
-                  <a:srgbClr val="008000"/>
-                </a:solidFill>
-                <a:latin typeface="Consolas"/>
-                <a:cs typeface="Consolas"/>
-              </a:rPr>
-              <a:t>n‐</a:t>
-            </a:r>
-            <a:r>
-              <a:rPr sz="1500" spc="5" dirty="0">
-                <a:solidFill>
-                  <a:srgbClr val="008000"/>
-                </a:solidFill>
-                <a:latin typeface="Consolas"/>
-                <a:cs typeface="Consolas"/>
-              </a:rPr>
-              <a:t>component</a:t>
-            </a:r>
-            <a:r>
-              <a:rPr sz="1500" spc="-5" dirty="0">
-                <a:solidFill>
-                  <a:srgbClr val="008000"/>
-                </a:solidFill>
-                <a:latin typeface="Consolas"/>
-                <a:cs typeface="Consolas"/>
-              </a:rPr>
-              <a:t>'</a:t>
-            </a:r>
-            <a:r>
-              <a:rPr sz="1500" dirty="0">
-                <a:latin typeface="Consolas"/>
-                <a:cs typeface="Consolas"/>
-              </a:rPr>
-              <a:t>,</a:t>
-            </a:r>
-            <a:r>
-              <a:rPr sz="1500" dirty="0">
-                <a:latin typeface="Times New Roman"/>
-                <a:cs typeface="Times New Roman"/>
-              </a:rPr>
-              <a:t> </a:t>
-            </a:r>
-            <a:r>
-              <a:rPr sz="1500" spc="5" dirty="0">
-                <a:latin typeface="Consolas"/>
-                <a:cs typeface="Consolas"/>
-              </a:rPr>
-              <a:t>template</a:t>
-            </a:r>
-            <a:r>
-              <a:rPr sz="1500" dirty="0">
-                <a:latin typeface="Consolas"/>
-                <a:cs typeface="Consolas"/>
-              </a:rPr>
-              <a:t>:</a:t>
-            </a:r>
-            <a:r>
-              <a:rPr sz="1500" dirty="0">
-                <a:latin typeface="Times New Roman"/>
-                <a:cs typeface="Times New Roman"/>
-              </a:rPr>
-              <a:t> </a:t>
-            </a:r>
-            <a:r>
-              <a:rPr sz="1500" spc="90" dirty="0">
-                <a:latin typeface="Times New Roman"/>
-                <a:cs typeface="Times New Roman"/>
-              </a:rPr>
-              <a:t> </a:t>
-            </a:r>
-            <a:r>
-              <a:rPr sz="1500" dirty="0">
-                <a:solidFill>
-                  <a:srgbClr val="008000"/>
-                </a:solidFill>
-                <a:latin typeface="Consolas"/>
-                <a:cs typeface="Consolas"/>
-              </a:rPr>
-              <a:t>`</a:t>
-            </a:r>
-            <a:endParaRPr sz="1500" dirty="0">
-              <a:latin typeface="Consolas"/>
-              <a:cs typeface="Consolas"/>
-            </a:endParaRPr>
-          </a:p>
-          <a:p>
-            <a:pPr marL="649605">
-              <a:lnSpc>
-                <a:spcPct val="100000"/>
-              </a:lnSpc>
-              <a:spcBef>
-                <a:spcPts val="10"/>
-              </a:spcBef>
-            </a:pPr>
-            <a:r>
-              <a:rPr sz="1500" spc="5" dirty="0">
-                <a:solidFill>
-                  <a:srgbClr val="008000"/>
-                </a:solidFill>
-                <a:latin typeface="Consolas"/>
-                <a:cs typeface="Consolas"/>
-              </a:rPr>
-              <a:t>&lt;h1&gt;Pic</a:t>
-            </a:r>
-            <a:r>
-              <a:rPr sz="1500" dirty="0">
-                <a:solidFill>
-                  <a:srgbClr val="008000"/>
-                </a:solidFill>
-                <a:latin typeface="Consolas"/>
-                <a:cs typeface="Consolas"/>
-              </a:rPr>
-              <a:t>k</a:t>
-            </a:r>
-            <a:r>
-              <a:rPr sz="1500" dirty="0">
-                <a:solidFill>
-                  <a:srgbClr val="008000"/>
-                </a:solidFill>
-                <a:latin typeface="Times New Roman"/>
-                <a:cs typeface="Times New Roman"/>
-              </a:rPr>
-              <a:t> </a:t>
-            </a:r>
-            <a:r>
-              <a:rPr sz="1500" spc="90" dirty="0">
-                <a:solidFill>
-                  <a:srgbClr val="008000"/>
-                </a:solidFill>
-                <a:latin typeface="Times New Roman"/>
-                <a:cs typeface="Times New Roman"/>
-              </a:rPr>
-              <a:t> </a:t>
-            </a:r>
-            <a:r>
-              <a:rPr sz="1500" spc="5" dirty="0">
-                <a:solidFill>
-                  <a:srgbClr val="008000"/>
-                </a:solidFill>
-                <a:latin typeface="Consolas"/>
-                <a:cs typeface="Consolas"/>
-              </a:rPr>
-              <a:t>you</a:t>
-            </a:r>
-            <a:r>
-              <a:rPr sz="1500" dirty="0">
-                <a:solidFill>
-                  <a:srgbClr val="008000"/>
-                </a:solidFill>
-                <a:latin typeface="Consolas"/>
-                <a:cs typeface="Consolas"/>
-              </a:rPr>
-              <a:t>r</a:t>
-            </a:r>
-            <a:r>
-              <a:rPr sz="1500" dirty="0">
-                <a:solidFill>
-                  <a:srgbClr val="008000"/>
-                </a:solidFill>
-                <a:latin typeface="Times New Roman"/>
-                <a:cs typeface="Times New Roman"/>
-              </a:rPr>
-              <a:t> </a:t>
-            </a:r>
-            <a:r>
-              <a:rPr sz="1500" spc="90" dirty="0">
-                <a:solidFill>
-                  <a:srgbClr val="008000"/>
-                </a:solidFill>
-                <a:latin typeface="Times New Roman"/>
-                <a:cs typeface="Times New Roman"/>
-              </a:rPr>
-              <a:t> </a:t>
-            </a:r>
-            <a:r>
-              <a:rPr sz="1500" spc="5" dirty="0">
-                <a:solidFill>
-                  <a:srgbClr val="008000"/>
-                </a:solidFill>
-                <a:latin typeface="Consolas"/>
-                <a:cs typeface="Consolas"/>
-              </a:rPr>
-              <a:t>favorit</a:t>
-            </a:r>
-            <a:r>
-              <a:rPr sz="1500" dirty="0">
-                <a:solidFill>
-                  <a:srgbClr val="008000"/>
-                </a:solidFill>
-                <a:latin typeface="Consolas"/>
-                <a:cs typeface="Consolas"/>
-              </a:rPr>
-              <a:t>e</a:t>
-            </a:r>
-            <a:r>
-              <a:rPr sz="1500" dirty="0">
-                <a:solidFill>
-                  <a:srgbClr val="008000"/>
-                </a:solidFill>
-                <a:latin typeface="Times New Roman"/>
-                <a:cs typeface="Times New Roman"/>
-              </a:rPr>
-              <a:t> </a:t>
-            </a:r>
-            <a:r>
-              <a:rPr sz="1500" spc="90" dirty="0">
-                <a:solidFill>
-                  <a:srgbClr val="008000"/>
-                </a:solidFill>
-                <a:latin typeface="Times New Roman"/>
-                <a:cs typeface="Times New Roman"/>
-              </a:rPr>
-              <a:t> </a:t>
-            </a:r>
-            <a:r>
-              <a:rPr sz="1500" dirty="0">
-                <a:solidFill>
-                  <a:srgbClr val="008000"/>
-                </a:solidFill>
-                <a:latin typeface="Consolas"/>
-                <a:cs typeface="Consolas"/>
-              </a:rPr>
-              <a:t>c</a:t>
-            </a:r>
-            <a:r>
-              <a:rPr sz="1500" spc="5" dirty="0">
-                <a:solidFill>
-                  <a:srgbClr val="008000"/>
-                </a:solidFill>
-                <a:latin typeface="Consolas"/>
-                <a:cs typeface="Consolas"/>
-              </a:rPr>
-              <a:t>ity&lt;/h1&gt;</a:t>
-            </a:r>
-            <a:endParaRPr sz="1500" dirty="0">
-              <a:latin typeface="Consolas"/>
-              <a:cs typeface="Consolas"/>
-            </a:endParaRPr>
-          </a:p>
-          <a:p>
-            <a:pPr marL="649605">
-              <a:lnSpc>
-                <a:spcPct val="100000"/>
-              </a:lnSpc>
-              <a:spcBef>
-                <a:spcPts val="10"/>
-              </a:spcBef>
-            </a:pPr>
-            <a:r>
-              <a:rPr sz="1500" i="1" spc="5" dirty="0">
-                <a:solidFill>
-                  <a:srgbClr val="C00000"/>
-                </a:solidFill>
-                <a:latin typeface="Consolas"/>
-                <a:cs typeface="Consolas"/>
-              </a:rPr>
-              <a:t>&lt;</a:t>
-            </a:r>
-            <a:r>
-              <a:rPr sz="1500" i="1" dirty="0">
-                <a:solidFill>
-                  <a:srgbClr val="C00000"/>
-                </a:solidFill>
-                <a:latin typeface="Consolas"/>
-                <a:cs typeface="Consolas"/>
-              </a:rPr>
-              <a:t>!‐‐</a:t>
-            </a:r>
-            <a:r>
-              <a:rPr sz="1500" i="1" spc="15" dirty="0">
-                <a:solidFill>
-                  <a:srgbClr val="C00000"/>
-                </a:solidFill>
-                <a:latin typeface="Consolas"/>
-                <a:cs typeface="Consolas"/>
-              </a:rPr>
-              <a:t> </a:t>
-            </a:r>
-            <a:r>
-              <a:rPr sz="1500" i="1" spc="5" dirty="0">
-                <a:solidFill>
-                  <a:srgbClr val="C00000"/>
-                </a:solidFill>
-                <a:latin typeface="Consolas"/>
-                <a:cs typeface="Consolas"/>
-              </a:rPr>
-              <a:t>Stati</a:t>
-            </a:r>
-            <a:r>
-              <a:rPr sz="1500" i="1" dirty="0">
-                <a:solidFill>
-                  <a:srgbClr val="C00000"/>
-                </a:solidFill>
-                <a:latin typeface="Consolas"/>
-                <a:cs typeface="Consolas"/>
-              </a:rPr>
-              <a:t>c</a:t>
-            </a:r>
-            <a:r>
-              <a:rPr sz="1500" i="1" dirty="0">
-                <a:solidFill>
-                  <a:srgbClr val="C00000"/>
-                </a:solidFill>
-                <a:latin typeface="Times New Roman"/>
-                <a:cs typeface="Times New Roman"/>
-              </a:rPr>
-              <a:t> </a:t>
-            </a:r>
-            <a:r>
-              <a:rPr sz="1500" i="1" spc="90" dirty="0">
-                <a:solidFill>
-                  <a:srgbClr val="C00000"/>
-                </a:solidFill>
-                <a:latin typeface="Times New Roman"/>
-                <a:cs typeface="Times New Roman"/>
-              </a:rPr>
-              <a:t> </a:t>
-            </a:r>
-            <a:r>
-              <a:rPr sz="1500" i="1" spc="5" dirty="0">
-                <a:solidFill>
-                  <a:srgbClr val="C00000"/>
-                </a:solidFill>
-                <a:latin typeface="Consolas"/>
-                <a:cs typeface="Consolas"/>
-              </a:rPr>
-              <a:t>'mai</a:t>
-            </a:r>
-            <a:r>
-              <a:rPr sz="1500" i="1" dirty="0">
-                <a:solidFill>
-                  <a:srgbClr val="C00000"/>
-                </a:solidFill>
-                <a:latin typeface="Consolas"/>
-                <a:cs typeface="Consolas"/>
-              </a:rPr>
-              <a:t>n</a:t>
-            </a:r>
-            <a:r>
-              <a:rPr sz="1500" i="1" dirty="0">
-                <a:solidFill>
-                  <a:srgbClr val="C00000"/>
-                </a:solidFill>
-                <a:latin typeface="Times New Roman"/>
-                <a:cs typeface="Times New Roman"/>
-              </a:rPr>
-              <a:t> </a:t>
-            </a:r>
-            <a:r>
-              <a:rPr sz="1500" i="1" spc="90" dirty="0">
-                <a:solidFill>
-                  <a:srgbClr val="C00000"/>
-                </a:solidFill>
-                <a:latin typeface="Times New Roman"/>
-                <a:cs typeface="Times New Roman"/>
-              </a:rPr>
-              <a:t> </a:t>
-            </a:r>
-            <a:r>
-              <a:rPr sz="1500" i="1" spc="5" dirty="0">
-                <a:solidFill>
-                  <a:srgbClr val="C00000"/>
-                </a:solidFill>
-                <a:latin typeface="Consolas"/>
-                <a:cs typeface="Consolas"/>
-              </a:rPr>
-              <a:t>menu'</a:t>
-            </a:r>
-            <a:r>
-              <a:rPr sz="1500" i="1" dirty="0">
-                <a:solidFill>
-                  <a:srgbClr val="C00000"/>
-                </a:solidFill>
-                <a:latin typeface="Consolas"/>
-                <a:cs typeface="Consolas"/>
-              </a:rPr>
-              <a:t>.</a:t>
-            </a:r>
-            <a:r>
-              <a:rPr sz="1500" i="1" dirty="0">
-                <a:solidFill>
-                  <a:srgbClr val="C00000"/>
-                </a:solidFill>
-                <a:latin typeface="Times New Roman"/>
-                <a:cs typeface="Times New Roman"/>
-              </a:rPr>
-              <a:t> </a:t>
-            </a:r>
-            <a:r>
-              <a:rPr sz="1500" i="1" spc="90" dirty="0">
-                <a:solidFill>
-                  <a:srgbClr val="C00000"/>
-                </a:solidFill>
-                <a:latin typeface="Times New Roman"/>
-                <a:cs typeface="Times New Roman"/>
-              </a:rPr>
-              <a:t> </a:t>
-            </a:r>
-            <a:r>
-              <a:rPr sz="1500" i="1" spc="5" dirty="0">
-                <a:solidFill>
-                  <a:srgbClr val="C00000"/>
-                </a:solidFill>
-                <a:latin typeface="Consolas"/>
-                <a:cs typeface="Consolas"/>
-              </a:rPr>
-              <a:t>Alway</a:t>
-            </a:r>
-            <a:r>
-              <a:rPr sz="1500" i="1" dirty="0">
-                <a:solidFill>
-                  <a:srgbClr val="C00000"/>
-                </a:solidFill>
-                <a:latin typeface="Consolas"/>
-                <a:cs typeface="Consolas"/>
-              </a:rPr>
-              <a:t>s</a:t>
-            </a:r>
-            <a:r>
-              <a:rPr sz="1500" i="1" dirty="0">
-                <a:solidFill>
-                  <a:srgbClr val="C00000"/>
-                </a:solidFill>
-                <a:latin typeface="Times New Roman"/>
-                <a:cs typeface="Times New Roman"/>
-              </a:rPr>
-              <a:t> </a:t>
-            </a:r>
-            <a:r>
-              <a:rPr sz="1500" i="1" spc="90" dirty="0">
-                <a:solidFill>
-                  <a:srgbClr val="C00000"/>
-                </a:solidFill>
-                <a:latin typeface="Times New Roman"/>
-                <a:cs typeface="Times New Roman"/>
-              </a:rPr>
-              <a:t> </a:t>
-            </a:r>
-            <a:r>
-              <a:rPr sz="1500" i="1" dirty="0">
-                <a:solidFill>
-                  <a:srgbClr val="C00000"/>
-                </a:solidFill>
-                <a:latin typeface="Consolas"/>
-                <a:cs typeface="Consolas"/>
-              </a:rPr>
-              <a:t>visibl</a:t>
-            </a:r>
-            <a:r>
-              <a:rPr sz="1500" i="1" spc="5" dirty="0">
-                <a:solidFill>
-                  <a:srgbClr val="C00000"/>
-                </a:solidFill>
-                <a:latin typeface="Consolas"/>
-                <a:cs typeface="Consolas"/>
-              </a:rPr>
-              <a:t>e</a:t>
-            </a:r>
-            <a:r>
-              <a:rPr sz="1500" i="1" dirty="0">
-                <a:solidFill>
-                  <a:srgbClr val="C00000"/>
-                </a:solidFill>
-                <a:latin typeface="Consolas"/>
-                <a:cs typeface="Consolas"/>
-              </a:rPr>
-              <a:t>‐‐&gt;</a:t>
-            </a:r>
-          </a:p>
-        </p:txBody>
-      </p:sp>
-      <p:sp>
-        <p:nvSpPr>
-          <p:cNvPr id="6" name="object 6"/>
-          <p:cNvSpPr txBox="1">
-            <a:spLocks noGrp="1"/>
-          </p:cNvSpPr>
-          <p:nvPr>
-            <p:ph type="body" idx="1"/>
-          </p:nvPr>
-        </p:nvSpPr>
-        <p:spPr>
-          <a:xfrm>
-            <a:off x="1586616" y="2028825"/>
-            <a:ext cx="9106783" cy="4561124"/>
-          </a:xfrm>
-          <a:prstGeom prst="rect">
-            <a:avLst/>
-          </a:prstGeom>
-        </p:spPr>
-        <p:txBody>
-          <a:bodyPr vert="horz" wrap="square" lIns="0" tIns="1819533" rIns="0" bIns="0" rtlCol="0">
-            <a:spAutoFit/>
-          </a:bodyPr>
-          <a:lstStyle/>
-          <a:p>
-            <a:pPr marL="1871345">
-              <a:lnSpc>
-                <a:spcPct val="100000"/>
-              </a:lnSpc>
-            </a:pPr>
-            <a:r>
-              <a:rPr sz="1500" i="1" spc="5" dirty="0">
-                <a:solidFill>
-                  <a:srgbClr val="C00000"/>
-                </a:solidFill>
-                <a:latin typeface="Consolas"/>
-                <a:cs typeface="Consolas"/>
-              </a:rPr>
-              <a:t>&lt;</a:t>
-            </a:r>
-            <a:r>
-              <a:rPr sz="1500" i="1" dirty="0">
-                <a:solidFill>
-                  <a:srgbClr val="C00000"/>
-                </a:solidFill>
-                <a:latin typeface="Consolas"/>
-                <a:cs typeface="Consolas"/>
-              </a:rPr>
-              <a:t>!‐‐</a:t>
-            </a:r>
-            <a:r>
-              <a:rPr sz="1500" i="1" spc="15" dirty="0">
-                <a:solidFill>
-                  <a:srgbClr val="C00000"/>
-                </a:solidFill>
-                <a:latin typeface="Consolas"/>
-                <a:cs typeface="Consolas"/>
-              </a:rPr>
-              <a:t> </a:t>
-            </a:r>
-            <a:r>
-              <a:rPr sz="1500" i="1" spc="5" dirty="0">
-                <a:solidFill>
-                  <a:srgbClr val="C00000"/>
-                </a:solidFill>
-                <a:latin typeface="Consolas"/>
-                <a:cs typeface="Consolas"/>
-              </a:rPr>
-              <a:t>Ad</a:t>
-            </a:r>
-            <a:r>
-              <a:rPr sz="1500" i="1" dirty="0">
-                <a:solidFill>
-                  <a:srgbClr val="C00000"/>
-                </a:solidFill>
-                <a:latin typeface="Consolas"/>
-                <a:cs typeface="Consolas"/>
-              </a:rPr>
-              <a:t>d</a:t>
-            </a:r>
-            <a:r>
-              <a:rPr sz="1500" i="1" dirty="0">
-                <a:solidFill>
-                  <a:srgbClr val="C00000"/>
-                </a:solidFill>
-                <a:latin typeface="Times New Roman"/>
-                <a:cs typeface="Times New Roman"/>
-              </a:rPr>
-              <a:t> </a:t>
-            </a:r>
-            <a:r>
-              <a:rPr sz="1500" i="1" spc="90" dirty="0">
-                <a:solidFill>
-                  <a:srgbClr val="C00000"/>
-                </a:solidFill>
-                <a:latin typeface="Times New Roman"/>
-                <a:cs typeface="Times New Roman"/>
-              </a:rPr>
-              <a:t> </a:t>
-            </a:r>
-            <a:r>
-              <a:rPr sz="1500" i="1" dirty="0">
-                <a:solidFill>
-                  <a:srgbClr val="C00000"/>
-                </a:solidFill>
-                <a:latin typeface="Consolas"/>
-                <a:cs typeface="Consolas"/>
-              </a:rPr>
-              <a:t>r</a:t>
-            </a:r>
-            <a:r>
-              <a:rPr sz="1500" i="1" spc="5" dirty="0">
-                <a:solidFill>
-                  <a:srgbClr val="C00000"/>
-                </a:solidFill>
-                <a:latin typeface="Consolas"/>
-                <a:cs typeface="Consolas"/>
-              </a:rPr>
-              <a:t>outerLin</a:t>
-            </a:r>
-            <a:r>
-              <a:rPr sz="1500" i="1" dirty="0">
-                <a:solidFill>
-                  <a:srgbClr val="C00000"/>
-                </a:solidFill>
-                <a:latin typeface="Consolas"/>
-                <a:cs typeface="Consolas"/>
-              </a:rPr>
-              <a:t>k</a:t>
-            </a:r>
-            <a:r>
-              <a:rPr sz="1500" i="1" dirty="0">
-                <a:solidFill>
-                  <a:srgbClr val="C00000"/>
-                </a:solidFill>
-                <a:latin typeface="Times New Roman"/>
-                <a:cs typeface="Times New Roman"/>
-              </a:rPr>
-              <a:t> </a:t>
-            </a:r>
-            <a:r>
-              <a:rPr sz="1500" i="1" spc="85" dirty="0">
-                <a:solidFill>
-                  <a:srgbClr val="C00000"/>
-                </a:solidFill>
-                <a:latin typeface="Times New Roman"/>
-                <a:cs typeface="Times New Roman"/>
-              </a:rPr>
-              <a:t> </a:t>
-            </a:r>
-            <a:r>
-              <a:rPr sz="1500" i="1" spc="5" dirty="0">
-                <a:solidFill>
-                  <a:srgbClr val="C00000"/>
-                </a:solidFill>
-                <a:latin typeface="Consolas"/>
-                <a:cs typeface="Consolas"/>
-              </a:rPr>
-              <a:t>directive</a:t>
-            </a:r>
-            <a:r>
-              <a:rPr sz="1500" i="1" dirty="0">
-                <a:solidFill>
-                  <a:srgbClr val="C00000"/>
-                </a:solidFill>
-                <a:latin typeface="Consolas"/>
-                <a:cs typeface="Consolas"/>
-              </a:rPr>
-              <a:t>.</a:t>
-            </a:r>
-            <a:r>
-              <a:rPr sz="1500" i="1" dirty="0">
-                <a:solidFill>
-                  <a:srgbClr val="C00000"/>
-                </a:solidFill>
-                <a:latin typeface="Times New Roman"/>
-                <a:cs typeface="Times New Roman"/>
-              </a:rPr>
-              <a:t> </a:t>
-            </a:r>
-            <a:r>
-              <a:rPr sz="1500" i="1" spc="75" dirty="0">
-                <a:solidFill>
-                  <a:srgbClr val="C00000"/>
-                </a:solidFill>
-                <a:latin typeface="Times New Roman"/>
-                <a:cs typeface="Times New Roman"/>
-              </a:rPr>
-              <a:t> </a:t>
-            </a:r>
-            <a:r>
-              <a:rPr sz="1500" i="1" spc="5" dirty="0">
-                <a:solidFill>
-                  <a:srgbClr val="C00000"/>
-                </a:solidFill>
-                <a:latin typeface="Consolas"/>
-                <a:cs typeface="Consolas"/>
-              </a:rPr>
-              <a:t>Angula</a:t>
-            </a:r>
-            <a:r>
-              <a:rPr sz="1500" i="1" dirty="0">
-                <a:solidFill>
-                  <a:srgbClr val="C00000"/>
-                </a:solidFill>
-                <a:latin typeface="Consolas"/>
-                <a:cs typeface="Consolas"/>
-              </a:rPr>
-              <a:t>r</a:t>
-            </a:r>
-            <a:r>
-              <a:rPr sz="1500" i="1" dirty="0">
-                <a:solidFill>
-                  <a:srgbClr val="C00000"/>
-                </a:solidFill>
-                <a:latin typeface="Times New Roman"/>
-                <a:cs typeface="Times New Roman"/>
-              </a:rPr>
-              <a:t> </a:t>
-            </a:r>
-            <a:r>
-              <a:rPr sz="1500" i="1" spc="90" dirty="0">
-                <a:solidFill>
-                  <a:srgbClr val="C00000"/>
-                </a:solidFill>
-                <a:latin typeface="Times New Roman"/>
-                <a:cs typeface="Times New Roman"/>
-              </a:rPr>
-              <a:t> </a:t>
-            </a:r>
-            <a:r>
-              <a:rPr sz="1500" i="1" spc="5" dirty="0">
-                <a:solidFill>
-                  <a:srgbClr val="C00000"/>
-                </a:solidFill>
-                <a:latin typeface="Consolas"/>
-                <a:cs typeface="Consolas"/>
-              </a:rPr>
-              <a:t>replace</a:t>
-            </a:r>
-            <a:r>
-              <a:rPr sz="1500" i="1" dirty="0">
-                <a:solidFill>
-                  <a:srgbClr val="C00000"/>
-                </a:solidFill>
-                <a:latin typeface="Consolas"/>
-                <a:cs typeface="Consolas"/>
-              </a:rPr>
-              <a:t>s</a:t>
-            </a:r>
-            <a:r>
-              <a:rPr sz="1500" i="1" dirty="0">
-                <a:solidFill>
-                  <a:srgbClr val="C00000"/>
-                </a:solidFill>
-                <a:latin typeface="Times New Roman"/>
-                <a:cs typeface="Times New Roman"/>
-              </a:rPr>
-              <a:t> </a:t>
-            </a:r>
-            <a:r>
-              <a:rPr sz="1500" i="1" spc="85" dirty="0">
-                <a:solidFill>
-                  <a:srgbClr val="C00000"/>
-                </a:solidFill>
-                <a:latin typeface="Times New Roman"/>
-                <a:cs typeface="Times New Roman"/>
-              </a:rPr>
-              <a:t> </a:t>
-            </a:r>
-            <a:r>
-              <a:rPr sz="1500" i="1" spc="5" dirty="0">
-                <a:solidFill>
-                  <a:srgbClr val="C00000"/>
-                </a:solidFill>
-                <a:latin typeface="Consolas"/>
-                <a:cs typeface="Consolas"/>
-              </a:rPr>
-              <a:t>thi</a:t>
-            </a:r>
-            <a:r>
-              <a:rPr sz="1500" i="1" dirty="0">
-                <a:solidFill>
-                  <a:srgbClr val="C00000"/>
-                </a:solidFill>
-                <a:latin typeface="Consolas"/>
-                <a:cs typeface="Consolas"/>
-              </a:rPr>
-              <a:t>s</a:t>
-            </a:r>
-            <a:r>
-              <a:rPr sz="1500" i="1" dirty="0">
-                <a:solidFill>
-                  <a:srgbClr val="C00000"/>
-                </a:solidFill>
-                <a:latin typeface="Times New Roman"/>
-                <a:cs typeface="Times New Roman"/>
-              </a:rPr>
-              <a:t> </a:t>
-            </a:r>
-            <a:r>
-              <a:rPr sz="1500" i="1" spc="90" dirty="0">
-                <a:solidFill>
-                  <a:srgbClr val="C00000"/>
-                </a:solidFill>
-                <a:latin typeface="Times New Roman"/>
-                <a:cs typeface="Times New Roman"/>
-              </a:rPr>
-              <a:t> </a:t>
-            </a:r>
-            <a:r>
-              <a:rPr sz="1500" i="1" spc="5" dirty="0">
-                <a:solidFill>
-                  <a:srgbClr val="C00000"/>
-                </a:solidFill>
-                <a:latin typeface="Consolas"/>
-                <a:cs typeface="Consolas"/>
-              </a:rPr>
-              <a:t>wit</a:t>
-            </a:r>
-            <a:r>
-              <a:rPr sz="1500" i="1" dirty="0">
-                <a:solidFill>
-                  <a:srgbClr val="C00000"/>
-                </a:solidFill>
-                <a:latin typeface="Consolas"/>
-                <a:cs typeface="Consolas"/>
-              </a:rPr>
-              <a:t>h</a:t>
-            </a:r>
-            <a:r>
-              <a:rPr sz="1500" i="1" dirty="0">
-                <a:solidFill>
-                  <a:srgbClr val="C00000"/>
-                </a:solidFill>
-                <a:latin typeface="Times New Roman"/>
-                <a:cs typeface="Times New Roman"/>
-              </a:rPr>
-              <a:t> </a:t>
-            </a:r>
-            <a:r>
-              <a:rPr sz="1500" i="1" spc="90" dirty="0">
-                <a:solidFill>
-                  <a:srgbClr val="C00000"/>
-                </a:solidFill>
-                <a:latin typeface="Times New Roman"/>
-                <a:cs typeface="Times New Roman"/>
-              </a:rPr>
-              <a:t> </a:t>
-            </a:r>
-            <a:r>
-              <a:rPr sz="1500" i="1" dirty="0">
-                <a:solidFill>
-                  <a:srgbClr val="C00000"/>
-                </a:solidFill>
-                <a:latin typeface="Consolas"/>
-                <a:cs typeface="Consolas"/>
-              </a:rPr>
-              <a:t>c</a:t>
-            </a:r>
-            <a:r>
-              <a:rPr sz="1500" i="1" spc="5" dirty="0">
-                <a:solidFill>
-                  <a:srgbClr val="C00000"/>
-                </a:solidFill>
-                <a:latin typeface="Consolas"/>
-                <a:cs typeface="Consolas"/>
-              </a:rPr>
-              <a:t>orrec</a:t>
-            </a:r>
-            <a:r>
-              <a:rPr sz="1500" i="1" dirty="0">
-                <a:solidFill>
-                  <a:srgbClr val="C00000"/>
-                </a:solidFill>
-                <a:latin typeface="Consolas"/>
-                <a:cs typeface="Consolas"/>
-              </a:rPr>
-              <a:t>t</a:t>
-            </a:r>
-            <a:r>
-              <a:rPr sz="1500" i="1" dirty="0">
-                <a:solidFill>
-                  <a:srgbClr val="C00000"/>
-                </a:solidFill>
-                <a:latin typeface="Times New Roman"/>
-                <a:cs typeface="Times New Roman"/>
-              </a:rPr>
-              <a:t> </a:t>
-            </a:r>
-            <a:r>
-              <a:rPr sz="1500" i="1" spc="75" dirty="0">
-                <a:solidFill>
-                  <a:srgbClr val="C00000"/>
-                </a:solidFill>
-                <a:latin typeface="Times New Roman"/>
-                <a:cs typeface="Times New Roman"/>
-              </a:rPr>
-              <a:t> </a:t>
-            </a:r>
-            <a:r>
-              <a:rPr lang="nl-NL" sz="1500" i="1" spc="75" dirty="0">
-                <a:solidFill>
-                  <a:srgbClr val="C00000"/>
-                </a:solidFill>
-                <a:latin typeface="Times New Roman"/>
-                <a:cs typeface="Times New Roman"/>
-              </a:rPr>
-              <a:t>  </a:t>
-            </a:r>
-            <a:r>
-              <a:rPr sz="1500" i="1" spc="5" dirty="0">
-                <a:solidFill>
-                  <a:srgbClr val="C00000"/>
-                </a:solidFill>
-                <a:latin typeface="Consolas"/>
-                <a:cs typeface="Consolas"/>
-              </a:rPr>
-              <a:t>&lt;</a:t>
-            </a:r>
-            <a:r>
-              <a:rPr sz="1500" i="1" dirty="0">
-                <a:solidFill>
-                  <a:srgbClr val="C00000"/>
-                </a:solidFill>
-                <a:latin typeface="Consolas"/>
-                <a:cs typeface="Consolas"/>
-              </a:rPr>
-              <a:t>a</a:t>
-            </a:r>
-            <a:r>
-              <a:rPr sz="1500" i="1" dirty="0">
-                <a:solidFill>
-                  <a:srgbClr val="C00000"/>
-                </a:solidFill>
-                <a:latin typeface="Times New Roman"/>
-                <a:cs typeface="Times New Roman"/>
-              </a:rPr>
-              <a:t> </a:t>
-            </a:r>
-            <a:r>
-              <a:rPr sz="1500" i="1" spc="85" dirty="0">
-                <a:solidFill>
-                  <a:srgbClr val="C00000"/>
-                </a:solidFill>
-                <a:latin typeface="Times New Roman"/>
-                <a:cs typeface="Times New Roman"/>
-              </a:rPr>
-              <a:t> </a:t>
-            </a:r>
-            <a:r>
-              <a:rPr sz="1500" i="1" spc="5" dirty="0">
-                <a:solidFill>
-                  <a:srgbClr val="C00000"/>
-                </a:solidFill>
-                <a:latin typeface="Consolas"/>
-                <a:cs typeface="Consolas"/>
-              </a:rPr>
-              <a:t>href="..."</a:t>
-            </a:r>
-            <a:r>
-              <a:rPr sz="1500" i="1" dirty="0">
-                <a:solidFill>
-                  <a:srgbClr val="C00000"/>
-                </a:solidFill>
-                <a:latin typeface="Consolas"/>
-                <a:cs typeface="Consolas"/>
-              </a:rPr>
-              <a:t>&gt;</a:t>
-            </a:r>
-            <a:r>
-              <a:rPr sz="1500" i="1" dirty="0">
-                <a:solidFill>
-                  <a:srgbClr val="C00000"/>
-                </a:solidFill>
-                <a:latin typeface="Times New Roman"/>
-                <a:cs typeface="Times New Roman"/>
-              </a:rPr>
-              <a:t> </a:t>
-            </a:r>
-            <a:r>
-              <a:rPr sz="1500" i="1" spc="85" dirty="0">
-                <a:solidFill>
-                  <a:srgbClr val="C00000"/>
-                </a:solidFill>
-                <a:latin typeface="Times New Roman"/>
-                <a:cs typeface="Times New Roman"/>
-              </a:rPr>
-              <a:t> </a:t>
-            </a:r>
-            <a:r>
-              <a:rPr sz="1500" i="1" spc="5" dirty="0">
-                <a:solidFill>
-                  <a:srgbClr val="C00000"/>
-                </a:solidFill>
-                <a:latin typeface="Consolas"/>
-                <a:cs typeface="Consolas"/>
-              </a:rPr>
-              <a:t>‐‐</a:t>
-            </a:r>
-            <a:r>
-              <a:rPr lang="nl-NL" sz="1500" i="1" spc="5" dirty="0">
-                <a:solidFill>
-                  <a:srgbClr val="C00000"/>
-                </a:solidFill>
-                <a:latin typeface="Consolas"/>
-                <a:cs typeface="Consolas"/>
-              </a:rPr>
-              <a:t>&gt;</a:t>
-            </a:r>
-            <a:endParaRPr sz="1500" i="1" dirty="0">
-              <a:solidFill>
-                <a:srgbClr val="C00000"/>
-              </a:solidFill>
-              <a:latin typeface="Consolas"/>
-              <a:cs typeface="Consolas"/>
-            </a:endParaRPr>
-          </a:p>
-          <a:p>
-            <a:pPr marL="1871345">
-              <a:lnSpc>
-                <a:spcPct val="100000"/>
-              </a:lnSpc>
-              <a:spcBef>
-                <a:spcPts val="10"/>
-              </a:spcBef>
-            </a:pPr>
-            <a:endParaRPr lang="nl-NL" sz="1500" spc="5" dirty="0">
-              <a:solidFill>
-                <a:srgbClr val="008000"/>
-              </a:solidFill>
-              <a:latin typeface="Consolas"/>
-              <a:cs typeface="Consolas"/>
-            </a:endParaRPr>
-          </a:p>
-          <a:p>
-            <a:pPr marL="1871345">
-              <a:lnSpc>
-                <a:spcPct val="100000"/>
-              </a:lnSpc>
-              <a:spcBef>
-                <a:spcPts val="10"/>
-              </a:spcBef>
-            </a:pPr>
-            <a:r>
-              <a:rPr sz="1800" spc="5" dirty="0">
-                <a:solidFill>
-                  <a:srgbClr val="008000"/>
-                </a:solidFill>
-                <a:latin typeface="Consolas"/>
-                <a:cs typeface="Consolas"/>
-              </a:rPr>
-              <a:t>&lt;</a:t>
-            </a:r>
-            <a:r>
-              <a:rPr sz="1800" dirty="0">
-                <a:solidFill>
-                  <a:srgbClr val="008000"/>
-                </a:solidFill>
-                <a:latin typeface="Consolas"/>
-                <a:cs typeface="Consolas"/>
-              </a:rPr>
-              <a:t>a</a:t>
-            </a:r>
-            <a:r>
-              <a:rPr sz="1800" dirty="0">
-                <a:solidFill>
-                  <a:srgbClr val="008000"/>
-                </a:solidFill>
-                <a:latin typeface="Times New Roman"/>
-                <a:cs typeface="Times New Roman"/>
-              </a:rPr>
-              <a:t> </a:t>
-            </a:r>
-            <a:r>
-              <a:rPr sz="1800" spc="85" dirty="0">
-                <a:solidFill>
-                  <a:srgbClr val="008000"/>
-                </a:solidFill>
-                <a:latin typeface="Times New Roman"/>
-                <a:cs typeface="Times New Roman"/>
-              </a:rPr>
-              <a:t> </a:t>
-            </a:r>
-            <a:r>
-              <a:rPr sz="1800" spc="5" dirty="0">
-                <a:solidFill>
-                  <a:srgbClr val="008000"/>
-                </a:solidFill>
-                <a:latin typeface="Consolas"/>
-                <a:cs typeface="Consolas"/>
-              </a:rPr>
-              <a:t>routerLink="/home</a:t>
-            </a:r>
-            <a:r>
-              <a:rPr sz="1800" dirty="0">
-                <a:solidFill>
-                  <a:srgbClr val="008000"/>
-                </a:solidFill>
-                <a:latin typeface="Consolas"/>
-                <a:cs typeface="Consolas"/>
-              </a:rPr>
-              <a:t>"</a:t>
-            </a:r>
-            <a:r>
-              <a:rPr sz="1800" dirty="0">
-                <a:solidFill>
-                  <a:srgbClr val="008000"/>
-                </a:solidFill>
-                <a:latin typeface="Times New Roman"/>
-                <a:cs typeface="Times New Roman"/>
-              </a:rPr>
-              <a:t> </a:t>
-            </a:r>
-            <a:r>
-              <a:rPr sz="1800" spc="90" dirty="0">
-                <a:solidFill>
-                  <a:srgbClr val="008000"/>
-                </a:solidFill>
-                <a:latin typeface="Times New Roman"/>
-                <a:cs typeface="Times New Roman"/>
-              </a:rPr>
-              <a:t> </a:t>
-            </a:r>
-            <a:r>
-              <a:rPr sz="1800" spc="5" dirty="0">
-                <a:solidFill>
-                  <a:srgbClr val="008000"/>
-                </a:solidFill>
-                <a:latin typeface="Consolas"/>
-                <a:cs typeface="Consolas"/>
-              </a:rPr>
-              <a:t>class="bt</a:t>
-            </a:r>
-            <a:r>
-              <a:rPr sz="1800" dirty="0">
-                <a:solidFill>
-                  <a:srgbClr val="008000"/>
-                </a:solidFill>
-                <a:latin typeface="Consolas"/>
-                <a:cs typeface="Consolas"/>
-              </a:rPr>
-              <a:t>n</a:t>
-            </a:r>
-            <a:r>
-              <a:rPr sz="1800" dirty="0">
-                <a:solidFill>
-                  <a:srgbClr val="008000"/>
-                </a:solidFill>
-                <a:latin typeface="Times New Roman"/>
-                <a:cs typeface="Times New Roman"/>
-              </a:rPr>
-              <a:t> </a:t>
-            </a:r>
-            <a:r>
-              <a:rPr sz="1800" spc="90" dirty="0">
-                <a:solidFill>
-                  <a:srgbClr val="008000"/>
-                </a:solidFill>
-                <a:latin typeface="Times New Roman"/>
-                <a:cs typeface="Times New Roman"/>
-              </a:rPr>
-              <a:t> </a:t>
-            </a:r>
-            <a:r>
-              <a:rPr sz="1800" spc="5" dirty="0">
-                <a:solidFill>
-                  <a:srgbClr val="008000"/>
-                </a:solidFill>
-                <a:latin typeface="Consolas"/>
-                <a:cs typeface="Consolas"/>
-              </a:rPr>
-              <a:t>btn</a:t>
-            </a:r>
-            <a:r>
-              <a:rPr sz="1800" dirty="0">
-                <a:solidFill>
-                  <a:srgbClr val="008000"/>
-                </a:solidFill>
-                <a:latin typeface="Consolas"/>
-                <a:cs typeface="Consolas"/>
-              </a:rPr>
-              <a:t>‐</a:t>
-            </a:r>
-            <a:r>
-              <a:rPr sz="1800" spc="5" dirty="0">
-                <a:solidFill>
-                  <a:srgbClr val="008000"/>
-                </a:solidFill>
-                <a:latin typeface="Consolas"/>
-                <a:cs typeface="Consolas"/>
-              </a:rPr>
-              <a:t>primary"&gt;Lis</a:t>
-            </a:r>
-            <a:r>
-              <a:rPr sz="1800" dirty="0">
-                <a:solidFill>
-                  <a:srgbClr val="008000"/>
-                </a:solidFill>
-                <a:latin typeface="Consolas"/>
-                <a:cs typeface="Consolas"/>
-              </a:rPr>
-              <a:t>t</a:t>
-            </a:r>
-            <a:r>
-              <a:rPr sz="1800" dirty="0">
-                <a:solidFill>
-                  <a:srgbClr val="008000"/>
-                </a:solidFill>
-                <a:latin typeface="Times New Roman"/>
-                <a:cs typeface="Times New Roman"/>
-              </a:rPr>
-              <a:t> </a:t>
-            </a:r>
-            <a:r>
-              <a:rPr sz="1800" spc="85" dirty="0">
-                <a:solidFill>
-                  <a:srgbClr val="008000"/>
-                </a:solidFill>
-                <a:latin typeface="Times New Roman"/>
-                <a:cs typeface="Times New Roman"/>
-              </a:rPr>
-              <a:t> </a:t>
-            </a:r>
-            <a:r>
-              <a:rPr sz="1800" dirty="0">
-                <a:solidFill>
-                  <a:srgbClr val="008000"/>
-                </a:solidFill>
-                <a:latin typeface="Consolas"/>
-                <a:cs typeface="Consolas"/>
-              </a:rPr>
-              <a:t>of</a:t>
-            </a:r>
-            <a:r>
-              <a:rPr sz="1800" dirty="0">
-                <a:solidFill>
-                  <a:srgbClr val="008000"/>
-                </a:solidFill>
-                <a:latin typeface="Times New Roman"/>
-                <a:cs typeface="Times New Roman"/>
-              </a:rPr>
-              <a:t> </a:t>
-            </a:r>
-            <a:r>
-              <a:rPr sz="1800" spc="90" dirty="0">
-                <a:solidFill>
-                  <a:srgbClr val="008000"/>
-                </a:solidFill>
-                <a:latin typeface="Times New Roman"/>
-                <a:cs typeface="Times New Roman"/>
-              </a:rPr>
-              <a:t> </a:t>
-            </a:r>
-            <a:r>
-              <a:rPr sz="1800" spc="5" dirty="0">
-                <a:solidFill>
-                  <a:srgbClr val="008000"/>
-                </a:solidFill>
-                <a:latin typeface="Consolas"/>
-                <a:cs typeface="Consolas"/>
-              </a:rPr>
-              <a:t>cities&lt;/a&gt;</a:t>
-            </a:r>
-            <a:endParaRPr sz="1800" dirty="0">
-              <a:latin typeface="Consolas"/>
-              <a:cs typeface="Consolas"/>
-            </a:endParaRPr>
-          </a:p>
-          <a:p>
-            <a:pPr marL="1871345">
-              <a:lnSpc>
-                <a:spcPct val="100000"/>
-              </a:lnSpc>
-              <a:spcBef>
-                <a:spcPts val="10"/>
-              </a:spcBef>
-            </a:pPr>
-            <a:r>
-              <a:rPr sz="1800" spc="5" dirty="0">
-                <a:solidFill>
-                  <a:srgbClr val="008000"/>
-                </a:solidFill>
-                <a:latin typeface="Consolas"/>
-                <a:cs typeface="Consolas"/>
-              </a:rPr>
-              <a:t>&lt;</a:t>
-            </a:r>
-            <a:r>
-              <a:rPr sz="1800" dirty="0">
-                <a:solidFill>
-                  <a:srgbClr val="008000"/>
-                </a:solidFill>
-                <a:latin typeface="Consolas"/>
-                <a:cs typeface="Consolas"/>
-              </a:rPr>
-              <a:t>a</a:t>
-            </a:r>
-            <a:r>
-              <a:rPr sz="1800" dirty="0">
-                <a:solidFill>
-                  <a:srgbClr val="008000"/>
-                </a:solidFill>
-                <a:latin typeface="Times New Roman"/>
-                <a:cs typeface="Times New Roman"/>
-              </a:rPr>
-              <a:t> </a:t>
-            </a:r>
-            <a:r>
-              <a:rPr sz="1800" spc="85" dirty="0">
-                <a:solidFill>
-                  <a:srgbClr val="008000"/>
-                </a:solidFill>
-                <a:latin typeface="Times New Roman"/>
-                <a:cs typeface="Times New Roman"/>
-              </a:rPr>
-              <a:t> </a:t>
-            </a:r>
-            <a:r>
-              <a:rPr sz="1800" spc="5" dirty="0">
-                <a:solidFill>
-                  <a:srgbClr val="008000"/>
-                </a:solidFill>
-                <a:latin typeface="Consolas"/>
-                <a:cs typeface="Consolas"/>
-              </a:rPr>
-              <a:t>routerLink="/add</a:t>
-            </a:r>
-            <a:r>
-              <a:rPr sz="1800" dirty="0">
-                <a:solidFill>
-                  <a:srgbClr val="008000"/>
-                </a:solidFill>
-                <a:latin typeface="Consolas"/>
-                <a:cs typeface="Consolas"/>
-              </a:rPr>
-              <a:t>"</a:t>
-            </a:r>
-            <a:r>
-              <a:rPr sz="1800" dirty="0">
-                <a:solidFill>
-                  <a:srgbClr val="008000"/>
-                </a:solidFill>
-                <a:latin typeface="Times New Roman"/>
-                <a:cs typeface="Times New Roman"/>
-              </a:rPr>
-              <a:t> </a:t>
-            </a:r>
-            <a:r>
-              <a:rPr sz="1800" spc="90" dirty="0">
-                <a:solidFill>
-                  <a:srgbClr val="008000"/>
-                </a:solidFill>
-                <a:latin typeface="Times New Roman"/>
-                <a:cs typeface="Times New Roman"/>
-              </a:rPr>
-              <a:t> </a:t>
-            </a:r>
-            <a:r>
-              <a:rPr sz="1800" spc="5" dirty="0">
-                <a:solidFill>
-                  <a:srgbClr val="008000"/>
-                </a:solidFill>
-                <a:latin typeface="Consolas"/>
-                <a:cs typeface="Consolas"/>
-              </a:rPr>
-              <a:t>class="bt</a:t>
-            </a:r>
-            <a:r>
-              <a:rPr sz="1800" dirty="0">
-                <a:solidFill>
-                  <a:srgbClr val="008000"/>
-                </a:solidFill>
-                <a:latin typeface="Consolas"/>
-                <a:cs typeface="Consolas"/>
-              </a:rPr>
-              <a:t>n</a:t>
-            </a:r>
-            <a:r>
-              <a:rPr sz="1800" dirty="0">
-                <a:solidFill>
-                  <a:srgbClr val="008000"/>
-                </a:solidFill>
-                <a:latin typeface="Times New Roman"/>
-                <a:cs typeface="Times New Roman"/>
-              </a:rPr>
-              <a:t> </a:t>
-            </a:r>
-            <a:r>
-              <a:rPr sz="1800" spc="90" dirty="0">
-                <a:solidFill>
-                  <a:srgbClr val="008000"/>
-                </a:solidFill>
-                <a:latin typeface="Times New Roman"/>
-                <a:cs typeface="Times New Roman"/>
-              </a:rPr>
-              <a:t> </a:t>
-            </a:r>
-            <a:r>
-              <a:rPr sz="1800" spc="5" dirty="0">
-                <a:solidFill>
-                  <a:srgbClr val="008000"/>
-                </a:solidFill>
-                <a:latin typeface="Consolas"/>
-                <a:cs typeface="Consolas"/>
-              </a:rPr>
-              <a:t>btn‐primary"&gt;Ad</a:t>
-            </a:r>
-            <a:r>
-              <a:rPr sz="1800" dirty="0">
-                <a:solidFill>
-                  <a:srgbClr val="008000"/>
-                </a:solidFill>
-                <a:latin typeface="Consolas"/>
-                <a:cs typeface="Consolas"/>
-              </a:rPr>
-              <a:t>d</a:t>
-            </a:r>
-            <a:r>
-              <a:rPr sz="1800" dirty="0">
-                <a:solidFill>
-                  <a:srgbClr val="008000"/>
-                </a:solidFill>
-                <a:latin typeface="Times New Roman"/>
-                <a:cs typeface="Times New Roman"/>
-              </a:rPr>
-              <a:t> </a:t>
-            </a:r>
-            <a:r>
-              <a:rPr sz="1800" spc="90" dirty="0">
-                <a:solidFill>
-                  <a:srgbClr val="008000"/>
-                </a:solidFill>
-                <a:latin typeface="Times New Roman"/>
-                <a:cs typeface="Times New Roman"/>
-              </a:rPr>
-              <a:t> </a:t>
-            </a:r>
-            <a:r>
-              <a:rPr sz="1800" spc="5" dirty="0">
-                <a:solidFill>
-                  <a:srgbClr val="008000"/>
-                </a:solidFill>
-                <a:latin typeface="Consolas"/>
-                <a:cs typeface="Consolas"/>
-              </a:rPr>
-              <a:t>City&lt;/a&gt;</a:t>
-            </a:r>
-            <a:endParaRPr sz="1800" dirty="0">
-              <a:latin typeface="Consolas"/>
-              <a:cs typeface="Consolas"/>
-            </a:endParaRPr>
-          </a:p>
-          <a:p>
-            <a:pPr marL="1871345">
-              <a:lnSpc>
-                <a:spcPct val="100000"/>
-              </a:lnSpc>
-              <a:spcBef>
-                <a:spcPts val="10"/>
-              </a:spcBef>
-            </a:pPr>
-            <a:endParaRPr sz="1500" dirty="0">
-              <a:latin typeface="Consolas"/>
-              <a:cs typeface="Consolas"/>
-            </a:endParaRPr>
-          </a:p>
-          <a:p>
-            <a:pPr marL="1871345">
-              <a:lnSpc>
-                <a:spcPct val="100000"/>
-              </a:lnSpc>
-              <a:spcBef>
-                <a:spcPts val="10"/>
-              </a:spcBef>
-            </a:pPr>
-            <a:r>
-              <a:rPr sz="1500" i="1" spc="5" dirty="0">
-                <a:solidFill>
-                  <a:srgbClr val="C00000"/>
-                </a:solidFill>
-                <a:latin typeface="Consolas"/>
-                <a:cs typeface="Consolas"/>
-              </a:rPr>
-              <a:t>&lt;</a:t>
-            </a:r>
-            <a:r>
-              <a:rPr sz="1500" i="1" dirty="0">
-                <a:solidFill>
-                  <a:srgbClr val="C00000"/>
-                </a:solidFill>
-                <a:latin typeface="Consolas"/>
-                <a:cs typeface="Consolas"/>
-              </a:rPr>
-              <a:t>!‐‐</a:t>
-            </a:r>
-            <a:r>
-              <a:rPr sz="1500" i="1" spc="15" dirty="0">
-                <a:solidFill>
-                  <a:srgbClr val="C00000"/>
-                </a:solidFill>
-                <a:latin typeface="Consolas"/>
-                <a:cs typeface="Consolas"/>
-              </a:rPr>
-              <a:t> </a:t>
-            </a:r>
-            <a:r>
-              <a:rPr sz="1500" i="1" spc="5" dirty="0">
-                <a:solidFill>
-                  <a:srgbClr val="C00000"/>
-                </a:solidFill>
-                <a:latin typeface="Consolas"/>
-                <a:cs typeface="Consolas"/>
-              </a:rPr>
-              <a:t>Dynamicall</a:t>
-            </a:r>
-            <a:r>
-              <a:rPr sz="1500" i="1" dirty="0">
-                <a:solidFill>
-                  <a:srgbClr val="C00000"/>
-                </a:solidFill>
-                <a:latin typeface="Consolas"/>
-                <a:cs typeface="Consolas"/>
-              </a:rPr>
-              <a:t>y</a:t>
-            </a:r>
-            <a:r>
-              <a:rPr sz="1500" i="1" dirty="0">
-                <a:solidFill>
-                  <a:srgbClr val="C00000"/>
-                </a:solidFill>
-                <a:latin typeface="Times New Roman"/>
-                <a:cs typeface="Times New Roman"/>
-              </a:rPr>
-              <a:t> </a:t>
-            </a:r>
-            <a:r>
-              <a:rPr sz="1500" i="1" spc="85" dirty="0">
-                <a:solidFill>
-                  <a:srgbClr val="C00000"/>
-                </a:solidFill>
-                <a:latin typeface="Times New Roman"/>
-                <a:cs typeface="Times New Roman"/>
-              </a:rPr>
-              <a:t> </a:t>
-            </a:r>
-            <a:r>
-              <a:rPr sz="1500" i="1" spc="5" dirty="0">
-                <a:solidFill>
-                  <a:srgbClr val="C00000"/>
-                </a:solidFill>
-                <a:latin typeface="Consolas"/>
-                <a:cs typeface="Consolas"/>
-              </a:rPr>
-              <a:t>injec</a:t>
-            </a:r>
-            <a:r>
-              <a:rPr sz="1500" i="1" dirty="0">
-                <a:solidFill>
-                  <a:srgbClr val="C00000"/>
-                </a:solidFill>
-                <a:latin typeface="Consolas"/>
-                <a:cs typeface="Consolas"/>
-              </a:rPr>
-              <a:t>t</a:t>
-            </a:r>
-            <a:r>
-              <a:rPr sz="1500" i="1" dirty="0">
-                <a:solidFill>
-                  <a:srgbClr val="C00000"/>
-                </a:solidFill>
-                <a:latin typeface="Times New Roman"/>
-                <a:cs typeface="Times New Roman"/>
-              </a:rPr>
-              <a:t> </a:t>
-            </a:r>
-            <a:r>
-              <a:rPr sz="1500" i="1" spc="85" dirty="0">
-                <a:solidFill>
-                  <a:srgbClr val="C00000"/>
-                </a:solidFill>
-                <a:latin typeface="Times New Roman"/>
-                <a:cs typeface="Times New Roman"/>
-              </a:rPr>
-              <a:t> </a:t>
-            </a:r>
-            <a:r>
-              <a:rPr lang="nl-NL" sz="1500" i="1" spc="5" dirty="0" err="1">
-                <a:solidFill>
-                  <a:srgbClr val="C00000"/>
-                </a:solidFill>
-                <a:latin typeface="Consolas"/>
-                <a:cs typeface="Consolas"/>
-              </a:rPr>
-              <a:t>components</a:t>
-            </a:r>
-            <a:r>
-              <a:rPr sz="1500" i="1" dirty="0">
-                <a:solidFill>
-                  <a:srgbClr val="C00000"/>
-                </a:solidFill>
-                <a:latin typeface="Times New Roman"/>
-                <a:cs typeface="Times New Roman"/>
-              </a:rPr>
-              <a:t> </a:t>
-            </a:r>
-            <a:r>
-              <a:rPr sz="1500" i="1" spc="80" dirty="0">
-                <a:solidFill>
-                  <a:srgbClr val="C00000"/>
-                </a:solidFill>
-                <a:latin typeface="Times New Roman"/>
-                <a:cs typeface="Times New Roman"/>
-              </a:rPr>
-              <a:t> </a:t>
-            </a:r>
-            <a:r>
-              <a:rPr sz="1500" i="1" dirty="0">
-                <a:solidFill>
-                  <a:srgbClr val="C00000"/>
-                </a:solidFill>
-                <a:latin typeface="Consolas"/>
-                <a:cs typeface="Consolas"/>
-              </a:rPr>
-              <a:t>here</a:t>
-            </a:r>
-            <a:r>
-              <a:rPr sz="1500" i="1" dirty="0">
-                <a:solidFill>
-                  <a:srgbClr val="C00000"/>
-                </a:solidFill>
-                <a:latin typeface="Times New Roman"/>
-                <a:cs typeface="Times New Roman"/>
-              </a:rPr>
-              <a:t> </a:t>
-            </a:r>
-            <a:r>
-              <a:rPr sz="1500" i="1" spc="90" dirty="0">
-                <a:solidFill>
-                  <a:srgbClr val="C00000"/>
-                </a:solidFill>
-                <a:latin typeface="Times New Roman"/>
-                <a:cs typeface="Times New Roman"/>
-              </a:rPr>
-              <a:t> </a:t>
-            </a:r>
-            <a:r>
-              <a:rPr sz="1500" i="1" spc="5" dirty="0">
-                <a:solidFill>
-                  <a:srgbClr val="C00000"/>
-                </a:solidFill>
-                <a:latin typeface="Consolas"/>
-                <a:cs typeface="Consolas"/>
-              </a:rPr>
-              <a:t>‐</a:t>
-            </a:r>
-            <a:r>
-              <a:rPr sz="1500" i="1" dirty="0">
-                <a:solidFill>
-                  <a:srgbClr val="C00000"/>
-                </a:solidFill>
-                <a:latin typeface="Consolas"/>
-                <a:cs typeface="Consolas"/>
-              </a:rPr>
-              <a:t>‐&gt;</a:t>
-            </a:r>
-          </a:p>
-          <a:p>
-            <a:pPr marL="1871345">
-              <a:lnSpc>
-                <a:spcPct val="100000"/>
-              </a:lnSpc>
-              <a:spcBef>
-                <a:spcPts val="10"/>
-              </a:spcBef>
-            </a:pPr>
-            <a:r>
-              <a:rPr lang="nl-NL" sz="1500" dirty="0">
-                <a:solidFill>
-                  <a:srgbClr val="00B050"/>
-                </a:solidFill>
-                <a:latin typeface="Consolas"/>
-                <a:cs typeface="Consolas"/>
-              </a:rPr>
-              <a:t>   </a:t>
-            </a:r>
-          </a:p>
-          <a:p>
-            <a:pPr marL="1871345">
-              <a:lnSpc>
-                <a:spcPct val="100000"/>
-              </a:lnSpc>
-              <a:spcBef>
-                <a:spcPts val="10"/>
-              </a:spcBef>
-            </a:pPr>
-            <a:r>
-              <a:rPr sz="1800" b="1" dirty="0">
-                <a:solidFill>
-                  <a:srgbClr val="00B050"/>
-                </a:solidFill>
-                <a:latin typeface="Consolas"/>
-                <a:cs typeface="Consolas"/>
-              </a:rPr>
-              <a:t>&lt;route</a:t>
-            </a:r>
-            <a:r>
-              <a:rPr sz="1800" b="1" spc="5" dirty="0">
-                <a:solidFill>
-                  <a:srgbClr val="00B050"/>
-                </a:solidFill>
-                <a:latin typeface="Consolas"/>
-                <a:cs typeface="Consolas"/>
-              </a:rPr>
-              <a:t>r‐outlet&gt;&lt;/route</a:t>
-            </a:r>
-            <a:r>
-              <a:rPr sz="1800" b="1" spc="-10" dirty="0">
-                <a:solidFill>
-                  <a:srgbClr val="00B050"/>
-                </a:solidFill>
-                <a:latin typeface="Consolas"/>
-                <a:cs typeface="Consolas"/>
-              </a:rPr>
-              <a:t>r</a:t>
-            </a:r>
-            <a:r>
-              <a:rPr sz="1800" b="1" dirty="0">
-                <a:solidFill>
-                  <a:srgbClr val="00B050"/>
-                </a:solidFill>
-                <a:latin typeface="Consolas"/>
-                <a:cs typeface="Consolas"/>
-              </a:rPr>
-              <a:t>‐</a:t>
-            </a:r>
-            <a:r>
-              <a:rPr sz="1800" b="1" spc="5" dirty="0">
-                <a:solidFill>
-                  <a:srgbClr val="00B050"/>
-                </a:solidFill>
-                <a:latin typeface="Consolas"/>
-                <a:cs typeface="Consolas"/>
-              </a:rPr>
-              <a:t>outlet</a:t>
-            </a:r>
-            <a:r>
-              <a:rPr sz="1800" b="1" spc="5" dirty="0">
-                <a:solidFill>
-                  <a:srgbClr val="FF0000"/>
-                </a:solidFill>
-                <a:latin typeface="Consolas"/>
-                <a:cs typeface="Consolas"/>
-              </a:rPr>
-              <a:t>&gt;</a:t>
-            </a:r>
-            <a:endParaRPr sz="1800" b="1" dirty="0">
-              <a:solidFill>
-                <a:srgbClr val="FF0000"/>
-              </a:solidFill>
-              <a:latin typeface="Consolas"/>
-              <a:cs typeface="Consolas"/>
-            </a:endParaRPr>
-          </a:p>
-          <a:p>
-            <a:pPr marL="1871345">
-              <a:lnSpc>
-                <a:spcPct val="100000"/>
-              </a:lnSpc>
-              <a:spcBef>
-                <a:spcPts val="10"/>
-              </a:spcBef>
-            </a:pPr>
-            <a:r>
-              <a:rPr sz="1500" dirty="0">
-                <a:solidFill>
-                  <a:srgbClr val="008000"/>
-                </a:solidFill>
-                <a:latin typeface="Consolas"/>
-                <a:cs typeface="Consolas"/>
-              </a:rPr>
-              <a:t>`</a:t>
-            </a:r>
-            <a:endParaRPr sz="1500" dirty="0">
-              <a:latin typeface="Consolas"/>
-              <a:cs typeface="Consolas"/>
-            </a:endParaRPr>
-          </a:p>
-        </p:txBody>
-      </p:sp>
-      <p:sp>
-        <p:nvSpPr>
-          <p:cNvPr id="7" name="object 7"/>
-          <p:cNvSpPr txBox="1"/>
-          <p:nvPr/>
-        </p:nvSpPr>
-        <p:spPr>
-          <a:xfrm>
-            <a:off x="1178187" y="5969073"/>
-            <a:ext cx="4912360" cy="685059"/>
-          </a:xfrm>
-          <a:prstGeom prst="rect">
-            <a:avLst/>
-          </a:prstGeom>
-        </p:spPr>
-        <p:txBody>
-          <a:bodyPr vert="horz" wrap="square" lIns="0" tIns="0" rIns="0" bIns="0" rtlCol="0">
-            <a:spAutoFit/>
-          </a:bodyPr>
-          <a:lstStyle/>
-          <a:p>
-            <a:pPr marL="12700">
-              <a:lnSpc>
-                <a:spcPct val="100000"/>
-              </a:lnSpc>
-            </a:pPr>
-            <a:r>
-              <a:rPr sz="1500" dirty="0">
-                <a:latin typeface="Consolas"/>
-                <a:cs typeface="Consolas"/>
-              </a:rPr>
-              <a:t>})</a:t>
-            </a:r>
-            <a:endParaRPr lang="nl-NL" sz="1500" dirty="0">
-              <a:latin typeface="Consolas"/>
-              <a:cs typeface="Consolas"/>
-            </a:endParaRPr>
-          </a:p>
-          <a:p>
-            <a:pPr marL="12700">
-              <a:lnSpc>
-                <a:spcPct val="100000"/>
-              </a:lnSpc>
-            </a:pPr>
-            <a:endParaRPr sz="1500" dirty="0">
-              <a:latin typeface="Consolas"/>
-              <a:cs typeface="Consolas"/>
-            </a:endParaRPr>
-          </a:p>
-          <a:p>
-            <a:pPr marL="330835" marR="5080" indent="-318770">
-              <a:lnSpc>
-                <a:spcPct val="100699"/>
-              </a:lnSpc>
-              <a:tabLst>
-                <a:tab pos="2349500" algn="l"/>
-              </a:tabLst>
-            </a:pPr>
-            <a:r>
-              <a:rPr sz="1500" dirty="0">
-                <a:solidFill>
-                  <a:srgbClr val="000080"/>
-                </a:solidFill>
-                <a:latin typeface="Consolas"/>
-                <a:cs typeface="Consolas"/>
-              </a:rPr>
-              <a:t>export</a:t>
-            </a:r>
-            <a:r>
-              <a:rPr sz="1500" dirty="0">
-                <a:solidFill>
-                  <a:srgbClr val="000080"/>
-                </a:solidFill>
-                <a:latin typeface="Times New Roman"/>
-                <a:cs typeface="Times New Roman"/>
-              </a:rPr>
-              <a:t> </a:t>
-            </a:r>
-            <a:r>
-              <a:rPr sz="1500" spc="95" dirty="0">
-                <a:solidFill>
-                  <a:srgbClr val="000080"/>
-                </a:solidFill>
-                <a:latin typeface="Times New Roman"/>
-                <a:cs typeface="Times New Roman"/>
-              </a:rPr>
-              <a:t> </a:t>
-            </a:r>
-            <a:r>
-              <a:rPr sz="1500" dirty="0">
-                <a:solidFill>
-                  <a:srgbClr val="000080"/>
-                </a:solidFill>
-                <a:latin typeface="Consolas"/>
-                <a:cs typeface="Consolas"/>
-              </a:rPr>
-              <a:t>class</a:t>
-            </a:r>
-            <a:r>
-              <a:rPr sz="1500" dirty="0">
-                <a:solidFill>
-                  <a:srgbClr val="000080"/>
-                </a:solidFill>
-                <a:latin typeface="Times New Roman"/>
-                <a:cs typeface="Times New Roman"/>
-              </a:rPr>
-              <a:t> </a:t>
-            </a:r>
-            <a:r>
-              <a:rPr sz="1500" spc="90" dirty="0">
-                <a:solidFill>
-                  <a:srgbClr val="000080"/>
-                </a:solidFill>
-                <a:latin typeface="Times New Roman"/>
-                <a:cs typeface="Times New Roman"/>
-              </a:rPr>
-              <a:t> </a:t>
-            </a:r>
-            <a:r>
-              <a:rPr sz="1500" b="1" spc="5" dirty="0">
-                <a:solidFill>
-                  <a:srgbClr val="FF0000"/>
-                </a:solidFill>
-                <a:latin typeface="Consolas"/>
-                <a:cs typeface="Consolas"/>
-              </a:rPr>
-              <a:t>MainComponen</a:t>
-            </a:r>
-            <a:r>
-              <a:rPr sz="1500" b="1" dirty="0">
-                <a:solidFill>
-                  <a:srgbClr val="FF0000"/>
-                </a:solidFill>
-                <a:latin typeface="Consolas"/>
-                <a:cs typeface="Consolas"/>
-              </a:rPr>
-              <a:t>t</a:t>
-            </a:r>
-            <a:r>
-              <a:rPr sz="1500" dirty="0">
-                <a:latin typeface="Times New Roman"/>
-                <a:cs typeface="Times New Roman"/>
-              </a:rPr>
-              <a:t> </a:t>
-            </a:r>
-            <a:r>
-              <a:rPr sz="1500" spc="90" dirty="0">
-                <a:latin typeface="Times New Roman"/>
-                <a:cs typeface="Times New Roman"/>
-              </a:rPr>
-              <a:t> </a:t>
-            </a:r>
-            <a:r>
-              <a:rPr sz="1500" spc="5" dirty="0">
-                <a:solidFill>
-                  <a:srgbClr val="000080"/>
-                </a:solidFill>
-                <a:latin typeface="Consolas"/>
-                <a:cs typeface="Consolas"/>
-              </a:rPr>
-              <a:t>implement</a:t>
-            </a:r>
-            <a:r>
-              <a:rPr sz="1500" dirty="0">
-                <a:solidFill>
-                  <a:srgbClr val="000080"/>
-                </a:solidFill>
-                <a:latin typeface="Consolas"/>
-                <a:cs typeface="Consolas"/>
-              </a:rPr>
-              <a:t>s</a:t>
-            </a:r>
-            <a:r>
-              <a:rPr sz="1500" dirty="0">
-                <a:solidFill>
-                  <a:srgbClr val="000080"/>
-                </a:solidFill>
-                <a:latin typeface="Times New Roman"/>
-                <a:cs typeface="Times New Roman"/>
-              </a:rPr>
-              <a:t> </a:t>
-            </a:r>
-            <a:r>
-              <a:rPr sz="1500" spc="85" dirty="0">
-                <a:solidFill>
-                  <a:srgbClr val="000080"/>
-                </a:solidFill>
-                <a:latin typeface="Times New Roman"/>
-                <a:cs typeface="Times New Roman"/>
-              </a:rPr>
-              <a:t> </a:t>
-            </a:r>
-            <a:r>
-              <a:rPr sz="1500" spc="5" dirty="0">
-                <a:latin typeface="Consolas"/>
-                <a:cs typeface="Consolas"/>
-              </a:rPr>
-              <a:t>OnIni</a:t>
-            </a:r>
-            <a:r>
-              <a:rPr sz="1500" dirty="0">
-                <a:latin typeface="Consolas"/>
-                <a:cs typeface="Consolas"/>
-              </a:rPr>
-              <a:t>t</a:t>
-            </a:r>
-            <a:r>
-              <a:rPr sz="1500" dirty="0">
-                <a:latin typeface="Times New Roman"/>
-                <a:cs typeface="Times New Roman"/>
-              </a:rPr>
-              <a:t> </a:t>
-            </a:r>
-            <a:r>
-              <a:rPr sz="1500" spc="90" dirty="0">
-                <a:latin typeface="Times New Roman"/>
-                <a:cs typeface="Times New Roman"/>
-              </a:rPr>
-              <a:t> </a:t>
-            </a:r>
-            <a:r>
-              <a:rPr sz="1500" dirty="0">
-                <a:latin typeface="Consolas"/>
-                <a:cs typeface="Consolas"/>
-              </a:rPr>
-              <a:t>{</a:t>
-            </a:r>
-            <a:r>
-              <a:rPr sz="1500" dirty="0">
-                <a:latin typeface="Times New Roman"/>
-                <a:cs typeface="Times New Roman"/>
-              </a:rPr>
-              <a:t> </a:t>
-            </a:r>
-            <a:endParaRPr sz="1500" dirty="0">
-              <a:latin typeface="Consolas"/>
-              <a:cs typeface="Consolas"/>
-            </a:endParaRPr>
-          </a:p>
-        </p:txBody>
-      </p:sp>
-      <p:sp>
-        <p:nvSpPr>
-          <p:cNvPr id="8" name="object 8"/>
-          <p:cNvSpPr txBox="1"/>
-          <p:nvPr/>
-        </p:nvSpPr>
-        <p:spPr>
-          <a:xfrm>
-            <a:off x="1159995" y="6485808"/>
-            <a:ext cx="4777105" cy="1046440"/>
-          </a:xfrm>
-          <a:prstGeom prst="rect">
-            <a:avLst/>
-          </a:prstGeom>
-        </p:spPr>
-        <p:txBody>
-          <a:bodyPr vert="horz" wrap="square" lIns="0" tIns="0" rIns="0" bIns="0" rtlCol="0">
-            <a:spAutoFit/>
-          </a:bodyPr>
-          <a:lstStyle/>
-          <a:p>
-            <a:pPr marL="12700">
-              <a:lnSpc>
-                <a:spcPct val="100000"/>
-              </a:lnSpc>
-            </a:pPr>
-            <a:endParaRPr sz="1500" dirty="0">
-              <a:latin typeface="Consolas"/>
-              <a:cs typeface="Consolas"/>
-            </a:endParaRPr>
-          </a:p>
-          <a:p>
-            <a:pPr>
-              <a:lnSpc>
-                <a:spcPct val="100000"/>
-              </a:lnSpc>
-            </a:pPr>
-            <a:endParaRPr lang="nl-NL" sz="1500" dirty="0">
-              <a:latin typeface="Times New Roman"/>
-              <a:cs typeface="Times New Roman"/>
-            </a:endParaRPr>
-          </a:p>
-          <a:p>
-            <a:pPr>
-              <a:lnSpc>
-                <a:spcPct val="100000"/>
-              </a:lnSpc>
-            </a:pPr>
-            <a:r>
-              <a:rPr lang="en-US" sz="1500" dirty="0">
-                <a:latin typeface="Times New Roman"/>
-                <a:cs typeface="Times New Roman"/>
-              </a:rPr>
-              <a:t>}</a:t>
-            </a:r>
-            <a:endParaRPr sz="1500" dirty="0">
-              <a:latin typeface="Times New Roman"/>
-              <a:cs typeface="Times New Roman"/>
-            </a:endParaRPr>
-          </a:p>
-          <a:p>
-            <a:pPr marR="5080" algn="r">
-              <a:lnSpc>
-                <a:spcPct val="100000"/>
-              </a:lnSpc>
-              <a:spcBef>
-                <a:spcPts val="1245"/>
-              </a:spcBef>
-            </a:pPr>
-            <a:r>
-              <a:rPr sz="1300" b="1" spc="-10" dirty="0">
-                <a:solidFill>
-                  <a:srgbClr val="FFFFFF"/>
-                </a:solidFill>
-                <a:latin typeface="Arial"/>
-                <a:cs typeface="Arial"/>
-              </a:rPr>
-              <a:t>Lege</a:t>
-            </a:r>
-            <a:r>
-              <a:rPr sz="1300" b="1" spc="-5" dirty="0">
-                <a:solidFill>
-                  <a:srgbClr val="FFFFFF"/>
-                </a:solidFill>
-                <a:latin typeface="Arial"/>
-                <a:cs typeface="Arial"/>
-              </a:rPr>
-              <a:t> </a:t>
-            </a:r>
-            <a:r>
-              <a:rPr sz="1300" b="1" spc="-10" dirty="0">
-                <a:solidFill>
-                  <a:srgbClr val="FFFFFF"/>
-                </a:solidFill>
-                <a:latin typeface="Arial"/>
-                <a:cs typeface="Arial"/>
-              </a:rPr>
-              <a:t>Component</a:t>
-            </a:r>
-            <a:endParaRPr sz="1300" dirty="0">
-              <a:latin typeface="Arial"/>
-              <a:cs typeface="Arial"/>
-            </a:endParaRPr>
           </a:p>
         </p:txBody>
       </p:sp>
@@ -38183,7 +36318,7 @@
         </p:nvSpPr>
         <p:spPr>
           <a:xfrm>
-            <a:off x="5788582" y="5878771"/>
+            <a:off x="5775719" y="5389659"/>
             <a:ext cx="4457065" cy="923290"/>
           </a:xfrm>
           <a:custGeom>
@@ -38288,6 +36423,1781 @@
             <a:endParaRPr sz="1300" dirty="0">
               <a:latin typeface="Arial"/>
               <a:cs typeface="Arial"/>
+            </a:endParaRPr>
+          </a:p>
+        </p:txBody>
+      </p:sp>
+      <p:sp>
+        <p:nvSpPr>
+          <p:cNvPr id="14" name="TextBox 13">
+            <a:extLst>
+              <a:ext uri="{FF2B5EF4-FFF2-40B4-BE49-F238E27FC236}">
+                <a16:creationId xmlns:a16="http://schemas.microsoft.com/office/drawing/2014/main" id="{511E7CA7-3FDC-4E49-8E73-C088AA96445B}"/>
+              </a:ext>
+            </a:extLst>
+          </p:cNvPr>
+          <p:cNvSpPr txBox="1"/>
+          <p:nvPr/>
+        </p:nvSpPr>
+        <p:spPr>
+          <a:xfrm>
+            <a:off x="503168" y="2212368"/>
+            <a:ext cx="10372485" cy="4192302"/>
+          </a:xfrm>
+          <a:prstGeom prst="rect">
+            <a:avLst/>
+          </a:prstGeom>
+          <a:noFill/>
+        </p:spPr>
+        <p:txBody>
+          <a:bodyPr wrap="square" rtlCol="0">
+            <a:spAutoFit/>
+          </a:bodyPr>
+          <a:lstStyle/>
+          <a:p>
+            <a:pPr marL="12700">
+              <a:lnSpc>
+                <a:spcPct val="100000"/>
+              </a:lnSpc>
+            </a:pPr>
+            <a:r>
+              <a:rPr lang="en-US" sz="1400" spc="5" dirty="0">
+                <a:latin typeface="Consolas" panose="020B0609020204030204" pitchFamily="49" charset="0"/>
+                <a:cs typeface="Consolas" panose="020B0609020204030204" pitchFamily="49" charset="0"/>
+              </a:rPr>
+              <a:t>@Component({</a:t>
+            </a:r>
+            <a:endParaRPr lang="en-US" sz="1400" dirty="0">
+              <a:latin typeface="Consolas" panose="020B0609020204030204" pitchFamily="49" charset="0"/>
+              <a:cs typeface="Consolas" panose="020B0609020204030204" pitchFamily="49" charset="0"/>
+            </a:endParaRPr>
+          </a:p>
+          <a:p>
+            <a:pPr marL="330835" marR="1916430" indent="-635">
+              <a:lnSpc>
+                <a:spcPct val="100699"/>
+              </a:lnSpc>
+            </a:pPr>
+            <a:r>
+              <a:rPr lang="en-US" sz="1400" spc="5" dirty="0">
+                <a:latin typeface="Consolas" panose="020B0609020204030204" pitchFamily="49" charset="0"/>
+                <a:cs typeface="Consolas" panose="020B0609020204030204" pitchFamily="49" charset="0"/>
+              </a:rPr>
+              <a:t>selector</a:t>
+            </a:r>
+            <a:r>
+              <a:rPr lang="en-US" sz="1400" dirty="0">
+                <a:latin typeface="Consolas" panose="020B0609020204030204" pitchFamily="49" charset="0"/>
+                <a:cs typeface="Consolas" panose="020B0609020204030204" pitchFamily="49" charset="0"/>
+              </a:rPr>
+              <a:t>: </a:t>
+            </a:r>
+            <a:r>
+              <a:rPr lang="en-US" sz="1400" spc="90" dirty="0">
+                <a:latin typeface="Consolas" panose="020B0609020204030204" pitchFamily="49" charset="0"/>
+                <a:cs typeface="Consolas" panose="020B0609020204030204" pitchFamily="49" charset="0"/>
+              </a:rPr>
+              <a:t> </a:t>
+            </a:r>
+            <a:r>
+              <a:rPr lang="en-US" sz="1400" spc="5" dirty="0">
+                <a:solidFill>
+                  <a:srgbClr val="008000"/>
+                </a:solidFill>
+                <a:latin typeface="Consolas" panose="020B0609020204030204" pitchFamily="49" charset="0"/>
+                <a:cs typeface="Consolas" panose="020B0609020204030204" pitchFamily="49" charset="0"/>
+              </a:rPr>
+              <a:t>'mai</a:t>
+            </a:r>
+            <a:r>
+              <a:rPr lang="en-US" sz="1400" dirty="0">
+                <a:solidFill>
+                  <a:srgbClr val="008000"/>
+                </a:solidFill>
+                <a:latin typeface="Consolas" panose="020B0609020204030204" pitchFamily="49" charset="0"/>
+                <a:cs typeface="Consolas" panose="020B0609020204030204" pitchFamily="49" charset="0"/>
+              </a:rPr>
+              <a:t>n‐</a:t>
+            </a:r>
+            <a:r>
+              <a:rPr lang="en-US" sz="1400" spc="5" dirty="0">
+                <a:solidFill>
+                  <a:srgbClr val="008000"/>
+                </a:solidFill>
+                <a:latin typeface="Consolas" panose="020B0609020204030204" pitchFamily="49" charset="0"/>
+                <a:cs typeface="Consolas" panose="020B0609020204030204" pitchFamily="49" charset="0"/>
+              </a:rPr>
+              <a:t>component</a:t>
+            </a:r>
+            <a:r>
+              <a:rPr lang="en-US" sz="1400" spc="-5" dirty="0">
+                <a:solidFill>
+                  <a:srgbClr val="008000"/>
+                </a:solidFill>
+                <a:latin typeface="Consolas" panose="020B0609020204030204" pitchFamily="49" charset="0"/>
+                <a:cs typeface="Consolas" panose="020B0609020204030204" pitchFamily="49" charset="0"/>
+              </a:rPr>
+              <a:t>’</a:t>
+            </a:r>
+            <a:r>
+              <a:rPr lang="en-US" sz="1400" dirty="0">
+                <a:latin typeface="Consolas" panose="020B0609020204030204" pitchFamily="49" charset="0"/>
+                <a:cs typeface="Consolas" panose="020B0609020204030204" pitchFamily="49" charset="0"/>
+              </a:rPr>
+              <a:t>, </a:t>
+            </a:r>
+          </a:p>
+          <a:p>
+            <a:pPr marL="330835" marR="1916430" indent="-635">
+              <a:lnSpc>
+                <a:spcPct val="100699"/>
+              </a:lnSpc>
+            </a:pPr>
+            <a:r>
+              <a:rPr lang="en-US" sz="1400" spc="5" dirty="0">
+                <a:latin typeface="Consolas" panose="020B0609020204030204" pitchFamily="49" charset="0"/>
+                <a:cs typeface="Consolas" panose="020B0609020204030204" pitchFamily="49" charset="0"/>
+              </a:rPr>
+              <a:t>template</a:t>
+            </a:r>
+            <a:r>
+              <a:rPr lang="en-US" sz="1400" dirty="0">
+                <a:latin typeface="Consolas" panose="020B0609020204030204" pitchFamily="49" charset="0"/>
+                <a:cs typeface="Consolas" panose="020B0609020204030204" pitchFamily="49" charset="0"/>
+              </a:rPr>
+              <a:t>: </a:t>
+            </a:r>
+            <a:r>
+              <a:rPr lang="en-US" sz="1400" spc="90" dirty="0">
+                <a:latin typeface="Consolas" panose="020B0609020204030204" pitchFamily="49" charset="0"/>
+                <a:cs typeface="Consolas" panose="020B0609020204030204" pitchFamily="49" charset="0"/>
+              </a:rPr>
+              <a:t> </a:t>
+            </a:r>
+            <a:r>
+              <a:rPr lang="en-US" sz="1400" dirty="0">
+                <a:solidFill>
+                  <a:srgbClr val="008000"/>
+                </a:solidFill>
+                <a:latin typeface="Consolas" panose="020B0609020204030204" pitchFamily="49" charset="0"/>
+                <a:cs typeface="Consolas" panose="020B0609020204030204" pitchFamily="49" charset="0"/>
+              </a:rPr>
+              <a:t>`</a:t>
+            </a:r>
+            <a:endParaRPr lang="en-US" sz="1400" dirty="0">
+              <a:latin typeface="Consolas" panose="020B0609020204030204" pitchFamily="49" charset="0"/>
+              <a:cs typeface="Consolas" panose="020B0609020204030204" pitchFamily="49" charset="0"/>
+            </a:endParaRPr>
+          </a:p>
+          <a:p>
+            <a:pPr marL="649605">
+              <a:lnSpc>
+                <a:spcPct val="100000"/>
+              </a:lnSpc>
+              <a:spcBef>
+                <a:spcPts val="10"/>
+              </a:spcBef>
+            </a:pPr>
+            <a:r>
+              <a:rPr lang="en-US" sz="1400" spc="5" dirty="0">
+                <a:solidFill>
+                  <a:srgbClr val="008000"/>
+                </a:solidFill>
+                <a:latin typeface="Consolas" panose="020B0609020204030204" pitchFamily="49" charset="0"/>
+                <a:cs typeface="Consolas" panose="020B0609020204030204" pitchFamily="49" charset="0"/>
+              </a:rPr>
+              <a:t>&lt;h1&gt;Pic</a:t>
+            </a:r>
+            <a:r>
+              <a:rPr lang="en-US" sz="1400" dirty="0">
+                <a:solidFill>
+                  <a:srgbClr val="008000"/>
+                </a:solidFill>
+                <a:latin typeface="Consolas" panose="020B0609020204030204" pitchFamily="49" charset="0"/>
+                <a:cs typeface="Consolas" panose="020B0609020204030204" pitchFamily="49" charset="0"/>
+              </a:rPr>
+              <a:t>k </a:t>
+            </a:r>
+            <a:r>
+              <a:rPr lang="en-US" sz="1400" spc="90" dirty="0">
+                <a:solidFill>
+                  <a:srgbClr val="008000"/>
+                </a:solidFill>
+                <a:latin typeface="Consolas" panose="020B0609020204030204" pitchFamily="49" charset="0"/>
+                <a:cs typeface="Consolas" panose="020B0609020204030204" pitchFamily="49" charset="0"/>
+              </a:rPr>
+              <a:t> </a:t>
+            </a:r>
+            <a:r>
+              <a:rPr lang="en-US" sz="1400" spc="5" dirty="0">
+                <a:solidFill>
+                  <a:srgbClr val="008000"/>
+                </a:solidFill>
+                <a:latin typeface="Consolas" panose="020B0609020204030204" pitchFamily="49" charset="0"/>
+                <a:cs typeface="Consolas" panose="020B0609020204030204" pitchFamily="49" charset="0"/>
+              </a:rPr>
+              <a:t>you</a:t>
+            </a:r>
+            <a:r>
+              <a:rPr lang="en-US" sz="1400" dirty="0">
+                <a:solidFill>
+                  <a:srgbClr val="008000"/>
+                </a:solidFill>
+                <a:latin typeface="Consolas" panose="020B0609020204030204" pitchFamily="49" charset="0"/>
+                <a:cs typeface="Consolas" panose="020B0609020204030204" pitchFamily="49" charset="0"/>
+              </a:rPr>
+              <a:t>r </a:t>
+            </a:r>
+            <a:r>
+              <a:rPr lang="en-US" sz="1400" spc="90" dirty="0">
+                <a:solidFill>
+                  <a:srgbClr val="008000"/>
+                </a:solidFill>
+                <a:latin typeface="Consolas" panose="020B0609020204030204" pitchFamily="49" charset="0"/>
+                <a:cs typeface="Consolas" panose="020B0609020204030204" pitchFamily="49" charset="0"/>
+              </a:rPr>
+              <a:t> </a:t>
+            </a:r>
+            <a:r>
+              <a:rPr lang="en-US" sz="1400" spc="5" dirty="0">
+                <a:solidFill>
+                  <a:srgbClr val="008000"/>
+                </a:solidFill>
+                <a:latin typeface="Consolas" panose="020B0609020204030204" pitchFamily="49" charset="0"/>
+                <a:cs typeface="Consolas" panose="020B0609020204030204" pitchFamily="49" charset="0"/>
+              </a:rPr>
+              <a:t>favorit</a:t>
+            </a:r>
+            <a:r>
+              <a:rPr lang="en-US" sz="1400" dirty="0">
+                <a:solidFill>
+                  <a:srgbClr val="008000"/>
+                </a:solidFill>
+                <a:latin typeface="Consolas" panose="020B0609020204030204" pitchFamily="49" charset="0"/>
+                <a:cs typeface="Consolas" panose="020B0609020204030204" pitchFamily="49" charset="0"/>
+              </a:rPr>
+              <a:t>e </a:t>
+            </a:r>
+            <a:r>
+              <a:rPr lang="en-US" sz="1400" spc="90" dirty="0">
+                <a:solidFill>
+                  <a:srgbClr val="008000"/>
+                </a:solidFill>
+                <a:latin typeface="Consolas" panose="020B0609020204030204" pitchFamily="49" charset="0"/>
+                <a:cs typeface="Consolas" panose="020B0609020204030204" pitchFamily="49" charset="0"/>
+              </a:rPr>
+              <a:t> </a:t>
+            </a:r>
+            <a:r>
+              <a:rPr lang="en-US" sz="1400" dirty="0">
+                <a:solidFill>
+                  <a:srgbClr val="008000"/>
+                </a:solidFill>
+                <a:latin typeface="Consolas" panose="020B0609020204030204" pitchFamily="49" charset="0"/>
+                <a:cs typeface="Consolas" panose="020B0609020204030204" pitchFamily="49" charset="0"/>
+              </a:rPr>
+              <a:t>c</a:t>
+            </a:r>
+            <a:r>
+              <a:rPr lang="en-US" sz="1400" spc="5" dirty="0">
+                <a:solidFill>
+                  <a:srgbClr val="008000"/>
+                </a:solidFill>
+                <a:latin typeface="Consolas" panose="020B0609020204030204" pitchFamily="49" charset="0"/>
+                <a:cs typeface="Consolas" panose="020B0609020204030204" pitchFamily="49" charset="0"/>
+              </a:rPr>
+              <a:t>ity&lt;/h1&gt;</a:t>
+            </a:r>
+            <a:endParaRPr lang="en-US" sz="1400" dirty="0">
+              <a:latin typeface="Consolas" panose="020B0609020204030204" pitchFamily="49" charset="0"/>
+              <a:cs typeface="Consolas" panose="020B0609020204030204" pitchFamily="49" charset="0"/>
+            </a:endParaRPr>
+          </a:p>
+          <a:p>
+            <a:pPr marL="649605">
+              <a:lnSpc>
+                <a:spcPct val="100000"/>
+              </a:lnSpc>
+              <a:spcBef>
+                <a:spcPts val="10"/>
+              </a:spcBef>
+            </a:pPr>
+            <a:r>
+              <a:rPr lang="en-US" sz="1400" i="1" spc="5" dirty="0">
+                <a:solidFill>
+                  <a:srgbClr val="C00000"/>
+                </a:solidFill>
+                <a:latin typeface="Consolas" panose="020B0609020204030204" pitchFamily="49" charset="0"/>
+                <a:cs typeface="Consolas" panose="020B0609020204030204" pitchFamily="49" charset="0"/>
+              </a:rPr>
+              <a:t>&lt;</a:t>
+            </a:r>
+            <a:r>
+              <a:rPr lang="en-US" sz="1400" i="1" dirty="0">
+                <a:solidFill>
+                  <a:srgbClr val="C00000"/>
+                </a:solidFill>
+                <a:latin typeface="Consolas" panose="020B0609020204030204" pitchFamily="49" charset="0"/>
+                <a:cs typeface="Consolas" panose="020B0609020204030204" pitchFamily="49" charset="0"/>
+              </a:rPr>
+              <a:t>!‐‐</a:t>
+            </a:r>
+            <a:r>
+              <a:rPr lang="en-US" sz="1400" i="1" spc="15" dirty="0">
+                <a:solidFill>
+                  <a:srgbClr val="C00000"/>
+                </a:solidFill>
+                <a:latin typeface="Consolas" panose="020B0609020204030204" pitchFamily="49" charset="0"/>
+                <a:cs typeface="Consolas" panose="020B0609020204030204" pitchFamily="49" charset="0"/>
+              </a:rPr>
+              <a:t> </a:t>
+            </a:r>
+            <a:r>
+              <a:rPr lang="en-US" sz="1400" i="1" spc="5" dirty="0">
+                <a:solidFill>
+                  <a:srgbClr val="C00000"/>
+                </a:solidFill>
+                <a:latin typeface="Consolas" panose="020B0609020204030204" pitchFamily="49" charset="0"/>
+                <a:cs typeface="Consolas" panose="020B0609020204030204" pitchFamily="49" charset="0"/>
+              </a:rPr>
+              <a:t>Stati</a:t>
+            </a:r>
+            <a:r>
+              <a:rPr lang="en-US" sz="1400" i="1" dirty="0">
+                <a:solidFill>
+                  <a:srgbClr val="C00000"/>
+                </a:solidFill>
+                <a:latin typeface="Consolas" panose="020B0609020204030204" pitchFamily="49" charset="0"/>
+                <a:cs typeface="Consolas" panose="020B0609020204030204" pitchFamily="49" charset="0"/>
+              </a:rPr>
+              <a:t>c </a:t>
+            </a:r>
+            <a:r>
+              <a:rPr lang="en-US" sz="1400" i="1" spc="90" dirty="0">
+                <a:solidFill>
+                  <a:srgbClr val="C00000"/>
+                </a:solidFill>
+                <a:latin typeface="Consolas" panose="020B0609020204030204" pitchFamily="49" charset="0"/>
+                <a:cs typeface="Consolas" panose="020B0609020204030204" pitchFamily="49" charset="0"/>
+              </a:rPr>
+              <a:t> </a:t>
+            </a:r>
+            <a:r>
+              <a:rPr lang="en-US" sz="1400" i="1" spc="5" dirty="0">
+                <a:solidFill>
+                  <a:srgbClr val="C00000"/>
+                </a:solidFill>
+                <a:latin typeface="Consolas" panose="020B0609020204030204" pitchFamily="49" charset="0"/>
+                <a:cs typeface="Consolas" panose="020B0609020204030204" pitchFamily="49" charset="0"/>
+              </a:rPr>
+              <a:t>'mai</a:t>
+            </a:r>
+            <a:r>
+              <a:rPr lang="en-US" sz="1400" i="1" dirty="0">
+                <a:solidFill>
+                  <a:srgbClr val="C00000"/>
+                </a:solidFill>
+                <a:latin typeface="Consolas" panose="020B0609020204030204" pitchFamily="49" charset="0"/>
+                <a:cs typeface="Consolas" panose="020B0609020204030204" pitchFamily="49" charset="0"/>
+              </a:rPr>
+              <a:t>n </a:t>
+            </a:r>
+            <a:r>
+              <a:rPr lang="en-US" sz="1400" i="1" spc="90" dirty="0">
+                <a:solidFill>
+                  <a:srgbClr val="C00000"/>
+                </a:solidFill>
+                <a:latin typeface="Consolas" panose="020B0609020204030204" pitchFamily="49" charset="0"/>
+                <a:cs typeface="Consolas" panose="020B0609020204030204" pitchFamily="49" charset="0"/>
+              </a:rPr>
+              <a:t> </a:t>
+            </a:r>
+            <a:r>
+              <a:rPr lang="en-US" sz="1400" i="1" spc="5" dirty="0">
+                <a:solidFill>
+                  <a:srgbClr val="C00000"/>
+                </a:solidFill>
+                <a:latin typeface="Consolas" panose="020B0609020204030204" pitchFamily="49" charset="0"/>
+                <a:cs typeface="Consolas" panose="020B0609020204030204" pitchFamily="49" charset="0"/>
+              </a:rPr>
+              <a:t>menu'</a:t>
+            </a:r>
+            <a:r>
+              <a:rPr lang="en-US" sz="1400" i="1" dirty="0">
+                <a:solidFill>
+                  <a:srgbClr val="C00000"/>
+                </a:solidFill>
+                <a:latin typeface="Consolas" panose="020B0609020204030204" pitchFamily="49" charset="0"/>
+                <a:cs typeface="Consolas" panose="020B0609020204030204" pitchFamily="49" charset="0"/>
+              </a:rPr>
+              <a:t>. </a:t>
+            </a:r>
+            <a:r>
+              <a:rPr lang="en-US" sz="1400" i="1" spc="90" dirty="0">
+                <a:solidFill>
+                  <a:srgbClr val="C00000"/>
+                </a:solidFill>
+                <a:latin typeface="Consolas" panose="020B0609020204030204" pitchFamily="49" charset="0"/>
+                <a:cs typeface="Consolas" panose="020B0609020204030204" pitchFamily="49" charset="0"/>
+              </a:rPr>
+              <a:t> </a:t>
+            </a:r>
+            <a:r>
+              <a:rPr lang="en-US" sz="1400" i="1" spc="5" dirty="0">
+                <a:solidFill>
+                  <a:srgbClr val="C00000"/>
+                </a:solidFill>
+                <a:latin typeface="Consolas" panose="020B0609020204030204" pitchFamily="49" charset="0"/>
+                <a:cs typeface="Consolas" panose="020B0609020204030204" pitchFamily="49" charset="0"/>
+              </a:rPr>
+              <a:t>Alway</a:t>
+            </a:r>
+            <a:r>
+              <a:rPr lang="en-US" sz="1400" i="1" dirty="0">
+                <a:solidFill>
+                  <a:srgbClr val="C00000"/>
+                </a:solidFill>
+                <a:latin typeface="Consolas" panose="020B0609020204030204" pitchFamily="49" charset="0"/>
+                <a:cs typeface="Consolas" panose="020B0609020204030204" pitchFamily="49" charset="0"/>
+              </a:rPr>
+              <a:t>s </a:t>
+            </a:r>
+            <a:r>
+              <a:rPr lang="en-US" sz="1400" i="1" spc="90" dirty="0">
+                <a:solidFill>
+                  <a:srgbClr val="C00000"/>
+                </a:solidFill>
+                <a:latin typeface="Consolas" panose="020B0609020204030204" pitchFamily="49" charset="0"/>
+                <a:cs typeface="Consolas" panose="020B0609020204030204" pitchFamily="49" charset="0"/>
+              </a:rPr>
+              <a:t> </a:t>
+            </a:r>
+            <a:r>
+              <a:rPr lang="en-US" sz="1400" i="1" dirty="0">
+                <a:solidFill>
+                  <a:srgbClr val="C00000"/>
+                </a:solidFill>
+                <a:latin typeface="Consolas" panose="020B0609020204030204" pitchFamily="49" charset="0"/>
+                <a:cs typeface="Consolas" panose="020B0609020204030204" pitchFamily="49" charset="0"/>
+              </a:rPr>
+              <a:t>visibl</a:t>
+            </a:r>
+            <a:r>
+              <a:rPr lang="en-US" sz="1400" i="1" spc="5" dirty="0">
+                <a:solidFill>
+                  <a:srgbClr val="C00000"/>
+                </a:solidFill>
+                <a:latin typeface="Consolas" panose="020B0609020204030204" pitchFamily="49" charset="0"/>
+                <a:cs typeface="Consolas" panose="020B0609020204030204" pitchFamily="49" charset="0"/>
+              </a:rPr>
+              <a:t>e</a:t>
+            </a:r>
+            <a:r>
+              <a:rPr lang="en-US" sz="1400" i="1" dirty="0">
+                <a:solidFill>
+                  <a:srgbClr val="C00000"/>
+                </a:solidFill>
+                <a:latin typeface="Consolas" panose="020B0609020204030204" pitchFamily="49" charset="0"/>
+                <a:cs typeface="Consolas" panose="020B0609020204030204" pitchFamily="49" charset="0"/>
+              </a:rPr>
+              <a:t>‐‐&gt;</a:t>
+            </a:r>
+          </a:p>
+          <a:p>
+            <a:pPr marL="649605">
+              <a:lnSpc>
+                <a:spcPct val="100000"/>
+              </a:lnSpc>
+              <a:spcBef>
+                <a:spcPts val="10"/>
+              </a:spcBef>
+            </a:pPr>
+            <a:r>
+              <a:rPr lang="en-US" sz="1400" i="1" spc="5" dirty="0">
+                <a:solidFill>
+                  <a:srgbClr val="C00000"/>
+                </a:solidFill>
+                <a:latin typeface="Consolas" panose="020B0609020204030204" pitchFamily="49" charset="0"/>
+                <a:cs typeface="Consolas" panose="020B0609020204030204" pitchFamily="49" charset="0"/>
+              </a:rPr>
+              <a:t>&lt;</a:t>
+            </a:r>
+            <a:r>
+              <a:rPr lang="en-US" sz="1400" i="1" dirty="0">
+                <a:solidFill>
+                  <a:srgbClr val="C00000"/>
+                </a:solidFill>
+                <a:latin typeface="Consolas" panose="020B0609020204030204" pitchFamily="49" charset="0"/>
+                <a:cs typeface="Consolas" panose="020B0609020204030204" pitchFamily="49" charset="0"/>
+              </a:rPr>
+              <a:t>!‐‐</a:t>
+            </a:r>
+            <a:r>
+              <a:rPr lang="en-US" sz="1400" i="1" spc="15" dirty="0">
+                <a:solidFill>
+                  <a:srgbClr val="C00000"/>
+                </a:solidFill>
+                <a:latin typeface="Consolas" panose="020B0609020204030204" pitchFamily="49" charset="0"/>
+                <a:cs typeface="Consolas" panose="020B0609020204030204" pitchFamily="49" charset="0"/>
+              </a:rPr>
+              <a:t> </a:t>
+            </a:r>
+            <a:r>
+              <a:rPr lang="en-US" sz="1400" i="1" spc="5" dirty="0">
+                <a:solidFill>
+                  <a:srgbClr val="C00000"/>
+                </a:solidFill>
+                <a:latin typeface="Consolas" panose="020B0609020204030204" pitchFamily="49" charset="0"/>
+                <a:cs typeface="Consolas" panose="020B0609020204030204" pitchFamily="49" charset="0"/>
+              </a:rPr>
+              <a:t>Ad</a:t>
+            </a:r>
+            <a:r>
+              <a:rPr lang="en-US" sz="1400" i="1" dirty="0">
+                <a:solidFill>
+                  <a:srgbClr val="C00000"/>
+                </a:solidFill>
+                <a:latin typeface="Consolas" panose="020B0609020204030204" pitchFamily="49" charset="0"/>
+                <a:cs typeface="Consolas" panose="020B0609020204030204" pitchFamily="49" charset="0"/>
+              </a:rPr>
+              <a:t>d </a:t>
+            </a:r>
+            <a:r>
+              <a:rPr lang="en-US" sz="1400" i="1" spc="90" dirty="0">
+                <a:solidFill>
+                  <a:srgbClr val="C00000"/>
+                </a:solidFill>
+                <a:latin typeface="Consolas" panose="020B0609020204030204" pitchFamily="49" charset="0"/>
+                <a:cs typeface="Consolas" panose="020B0609020204030204" pitchFamily="49" charset="0"/>
+              </a:rPr>
+              <a:t> </a:t>
+            </a:r>
+            <a:r>
+              <a:rPr lang="en-US" sz="1400" i="1" dirty="0" err="1">
+                <a:solidFill>
+                  <a:srgbClr val="C00000"/>
+                </a:solidFill>
+                <a:latin typeface="Consolas" panose="020B0609020204030204" pitchFamily="49" charset="0"/>
+                <a:cs typeface="Consolas" panose="020B0609020204030204" pitchFamily="49" charset="0"/>
+              </a:rPr>
+              <a:t>r</a:t>
+            </a:r>
+            <a:r>
+              <a:rPr lang="en-US" sz="1400" i="1" spc="5" dirty="0" err="1">
+                <a:solidFill>
+                  <a:srgbClr val="C00000"/>
+                </a:solidFill>
+                <a:latin typeface="Consolas" panose="020B0609020204030204" pitchFamily="49" charset="0"/>
+                <a:cs typeface="Consolas" panose="020B0609020204030204" pitchFamily="49" charset="0"/>
+              </a:rPr>
+              <a:t>outerLin</a:t>
+            </a:r>
+            <a:r>
+              <a:rPr lang="en-US" sz="1400" i="1" dirty="0" err="1">
+                <a:solidFill>
+                  <a:srgbClr val="C00000"/>
+                </a:solidFill>
+                <a:latin typeface="Consolas" panose="020B0609020204030204" pitchFamily="49" charset="0"/>
+                <a:cs typeface="Consolas" panose="020B0609020204030204" pitchFamily="49" charset="0"/>
+              </a:rPr>
+              <a:t>k</a:t>
+            </a:r>
+            <a:r>
+              <a:rPr lang="en-US" sz="1400" i="1" dirty="0">
+                <a:solidFill>
+                  <a:srgbClr val="C00000"/>
+                </a:solidFill>
+                <a:latin typeface="Consolas" panose="020B0609020204030204" pitchFamily="49" charset="0"/>
+                <a:cs typeface="Consolas" panose="020B0609020204030204" pitchFamily="49" charset="0"/>
+              </a:rPr>
+              <a:t> </a:t>
+            </a:r>
+            <a:r>
+              <a:rPr lang="en-US" sz="1400" i="1" spc="85" dirty="0">
+                <a:solidFill>
+                  <a:srgbClr val="C00000"/>
+                </a:solidFill>
+                <a:latin typeface="Consolas" panose="020B0609020204030204" pitchFamily="49" charset="0"/>
+                <a:cs typeface="Consolas" panose="020B0609020204030204" pitchFamily="49" charset="0"/>
+              </a:rPr>
+              <a:t> </a:t>
+            </a:r>
+            <a:r>
+              <a:rPr lang="en-US" sz="1400" i="1" spc="5" dirty="0">
+                <a:solidFill>
+                  <a:srgbClr val="C00000"/>
+                </a:solidFill>
+                <a:latin typeface="Consolas" panose="020B0609020204030204" pitchFamily="49" charset="0"/>
+                <a:cs typeface="Consolas" panose="020B0609020204030204" pitchFamily="49" charset="0"/>
+              </a:rPr>
+              <a:t>directive</a:t>
+            </a:r>
+            <a:r>
+              <a:rPr lang="en-US" sz="1400" i="1" dirty="0">
+                <a:solidFill>
+                  <a:srgbClr val="C00000"/>
+                </a:solidFill>
+                <a:latin typeface="Consolas" panose="020B0609020204030204" pitchFamily="49" charset="0"/>
+                <a:cs typeface="Consolas" panose="020B0609020204030204" pitchFamily="49" charset="0"/>
+              </a:rPr>
+              <a:t>. </a:t>
+            </a:r>
+            <a:r>
+              <a:rPr lang="en-US" sz="1400" i="1" spc="75" dirty="0">
+                <a:solidFill>
+                  <a:srgbClr val="C00000"/>
+                </a:solidFill>
+                <a:latin typeface="Consolas" panose="020B0609020204030204" pitchFamily="49" charset="0"/>
+                <a:cs typeface="Consolas" panose="020B0609020204030204" pitchFamily="49" charset="0"/>
+              </a:rPr>
+              <a:t> </a:t>
+            </a:r>
+            <a:r>
+              <a:rPr lang="en-US" sz="1400" i="1" spc="5" dirty="0">
+                <a:solidFill>
+                  <a:srgbClr val="C00000"/>
+                </a:solidFill>
+                <a:latin typeface="Consolas" panose="020B0609020204030204" pitchFamily="49" charset="0"/>
+                <a:cs typeface="Consolas" panose="020B0609020204030204" pitchFamily="49" charset="0"/>
+              </a:rPr>
+              <a:t>Angula</a:t>
+            </a:r>
+            <a:r>
+              <a:rPr lang="en-US" sz="1400" i="1" dirty="0">
+                <a:solidFill>
+                  <a:srgbClr val="C00000"/>
+                </a:solidFill>
+                <a:latin typeface="Consolas" panose="020B0609020204030204" pitchFamily="49" charset="0"/>
+                <a:cs typeface="Consolas" panose="020B0609020204030204" pitchFamily="49" charset="0"/>
+              </a:rPr>
+              <a:t>r </a:t>
+            </a:r>
+            <a:r>
+              <a:rPr lang="en-US" sz="1400" i="1" spc="90" dirty="0">
+                <a:solidFill>
+                  <a:srgbClr val="C00000"/>
+                </a:solidFill>
+                <a:latin typeface="Consolas" panose="020B0609020204030204" pitchFamily="49" charset="0"/>
+                <a:cs typeface="Consolas" panose="020B0609020204030204" pitchFamily="49" charset="0"/>
+              </a:rPr>
+              <a:t> </a:t>
+            </a:r>
+            <a:r>
+              <a:rPr lang="en-US" sz="1400" i="1" spc="5" dirty="0">
+                <a:solidFill>
+                  <a:srgbClr val="C00000"/>
+                </a:solidFill>
+                <a:latin typeface="Consolas" panose="020B0609020204030204" pitchFamily="49" charset="0"/>
+                <a:cs typeface="Consolas" panose="020B0609020204030204" pitchFamily="49" charset="0"/>
+              </a:rPr>
+              <a:t>replace</a:t>
+            </a:r>
+            <a:r>
+              <a:rPr lang="en-US" sz="1400" i="1" dirty="0">
+                <a:solidFill>
+                  <a:srgbClr val="C00000"/>
+                </a:solidFill>
+                <a:latin typeface="Consolas" panose="020B0609020204030204" pitchFamily="49" charset="0"/>
+                <a:cs typeface="Consolas" panose="020B0609020204030204" pitchFamily="49" charset="0"/>
+              </a:rPr>
+              <a:t>s </a:t>
+            </a:r>
+            <a:r>
+              <a:rPr lang="en-US" sz="1400" i="1" spc="85" dirty="0">
+                <a:solidFill>
+                  <a:srgbClr val="C00000"/>
+                </a:solidFill>
+                <a:latin typeface="Consolas" panose="020B0609020204030204" pitchFamily="49" charset="0"/>
+                <a:cs typeface="Consolas" panose="020B0609020204030204" pitchFamily="49" charset="0"/>
+              </a:rPr>
+              <a:t> </a:t>
+            </a:r>
+            <a:r>
+              <a:rPr lang="en-US" sz="1400" i="1" spc="5" dirty="0">
+                <a:solidFill>
+                  <a:srgbClr val="C00000"/>
+                </a:solidFill>
+                <a:latin typeface="Consolas" panose="020B0609020204030204" pitchFamily="49" charset="0"/>
+                <a:cs typeface="Consolas" panose="020B0609020204030204" pitchFamily="49" charset="0"/>
+              </a:rPr>
+              <a:t>thi</a:t>
+            </a:r>
+            <a:r>
+              <a:rPr lang="en-US" sz="1400" i="1" dirty="0">
+                <a:solidFill>
+                  <a:srgbClr val="C00000"/>
+                </a:solidFill>
+                <a:latin typeface="Consolas" panose="020B0609020204030204" pitchFamily="49" charset="0"/>
+                <a:cs typeface="Consolas" panose="020B0609020204030204" pitchFamily="49" charset="0"/>
+              </a:rPr>
+              <a:t>s </a:t>
+            </a:r>
+            <a:r>
+              <a:rPr lang="en-US" sz="1400" i="1" spc="90" dirty="0">
+                <a:solidFill>
+                  <a:srgbClr val="C00000"/>
+                </a:solidFill>
+                <a:latin typeface="Consolas" panose="020B0609020204030204" pitchFamily="49" charset="0"/>
+                <a:cs typeface="Consolas" panose="020B0609020204030204" pitchFamily="49" charset="0"/>
+              </a:rPr>
+              <a:t> </a:t>
+            </a:r>
+            <a:r>
+              <a:rPr lang="en-US" sz="1400" i="1" spc="5" dirty="0">
+                <a:solidFill>
+                  <a:srgbClr val="C00000"/>
+                </a:solidFill>
+                <a:latin typeface="Consolas" panose="020B0609020204030204" pitchFamily="49" charset="0"/>
+                <a:cs typeface="Consolas" panose="020B0609020204030204" pitchFamily="49" charset="0"/>
+              </a:rPr>
+              <a:t>wit</a:t>
+            </a:r>
+            <a:r>
+              <a:rPr lang="en-US" sz="1400" i="1" dirty="0">
+                <a:solidFill>
+                  <a:srgbClr val="C00000"/>
+                </a:solidFill>
+                <a:latin typeface="Consolas" panose="020B0609020204030204" pitchFamily="49" charset="0"/>
+                <a:cs typeface="Consolas" panose="020B0609020204030204" pitchFamily="49" charset="0"/>
+              </a:rPr>
+              <a:t>h </a:t>
+            </a:r>
+            <a:r>
+              <a:rPr lang="en-US" sz="1400" i="1" spc="90" dirty="0">
+                <a:solidFill>
+                  <a:srgbClr val="C00000"/>
+                </a:solidFill>
+                <a:latin typeface="Consolas" panose="020B0609020204030204" pitchFamily="49" charset="0"/>
+                <a:cs typeface="Consolas" panose="020B0609020204030204" pitchFamily="49" charset="0"/>
+              </a:rPr>
+              <a:t> </a:t>
+            </a:r>
+            <a:r>
+              <a:rPr lang="en-US" sz="1400" i="1" dirty="0">
+                <a:solidFill>
+                  <a:srgbClr val="C00000"/>
+                </a:solidFill>
+                <a:latin typeface="Consolas" panose="020B0609020204030204" pitchFamily="49" charset="0"/>
+                <a:cs typeface="Consolas" panose="020B0609020204030204" pitchFamily="49" charset="0"/>
+              </a:rPr>
+              <a:t>c</a:t>
+            </a:r>
+            <a:r>
+              <a:rPr lang="en-US" sz="1400" i="1" spc="5" dirty="0">
+                <a:solidFill>
+                  <a:srgbClr val="C00000"/>
+                </a:solidFill>
+                <a:latin typeface="Consolas" panose="020B0609020204030204" pitchFamily="49" charset="0"/>
+                <a:cs typeface="Consolas" panose="020B0609020204030204" pitchFamily="49" charset="0"/>
+              </a:rPr>
+              <a:t>orrec</a:t>
+            </a:r>
+            <a:r>
+              <a:rPr lang="en-US" sz="1400" i="1" dirty="0">
+                <a:solidFill>
+                  <a:srgbClr val="C00000"/>
+                </a:solidFill>
+                <a:latin typeface="Consolas" panose="020B0609020204030204" pitchFamily="49" charset="0"/>
+                <a:cs typeface="Consolas" panose="020B0609020204030204" pitchFamily="49" charset="0"/>
+              </a:rPr>
+              <a:t>t </a:t>
+            </a:r>
+            <a:r>
+              <a:rPr lang="en-US" sz="1400" i="1" spc="75" dirty="0">
+                <a:solidFill>
+                  <a:srgbClr val="C00000"/>
+                </a:solidFill>
+                <a:latin typeface="Consolas" panose="020B0609020204030204" pitchFamily="49" charset="0"/>
+                <a:cs typeface="Consolas" panose="020B0609020204030204" pitchFamily="49" charset="0"/>
+              </a:rPr>
+              <a:t> </a:t>
+            </a:r>
+            <a:r>
+              <a:rPr lang="en-US" sz="1400" b="1" i="1" spc="5" dirty="0">
+                <a:solidFill>
+                  <a:srgbClr val="C00000"/>
+                </a:solidFill>
+                <a:latin typeface="Consolas" panose="020B0609020204030204" pitchFamily="49" charset="0"/>
+                <a:cs typeface="Consolas" panose="020B0609020204030204" pitchFamily="49" charset="0"/>
+              </a:rPr>
+              <a:t>&lt;</a:t>
+            </a:r>
+            <a:r>
+              <a:rPr lang="en-US" sz="1400" b="1" i="1" dirty="0">
+                <a:solidFill>
+                  <a:srgbClr val="C00000"/>
+                </a:solidFill>
+                <a:latin typeface="Consolas" panose="020B0609020204030204" pitchFamily="49" charset="0"/>
+                <a:cs typeface="Consolas" panose="020B0609020204030204" pitchFamily="49" charset="0"/>
+              </a:rPr>
+              <a:t>a </a:t>
+            </a:r>
+            <a:r>
+              <a:rPr lang="en-US" sz="1400" b="1" i="1" spc="85" dirty="0">
+                <a:solidFill>
+                  <a:srgbClr val="C00000"/>
+                </a:solidFill>
+                <a:latin typeface="Consolas" panose="020B0609020204030204" pitchFamily="49" charset="0"/>
+                <a:cs typeface="Consolas" panose="020B0609020204030204" pitchFamily="49" charset="0"/>
+              </a:rPr>
+              <a:t> </a:t>
+            </a:r>
+            <a:r>
+              <a:rPr lang="en-US" sz="1400" b="1" i="1" spc="5" dirty="0" err="1">
+                <a:solidFill>
+                  <a:srgbClr val="C00000"/>
+                </a:solidFill>
+                <a:latin typeface="Consolas" panose="020B0609020204030204" pitchFamily="49" charset="0"/>
+                <a:cs typeface="Consolas" panose="020B0609020204030204" pitchFamily="49" charset="0"/>
+              </a:rPr>
+              <a:t>href</a:t>
+            </a:r>
+            <a:r>
+              <a:rPr lang="en-US" sz="1400" b="1" i="1" spc="5" dirty="0">
+                <a:solidFill>
+                  <a:srgbClr val="C00000"/>
+                </a:solidFill>
+                <a:latin typeface="Consolas" panose="020B0609020204030204" pitchFamily="49" charset="0"/>
+                <a:cs typeface="Consolas" panose="020B0609020204030204" pitchFamily="49" charset="0"/>
+              </a:rPr>
+              <a:t>="..."</a:t>
+            </a:r>
+            <a:r>
+              <a:rPr lang="en-US" sz="1400" b="1" i="1" dirty="0">
+                <a:solidFill>
+                  <a:srgbClr val="C00000"/>
+                </a:solidFill>
+                <a:latin typeface="Consolas" panose="020B0609020204030204" pitchFamily="49" charset="0"/>
+                <a:cs typeface="Consolas" panose="020B0609020204030204" pitchFamily="49" charset="0"/>
+              </a:rPr>
+              <a:t>&gt; </a:t>
+            </a:r>
+            <a:r>
+              <a:rPr lang="en-US" sz="1400" i="1" spc="5" dirty="0">
+                <a:solidFill>
+                  <a:srgbClr val="C00000"/>
+                </a:solidFill>
+                <a:latin typeface="Consolas" panose="020B0609020204030204" pitchFamily="49" charset="0"/>
+                <a:cs typeface="Consolas" panose="020B0609020204030204" pitchFamily="49" charset="0"/>
+              </a:rPr>
+              <a:t>‐‐&gt;</a:t>
+            </a:r>
+            <a:endParaRPr lang="en-US" sz="1400" i="1" dirty="0">
+              <a:solidFill>
+                <a:srgbClr val="C00000"/>
+              </a:solidFill>
+              <a:latin typeface="Consolas" panose="020B0609020204030204" pitchFamily="49" charset="0"/>
+              <a:cs typeface="Consolas" panose="020B0609020204030204" pitchFamily="49" charset="0"/>
+            </a:endParaRPr>
+          </a:p>
+          <a:p>
+            <a:pPr marL="1871345">
+              <a:lnSpc>
+                <a:spcPct val="100000"/>
+              </a:lnSpc>
+              <a:spcBef>
+                <a:spcPts val="10"/>
+              </a:spcBef>
+            </a:pPr>
+            <a:endParaRPr lang="en-US" sz="1400" spc="5" dirty="0">
+              <a:solidFill>
+                <a:srgbClr val="008000"/>
+              </a:solidFill>
+              <a:latin typeface="Consolas" panose="020B0609020204030204" pitchFamily="49" charset="0"/>
+              <a:cs typeface="Consolas" panose="020B0609020204030204" pitchFamily="49" charset="0"/>
+            </a:endParaRPr>
+          </a:p>
+          <a:p>
+            <a:pPr marL="1871345">
+              <a:lnSpc>
+                <a:spcPct val="100000"/>
+              </a:lnSpc>
+              <a:spcBef>
+                <a:spcPts val="10"/>
+              </a:spcBef>
+            </a:pPr>
+            <a:r>
+              <a:rPr lang="en-US" sz="1400" spc="5" dirty="0">
+                <a:solidFill>
+                  <a:srgbClr val="008000"/>
+                </a:solidFill>
+                <a:latin typeface="Consolas" panose="020B0609020204030204" pitchFamily="49" charset="0"/>
+                <a:cs typeface="Consolas" panose="020B0609020204030204" pitchFamily="49" charset="0"/>
+              </a:rPr>
+              <a:t>&lt;</a:t>
+            </a:r>
+            <a:r>
+              <a:rPr lang="en-US" sz="1400" dirty="0">
+                <a:solidFill>
+                  <a:srgbClr val="008000"/>
+                </a:solidFill>
+                <a:latin typeface="Consolas" panose="020B0609020204030204" pitchFamily="49" charset="0"/>
+                <a:cs typeface="Consolas" panose="020B0609020204030204" pitchFamily="49" charset="0"/>
+              </a:rPr>
+              <a:t>a </a:t>
+            </a:r>
+            <a:r>
+              <a:rPr lang="en-US" sz="1400" spc="85" dirty="0">
+                <a:solidFill>
+                  <a:srgbClr val="008000"/>
+                </a:solidFill>
+                <a:latin typeface="Consolas" panose="020B0609020204030204" pitchFamily="49" charset="0"/>
+                <a:cs typeface="Consolas" panose="020B0609020204030204" pitchFamily="49" charset="0"/>
+              </a:rPr>
+              <a:t> </a:t>
+            </a:r>
+            <a:r>
+              <a:rPr lang="en-US" sz="1400" spc="5" dirty="0" err="1">
+                <a:solidFill>
+                  <a:srgbClr val="008000"/>
+                </a:solidFill>
+                <a:latin typeface="Consolas" panose="020B0609020204030204" pitchFamily="49" charset="0"/>
+                <a:cs typeface="Consolas" panose="020B0609020204030204" pitchFamily="49" charset="0"/>
+              </a:rPr>
+              <a:t>routerLink</a:t>
+            </a:r>
+            <a:r>
+              <a:rPr lang="en-US" sz="1400" spc="5" dirty="0">
+                <a:solidFill>
+                  <a:srgbClr val="008000"/>
+                </a:solidFill>
+                <a:latin typeface="Consolas" panose="020B0609020204030204" pitchFamily="49" charset="0"/>
+                <a:cs typeface="Consolas" panose="020B0609020204030204" pitchFamily="49" charset="0"/>
+              </a:rPr>
+              <a:t>="/home</a:t>
+            </a:r>
+            <a:r>
+              <a:rPr lang="en-US" sz="1400" dirty="0">
+                <a:solidFill>
+                  <a:srgbClr val="008000"/>
+                </a:solidFill>
+                <a:latin typeface="Consolas" panose="020B0609020204030204" pitchFamily="49" charset="0"/>
+                <a:cs typeface="Consolas" panose="020B0609020204030204" pitchFamily="49" charset="0"/>
+              </a:rPr>
+              <a:t>" </a:t>
+            </a:r>
+            <a:r>
+              <a:rPr lang="en-US" sz="1400" spc="90" dirty="0">
+                <a:solidFill>
+                  <a:srgbClr val="008000"/>
+                </a:solidFill>
+                <a:latin typeface="Consolas" panose="020B0609020204030204" pitchFamily="49" charset="0"/>
+                <a:cs typeface="Consolas" panose="020B0609020204030204" pitchFamily="49" charset="0"/>
+              </a:rPr>
+              <a:t> </a:t>
+            </a:r>
+            <a:r>
+              <a:rPr lang="en-US" sz="1400" spc="5" dirty="0">
+                <a:solidFill>
+                  <a:srgbClr val="008000"/>
+                </a:solidFill>
+                <a:latin typeface="Consolas" panose="020B0609020204030204" pitchFamily="49" charset="0"/>
+                <a:cs typeface="Consolas" panose="020B0609020204030204" pitchFamily="49" charset="0"/>
+              </a:rPr>
+              <a:t>class="</a:t>
+            </a:r>
+            <a:r>
+              <a:rPr lang="en-US" sz="1400" spc="5" dirty="0" err="1">
+                <a:solidFill>
+                  <a:srgbClr val="008000"/>
+                </a:solidFill>
+                <a:latin typeface="Consolas" panose="020B0609020204030204" pitchFamily="49" charset="0"/>
+                <a:cs typeface="Consolas" panose="020B0609020204030204" pitchFamily="49" charset="0"/>
+              </a:rPr>
+              <a:t>bt</a:t>
+            </a:r>
+            <a:r>
+              <a:rPr lang="en-US" sz="1400" dirty="0" err="1">
+                <a:solidFill>
+                  <a:srgbClr val="008000"/>
+                </a:solidFill>
+                <a:latin typeface="Consolas" panose="020B0609020204030204" pitchFamily="49" charset="0"/>
+                <a:cs typeface="Consolas" panose="020B0609020204030204" pitchFamily="49" charset="0"/>
+              </a:rPr>
+              <a:t>n</a:t>
+            </a:r>
+            <a:r>
+              <a:rPr lang="en-US" sz="1400" dirty="0">
+                <a:solidFill>
+                  <a:srgbClr val="008000"/>
+                </a:solidFill>
+                <a:latin typeface="Consolas" panose="020B0609020204030204" pitchFamily="49" charset="0"/>
+                <a:cs typeface="Consolas" panose="020B0609020204030204" pitchFamily="49" charset="0"/>
+              </a:rPr>
+              <a:t> </a:t>
+            </a:r>
+            <a:r>
+              <a:rPr lang="en-US" sz="1400" spc="90" dirty="0">
+                <a:solidFill>
+                  <a:srgbClr val="008000"/>
+                </a:solidFill>
+                <a:latin typeface="Consolas" panose="020B0609020204030204" pitchFamily="49" charset="0"/>
+                <a:cs typeface="Consolas" panose="020B0609020204030204" pitchFamily="49" charset="0"/>
+              </a:rPr>
+              <a:t> </a:t>
+            </a:r>
+            <a:r>
+              <a:rPr lang="en-US" sz="1400" spc="5" dirty="0" err="1">
+                <a:solidFill>
+                  <a:srgbClr val="008000"/>
+                </a:solidFill>
+                <a:latin typeface="Consolas" panose="020B0609020204030204" pitchFamily="49" charset="0"/>
+                <a:cs typeface="Consolas" panose="020B0609020204030204" pitchFamily="49" charset="0"/>
+              </a:rPr>
+              <a:t>btn</a:t>
+            </a:r>
+            <a:r>
+              <a:rPr lang="en-US" sz="1400" dirty="0">
+                <a:solidFill>
+                  <a:srgbClr val="008000"/>
+                </a:solidFill>
+                <a:latin typeface="Consolas" panose="020B0609020204030204" pitchFamily="49" charset="0"/>
+                <a:cs typeface="Consolas" panose="020B0609020204030204" pitchFamily="49" charset="0"/>
+              </a:rPr>
+              <a:t>‐</a:t>
+            </a:r>
+            <a:r>
+              <a:rPr lang="en-US" sz="1400" spc="5" dirty="0">
+                <a:solidFill>
+                  <a:srgbClr val="008000"/>
+                </a:solidFill>
+                <a:latin typeface="Consolas" panose="020B0609020204030204" pitchFamily="49" charset="0"/>
+                <a:cs typeface="Consolas" panose="020B0609020204030204" pitchFamily="49" charset="0"/>
+              </a:rPr>
+              <a:t>primary"&gt;Lis</a:t>
+            </a:r>
+            <a:r>
+              <a:rPr lang="en-US" sz="1400" dirty="0">
+                <a:solidFill>
+                  <a:srgbClr val="008000"/>
+                </a:solidFill>
+                <a:latin typeface="Consolas" panose="020B0609020204030204" pitchFamily="49" charset="0"/>
+                <a:cs typeface="Consolas" panose="020B0609020204030204" pitchFamily="49" charset="0"/>
+              </a:rPr>
+              <a:t>t </a:t>
+            </a:r>
+            <a:r>
+              <a:rPr lang="en-US" sz="1400" spc="85" dirty="0">
+                <a:solidFill>
+                  <a:srgbClr val="008000"/>
+                </a:solidFill>
+                <a:latin typeface="Consolas" panose="020B0609020204030204" pitchFamily="49" charset="0"/>
+                <a:cs typeface="Consolas" panose="020B0609020204030204" pitchFamily="49" charset="0"/>
+              </a:rPr>
+              <a:t> </a:t>
+            </a:r>
+            <a:r>
+              <a:rPr lang="en-US" sz="1400" dirty="0">
+                <a:solidFill>
+                  <a:srgbClr val="008000"/>
+                </a:solidFill>
+                <a:latin typeface="Consolas" panose="020B0609020204030204" pitchFamily="49" charset="0"/>
+                <a:cs typeface="Consolas" panose="020B0609020204030204" pitchFamily="49" charset="0"/>
+              </a:rPr>
+              <a:t>of </a:t>
+            </a:r>
+            <a:r>
+              <a:rPr lang="en-US" sz="1400" spc="90" dirty="0">
+                <a:solidFill>
+                  <a:srgbClr val="008000"/>
+                </a:solidFill>
+                <a:latin typeface="Consolas" panose="020B0609020204030204" pitchFamily="49" charset="0"/>
+                <a:cs typeface="Consolas" panose="020B0609020204030204" pitchFamily="49" charset="0"/>
+              </a:rPr>
+              <a:t> </a:t>
+            </a:r>
+            <a:r>
+              <a:rPr lang="en-US" sz="1400" spc="5" dirty="0">
+                <a:solidFill>
+                  <a:srgbClr val="008000"/>
+                </a:solidFill>
+                <a:latin typeface="Consolas" panose="020B0609020204030204" pitchFamily="49" charset="0"/>
+                <a:cs typeface="Consolas" panose="020B0609020204030204" pitchFamily="49" charset="0"/>
+              </a:rPr>
+              <a:t>cities&lt;/a&gt;</a:t>
+            </a:r>
+            <a:endParaRPr lang="en-US" sz="1400" dirty="0">
+              <a:latin typeface="Consolas" panose="020B0609020204030204" pitchFamily="49" charset="0"/>
+              <a:cs typeface="Consolas" panose="020B0609020204030204" pitchFamily="49" charset="0"/>
+            </a:endParaRPr>
+          </a:p>
+          <a:p>
+            <a:pPr marL="1871345">
+              <a:lnSpc>
+                <a:spcPct val="100000"/>
+              </a:lnSpc>
+              <a:spcBef>
+                <a:spcPts val="10"/>
+              </a:spcBef>
+            </a:pPr>
+            <a:r>
+              <a:rPr lang="en-US" sz="1400" spc="5" dirty="0">
+                <a:solidFill>
+                  <a:srgbClr val="008000"/>
+                </a:solidFill>
+                <a:latin typeface="Consolas" panose="020B0609020204030204" pitchFamily="49" charset="0"/>
+                <a:cs typeface="Consolas" panose="020B0609020204030204" pitchFamily="49" charset="0"/>
+              </a:rPr>
+              <a:t>&lt;</a:t>
+            </a:r>
+            <a:r>
+              <a:rPr lang="en-US" sz="1400" dirty="0">
+                <a:solidFill>
+                  <a:srgbClr val="008000"/>
+                </a:solidFill>
+                <a:latin typeface="Consolas" panose="020B0609020204030204" pitchFamily="49" charset="0"/>
+                <a:cs typeface="Consolas" panose="020B0609020204030204" pitchFamily="49" charset="0"/>
+              </a:rPr>
+              <a:t>a </a:t>
+            </a:r>
+            <a:r>
+              <a:rPr lang="en-US" sz="1400" spc="85" dirty="0">
+                <a:solidFill>
+                  <a:srgbClr val="008000"/>
+                </a:solidFill>
+                <a:latin typeface="Consolas" panose="020B0609020204030204" pitchFamily="49" charset="0"/>
+                <a:cs typeface="Consolas" panose="020B0609020204030204" pitchFamily="49" charset="0"/>
+              </a:rPr>
+              <a:t> </a:t>
+            </a:r>
+            <a:r>
+              <a:rPr lang="en-US" sz="1400" spc="5" dirty="0" err="1">
+                <a:solidFill>
+                  <a:srgbClr val="008000"/>
+                </a:solidFill>
+                <a:latin typeface="Consolas" panose="020B0609020204030204" pitchFamily="49" charset="0"/>
+                <a:cs typeface="Consolas" panose="020B0609020204030204" pitchFamily="49" charset="0"/>
+              </a:rPr>
+              <a:t>routerLink</a:t>
+            </a:r>
+            <a:r>
+              <a:rPr lang="en-US" sz="1400" spc="5" dirty="0">
+                <a:solidFill>
+                  <a:srgbClr val="008000"/>
+                </a:solidFill>
+                <a:latin typeface="Consolas" panose="020B0609020204030204" pitchFamily="49" charset="0"/>
+                <a:cs typeface="Consolas" panose="020B0609020204030204" pitchFamily="49" charset="0"/>
+              </a:rPr>
+              <a:t>="/add</a:t>
+            </a:r>
+            <a:r>
+              <a:rPr lang="en-US" sz="1400" dirty="0">
+                <a:solidFill>
+                  <a:srgbClr val="008000"/>
+                </a:solidFill>
+                <a:latin typeface="Consolas" panose="020B0609020204030204" pitchFamily="49" charset="0"/>
+                <a:cs typeface="Consolas" panose="020B0609020204030204" pitchFamily="49" charset="0"/>
+              </a:rPr>
+              <a:t>" </a:t>
+            </a:r>
+            <a:r>
+              <a:rPr lang="en-US" sz="1400" spc="90" dirty="0">
+                <a:solidFill>
+                  <a:srgbClr val="008000"/>
+                </a:solidFill>
+                <a:latin typeface="Consolas" panose="020B0609020204030204" pitchFamily="49" charset="0"/>
+                <a:cs typeface="Consolas" panose="020B0609020204030204" pitchFamily="49" charset="0"/>
+              </a:rPr>
+              <a:t> </a:t>
+            </a:r>
+            <a:r>
+              <a:rPr lang="en-US" sz="1400" spc="5" dirty="0">
+                <a:solidFill>
+                  <a:srgbClr val="008000"/>
+                </a:solidFill>
+                <a:latin typeface="Consolas" panose="020B0609020204030204" pitchFamily="49" charset="0"/>
+                <a:cs typeface="Consolas" panose="020B0609020204030204" pitchFamily="49" charset="0"/>
+              </a:rPr>
+              <a:t>class="</a:t>
+            </a:r>
+            <a:r>
+              <a:rPr lang="en-US" sz="1400" spc="5" dirty="0" err="1">
+                <a:solidFill>
+                  <a:srgbClr val="008000"/>
+                </a:solidFill>
+                <a:latin typeface="Consolas" panose="020B0609020204030204" pitchFamily="49" charset="0"/>
+                <a:cs typeface="Consolas" panose="020B0609020204030204" pitchFamily="49" charset="0"/>
+              </a:rPr>
+              <a:t>bt</a:t>
+            </a:r>
+            <a:r>
+              <a:rPr lang="en-US" sz="1400" dirty="0" err="1">
+                <a:solidFill>
+                  <a:srgbClr val="008000"/>
+                </a:solidFill>
+                <a:latin typeface="Consolas" panose="020B0609020204030204" pitchFamily="49" charset="0"/>
+                <a:cs typeface="Consolas" panose="020B0609020204030204" pitchFamily="49" charset="0"/>
+              </a:rPr>
+              <a:t>n</a:t>
+            </a:r>
+            <a:r>
+              <a:rPr lang="en-US" sz="1400" dirty="0">
+                <a:solidFill>
+                  <a:srgbClr val="008000"/>
+                </a:solidFill>
+                <a:latin typeface="Consolas" panose="020B0609020204030204" pitchFamily="49" charset="0"/>
+                <a:cs typeface="Consolas" panose="020B0609020204030204" pitchFamily="49" charset="0"/>
+              </a:rPr>
+              <a:t> </a:t>
+            </a:r>
+            <a:r>
+              <a:rPr lang="en-US" sz="1400" spc="90" dirty="0">
+                <a:solidFill>
+                  <a:srgbClr val="008000"/>
+                </a:solidFill>
+                <a:latin typeface="Consolas" panose="020B0609020204030204" pitchFamily="49" charset="0"/>
+                <a:cs typeface="Consolas" panose="020B0609020204030204" pitchFamily="49" charset="0"/>
+              </a:rPr>
+              <a:t> </a:t>
+            </a:r>
+            <a:r>
+              <a:rPr lang="en-US" sz="1400" spc="5" dirty="0" err="1">
+                <a:solidFill>
+                  <a:srgbClr val="008000"/>
+                </a:solidFill>
+                <a:latin typeface="Consolas" panose="020B0609020204030204" pitchFamily="49" charset="0"/>
+                <a:cs typeface="Consolas" panose="020B0609020204030204" pitchFamily="49" charset="0"/>
+              </a:rPr>
+              <a:t>btn</a:t>
+            </a:r>
+            <a:r>
+              <a:rPr lang="en-US" sz="1400" spc="5" dirty="0">
+                <a:solidFill>
+                  <a:srgbClr val="008000"/>
+                </a:solidFill>
+                <a:latin typeface="Consolas" panose="020B0609020204030204" pitchFamily="49" charset="0"/>
+                <a:cs typeface="Consolas" panose="020B0609020204030204" pitchFamily="49" charset="0"/>
+              </a:rPr>
+              <a:t>‐primary"&gt;Ad</a:t>
+            </a:r>
+            <a:r>
+              <a:rPr lang="en-US" sz="1400" dirty="0">
+                <a:solidFill>
+                  <a:srgbClr val="008000"/>
+                </a:solidFill>
+                <a:latin typeface="Consolas" panose="020B0609020204030204" pitchFamily="49" charset="0"/>
+                <a:cs typeface="Consolas" panose="020B0609020204030204" pitchFamily="49" charset="0"/>
+              </a:rPr>
+              <a:t>d </a:t>
+            </a:r>
+            <a:r>
+              <a:rPr lang="en-US" sz="1400" spc="90" dirty="0">
+                <a:solidFill>
+                  <a:srgbClr val="008000"/>
+                </a:solidFill>
+                <a:latin typeface="Consolas" panose="020B0609020204030204" pitchFamily="49" charset="0"/>
+                <a:cs typeface="Consolas" panose="020B0609020204030204" pitchFamily="49" charset="0"/>
+              </a:rPr>
+              <a:t> </a:t>
+            </a:r>
+            <a:r>
+              <a:rPr lang="en-US" sz="1400" spc="5" dirty="0">
+                <a:solidFill>
+                  <a:srgbClr val="008000"/>
+                </a:solidFill>
+                <a:latin typeface="Consolas" panose="020B0609020204030204" pitchFamily="49" charset="0"/>
+                <a:cs typeface="Consolas" panose="020B0609020204030204" pitchFamily="49" charset="0"/>
+              </a:rPr>
+              <a:t>City&lt;/a&gt;</a:t>
+            </a:r>
+            <a:endParaRPr lang="en-US" sz="1400" dirty="0">
+              <a:latin typeface="Consolas" panose="020B0609020204030204" pitchFamily="49" charset="0"/>
+              <a:cs typeface="Consolas" panose="020B0609020204030204" pitchFamily="49" charset="0"/>
+            </a:endParaRPr>
+          </a:p>
+          <a:p>
+            <a:pPr marL="1871345">
+              <a:lnSpc>
+                <a:spcPct val="100000"/>
+              </a:lnSpc>
+              <a:spcBef>
+                <a:spcPts val="10"/>
+              </a:spcBef>
+            </a:pPr>
+            <a:endParaRPr lang="en-US" sz="1400" dirty="0">
+              <a:latin typeface="Consolas" panose="020B0609020204030204" pitchFamily="49" charset="0"/>
+              <a:cs typeface="Consolas" panose="020B0609020204030204" pitchFamily="49" charset="0"/>
+            </a:endParaRPr>
+          </a:p>
+          <a:p>
+            <a:pPr marL="1871345">
+              <a:lnSpc>
+                <a:spcPct val="100000"/>
+              </a:lnSpc>
+              <a:spcBef>
+                <a:spcPts val="10"/>
+              </a:spcBef>
+            </a:pPr>
+            <a:r>
+              <a:rPr lang="en-US" sz="1400" i="1" spc="5" dirty="0">
+                <a:solidFill>
+                  <a:srgbClr val="C00000"/>
+                </a:solidFill>
+                <a:latin typeface="Consolas" panose="020B0609020204030204" pitchFamily="49" charset="0"/>
+                <a:cs typeface="Consolas" panose="020B0609020204030204" pitchFamily="49" charset="0"/>
+              </a:rPr>
+              <a:t>&lt;</a:t>
+            </a:r>
+            <a:r>
+              <a:rPr lang="en-US" sz="1400" i="1" dirty="0">
+                <a:solidFill>
+                  <a:srgbClr val="C00000"/>
+                </a:solidFill>
+                <a:latin typeface="Consolas" panose="020B0609020204030204" pitchFamily="49" charset="0"/>
+                <a:cs typeface="Consolas" panose="020B0609020204030204" pitchFamily="49" charset="0"/>
+              </a:rPr>
+              <a:t>!‐‐</a:t>
+            </a:r>
+            <a:r>
+              <a:rPr lang="en-US" sz="1400" i="1" spc="15" dirty="0">
+                <a:solidFill>
+                  <a:srgbClr val="C00000"/>
+                </a:solidFill>
+                <a:latin typeface="Consolas" panose="020B0609020204030204" pitchFamily="49" charset="0"/>
+                <a:cs typeface="Consolas" panose="020B0609020204030204" pitchFamily="49" charset="0"/>
+              </a:rPr>
+              <a:t> </a:t>
+            </a:r>
+            <a:r>
+              <a:rPr lang="en-US" sz="1400" i="1" spc="5" dirty="0">
+                <a:solidFill>
+                  <a:srgbClr val="C00000"/>
+                </a:solidFill>
+                <a:latin typeface="Consolas" panose="020B0609020204030204" pitchFamily="49" charset="0"/>
+                <a:cs typeface="Consolas" panose="020B0609020204030204" pitchFamily="49" charset="0"/>
+              </a:rPr>
+              <a:t>Dynamicall</a:t>
+            </a:r>
+            <a:r>
+              <a:rPr lang="en-US" sz="1400" i="1" dirty="0">
+                <a:solidFill>
+                  <a:srgbClr val="C00000"/>
+                </a:solidFill>
+                <a:latin typeface="Consolas" panose="020B0609020204030204" pitchFamily="49" charset="0"/>
+                <a:cs typeface="Consolas" panose="020B0609020204030204" pitchFamily="49" charset="0"/>
+              </a:rPr>
+              <a:t>y </a:t>
+            </a:r>
+            <a:r>
+              <a:rPr lang="en-US" sz="1400" i="1" spc="85" dirty="0">
+                <a:solidFill>
+                  <a:srgbClr val="C00000"/>
+                </a:solidFill>
+                <a:latin typeface="Consolas" panose="020B0609020204030204" pitchFamily="49" charset="0"/>
+                <a:cs typeface="Consolas" panose="020B0609020204030204" pitchFamily="49" charset="0"/>
+              </a:rPr>
+              <a:t> </a:t>
+            </a:r>
+            <a:r>
+              <a:rPr lang="en-US" sz="1400" i="1" spc="5" dirty="0">
+                <a:solidFill>
+                  <a:srgbClr val="C00000"/>
+                </a:solidFill>
+                <a:latin typeface="Consolas" panose="020B0609020204030204" pitchFamily="49" charset="0"/>
+                <a:cs typeface="Consolas" panose="020B0609020204030204" pitchFamily="49" charset="0"/>
+              </a:rPr>
+              <a:t>injec</a:t>
+            </a:r>
+            <a:r>
+              <a:rPr lang="en-US" sz="1400" i="1" dirty="0">
+                <a:solidFill>
+                  <a:srgbClr val="C00000"/>
+                </a:solidFill>
+                <a:latin typeface="Consolas" panose="020B0609020204030204" pitchFamily="49" charset="0"/>
+                <a:cs typeface="Consolas" panose="020B0609020204030204" pitchFamily="49" charset="0"/>
+              </a:rPr>
+              <a:t>t </a:t>
+            </a:r>
+            <a:r>
+              <a:rPr lang="en-US" sz="1400" i="1" spc="85" dirty="0">
+                <a:solidFill>
+                  <a:srgbClr val="C00000"/>
+                </a:solidFill>
+                <a:latin typeface="Consolas" panose="020B0609020204030204" pitchFamily="49" charset="0"/>
+                <a:cs typeface="Consolas" panose="020B0609020204030204" pitchFamily="49" charset="0"/>
+              </a:rPr>
+              <a:t> </a:t>
+            </a:r>
+            <a:r>
+              <a:rPr lang="en-US" sz="1400" i="1" spc="5" dirty="0">
+                <a:solidFill>
+                  <a:srgbClr val="C00000"/>
+                </a:solidFill>
+                <a:latin typeface="Consolas" panose="020B0609020204030204" pitchFamily="49" charset="0"/>
+                <a:cs typeface="Consolas" panose="020B0609020204030204" pitchFamily="49" charset="0"/>
+              </a:rPr>
+              <a:t>components</a:t>
+            </a:r>
+            <a:r>
+              <a:rPr lang="en-US" sz="1400" i="1" dirty="0">
+                <a:solidFill>
+                  <a:srgbClr val="C00000"/>
+                </a:solidFill>
+                <a:latin typeface="Consolas" panose="020B0609020204030204" pitchFamily="49" charset="0"/>
+                <a:cs typeface="Consolas" panose="020B0609020204030204" pitchFamily="49" charset="0"/>
+              </a:rPr>
+              <a:t> </a:t>
+            </a:r>
+            <a:r>
+              <a:rPr lang="en-US" sz="1400" i="1" spc="80" dirty="0">
+                <a:solidFill>
+                  <a:srgbClr val="C00000"/>
+                </a:solidFill>
+                <a:latin typeface="Consolas" panose="020B0609020204030204" pitchFamily="49" charset="0"/>
+                <a:cs typeface="Consolas" panose="020B0609020204030204" pitchFamily="49" charset="0"/>
+              </a:rPr>
+              <a:t> </a:t>
+            </a:r>
+            <a:r>
+              <a:rPr lang="en-US" sz="1400" i="1" dirty="0">
+                <a:solidFill>
+                  <a:srgbClr val="C00000"/>
+                </a:solidFill>
+                <a:latin typeface="Consolas" panose="020B0609020204030204" pitchFamily="49" charset="0"/>
+                <a:cs typeface="Consolas" panose="020B0609020204030204" pitchFamily="49" charset="0"/>
+              </a:rPr>
+              <a:t>here </a:t>
+            </a:r>
+            <a:r>
+              <a:rPr lang="en-US" sz="1400" i="1" spc="90" dirty="0">
+                <a:solidFill>
+                  <a:srgbClr val="C00000"/>
+                </a:solidFill>
+                <a:latin typeface="Consolas" panose="020B0609020204030204" pitchFamily="49" charset="0"/>
+                <a:cs typeface="Consolas" panose="020B0609020204030204" pitchFamily="49" charset="0"/>
+              </a:rPr>
+              <a:t> </a:t>
+            </a:r>
+            <a:r>
+              <a:rPr lang="en-US" sz="1400" i="1" spc="5" dirty="0">
+                <a:solidFill>
+                  <a:srgbClr val="C00000"/>
+                </a:solidFill>
+                <a:latin typeface="Consolas" panose="020B0609020204030204" pitchFamily="49" charset="0"/>
+                <a:cs typeface="Consolas" panose="020B0609020204030204" pitchFamily="49" charset="0"/>
+              </a:rPr>
+              <a:t>‐</a:t>
+            </a:r>
+            <a:r>
+              <a:rPr lang="en-US" sz="1400" i="1" dirty="0">
+                <a:solidFill>
+                  <a:srgbClr val="C00000"/>
+                </a:solidFill>
+                <a:latin typeface="Consolas" panose="020B0609020204030204" pitchFamily="49" charset="0"/>
+                <a:cs typeface="Consolas" panose="020B0609020204030204" pitchFamily="49" charset="0"/>
+              </a:rPr>
+              <a:t>‐&gt;</a:t>
+            </a:r>
+          </a:p>
+          <a:p>
+            <a:pPr marL="1871345">
+              <a:lnSpc>
+                <a:spcPct val="100000"/>
+              </a:lnSpc>
+              <a:spcBef>
+                <a:spcPts val="10"/>
+              </a:spcBef>
+            </a:pPr>
+            <a:r>
+              <a:rPr lang="en-US" sz="1400" dirty="0">
+                <a:solidFill>
+                  <a:srgbClr val="00B050"/>
+                </a:solidFill>
+                <a:latin typeface="Consolas" panose="020B0609020204030204" pitchFamily="49" charset="0"/>
+                <a:cs typeface="Consolas" panose="020B0609020204030204" pitchFamily="49" charset="0"/>
+              </a:rPr>
+              <a:t>   </a:t>
+            </a:r>
+          </a:p>
+          <a:p>
+            <a:pPr marL="1871345">
+              <a:lnSpc>
+                <a:spcPct val="100000"/>
+              </a:lnSpc>
+              <a:spcBef>
+                <a:spcPts val="10"/>
+              </a:spcBef>
+            </a:pPr>
+            <a:r>
+              <a:rPr lang="en-US" sz="1400" b="1" dirty="0">
+                <a:solidFill>
+                  <a:srgbClr val="00B050"/>
+                </a:solidFill>
+                <a:latin typeface="Consolas" panose="020B0609020204030204" pitchFamily="49" charset="0"/>
+                <a:cs typeface="Consolas" panose="020B0609020204030204" pitchFamily="49" charset="0"/>
+              </a:rPr>
+              <a:t>&lt;route</a:t>
+            </a:r>
+            <a:r>
+              <a:rPr lang="en-US" sz="1400" b="1" spc="5" dirty="0">
+                <a:solidFill>
+                  <a:srgbClr val="00B050"/>
+                </a:solidFill>
+                <a:latin typeface="Consolas" panose="020B0609020204030204" pitchFamily="49" charset="0"/>
+                <a:cs typeface="Consolas" panose="020B0609020204030204" pitchFamily="49" charset="0"/>
+              </a:rPr>
+              <a:t>r‐outlet&gt;&lt;/route</a:t>
+            </a:r>
+            <a:r>
+              <a:rPr lang="en-US" sz="1400" b="1" spc="-10" dirty="0">
+                <a:solidFill>
+                  <a:srgbClr val="00B050"/>
+                </a:solidFill>
+                <a:latin typeface="Consolas" panose="020B0609020204030204" pitchFamily="49" charset="0"/>
+                <a:cs typeface="Consolas" panose="020B0609020204030204" pitchFamily="49" charset="0"/>
+              </a:rPr>
+              <a:t>r</a:t>
+            </a:r>
+            <a:r>
+              <a:rPr lang="en-US" sz="1400" b="1" dirty="0">
+                <a:solidFill>
+                  <a:srgbClr val="00B050"/>
+                </a:solidFill>
+                <a:latin typeface="Consolas" panose="020B0609020204030204" pitchFamily="49" charset="0"/>
+                <a:cs typeface="Consolas" panose="020B0609020204030204" pitchFamily="49" charset="0"/>
+              </a:rPr>
+              <a:t>‐</a:t>
+            </a:r>
+            <a:r>
+              <a:rPr lang="en-US" sz="1400" b="1" spc="5" dirty="0">
+                <a:solidFill>
+                  <a:srgbClr val="00B050"/>
+                </a:solidFill>
+                <a:latin typeface="Consolas" panose="020B0609020204030204" pitchFamily="49" charset="0"/>
+                <a:cs typeface="Consolas" panose="020B0609020204030204" pitchFamily="49" charset="0"/>
+              </a:rPr>
+              <a:t>outlet</a:t>
+            </a:r>
+            <a:r>
+              <a:rPr lang="en-US" sz="1400" b="1" spc="5" dirty="0">
+                <a:solidFill>
+                  <a:srgbClr val="FF0000"/>
+                </a:solidFill>
+                <a:latin typeface="Consolas" panose="020B0609020204030204" pitchFamily="49" charset="0"/>
+                <a:cs typeface="Consolas" panose="020B0609020204030204" pitchFamily="49" charset="0"/>
+              </a:rPr>
+              <a:t>&gt;</a:t>
+            </a:r>
+            <a:endParaRPr lang="en-US" sz="1400" b="1" dirty="0">
+              <a:solidFill>
+                <a:srgbClr val="FF0000"/>
+              </a:solidFill>
+              <a:latin typeface="Consolas" panose="020B0609020204030204" pitchFamily="49" charset="0"/>
+              <a:cs typeface="Consolas" panose="020B0609020204030204" pitchFamily="49" charset="0"/>
+            </a:endParaRPr>
+          </a:p>
+          <a:p>
+            <a:pPr marL="1871345">
+              <a:lnSpc>
+                <a:spcPct val="100000"/>
+              </a:lnSpc>
+              <a:spcBef>
+                <a:spcPts val="10"/>
+              </a:spcBef>
+            </a:pPr>
+            <a:r>
+              <a:rPr lang="en-US" sz="1400" dirty="0">
+                <a:solidFill>
+                  <a:srgbClr val="008000"/>
+                </a:solidFill>
+                <a:latin typeface="Consolas" panose="020B0609020204030204" pitchFamily="49" charset="0"/>
+                <a:cs typeface="Consolas" panose="020B0609020204030204" pitchFamily="49" charset="0"/>
+              </a:rPr>
+              <a:t>`</a:t>
+            </a:r>
+          </a:p>
+          <a:p>
+            <a:pPr marL="12700">
+              <a:lnSpc>
+                <a:spcPct val="100000"/>
+              </a:lnSpc>
+            </a:pPr>
+            <a:r>
+              <a:rPr lang="en-US" sz="1400" dirty="0">
+                <a:latin typeface="Consolas" panose="020B0609020204030204" pitchFamily="49" charset="0"/>
+                <a:cs typeface="Consolas" panose="020B0609020204030204" pitchFamily="49" charset="0"/>
+              </a:rPr>
+              <a:t>})</a:t>
+            </a:r>
+          </a:p>
+          <a:p>
+            <a:pPr marL="12700">
+              <a:lnSpc>
+                <a:spcPct val="100000"/>
+              </a:lnSpc>
+            </a:pPr>
+            <a:endParaRPr lang="en-US" sz="1400" dirty="0">
+              <a:latin typeface="Consolas" panose="020B0609020204030204" pitchFamily="49" charset="0"/>
+              <a:cs typeface="Consolas" panose="020B0609020204030204" pitchFamily="49" charset="0"/>
+            </a:endParaRPr>
+          </a:p>
+          <a:p>
+            <a:pPr marL="330835" marR="5080" indent="-318770">
+              <a:lnSpc>
+                <a:spcPct val="100699"/>
+              </a:lnSpc>
+              <a:tabLst>
+                <a:tab pos="2349500" algn="l"/>
+              </a:tabLst>
+            </a:pPr>
+            <a:r>
+              <a:rPr lang="en-US" sz="1400" dirty="0">
+                <a:solidFill>
+                  <a:srgbClr val="000080"/>
+                </a:solidFill>
+                <a:latin typeface="Consolas" panose="020B0609020204030204" pitchFamily="49" charset="0"/>
+                <a:cs typeface="Consolas" panose="020B0609020204030204" pitchFamily="49" charset="0"/>
+              </a:rPr>
+              <a:t>export </a:t>
+            </a:r>
+            <a:r>
+              <a:rPr lang="en-US" sz="1400" spc="95" dirty="0">
+                <a:solidFill>
+                  <a:srgbClr val="000080"/>
+                </a:solidFill>
+                <a:latin typeface="Consolas" panose="020B0609020204030204" pitchFamily="49" charset="0"/>
+                <a:cs typeface="Consolas" panose="020B0609020204030204" pitchFamily="49" charset="0"/>
+              </a:rPr>
+              <a:t> </a:t>
+            </a:r>
+            <a:r>
+              <a:rPr lang="en-US" sz="1400" dirty="0">
+                <a:solidFill>
+                  <a:srgbClr val="000080"/>
+                </a:solidFill>
+                <a:latin typeface="Consolas" panose="020B0609020204030204" pitchFamily="49" charset="0"/>
+                <a:cs typeface="Consolas" panose="020B0609020204030204" pitchFamily="49" charset="0"/>
+              </a:rPr>
+              <a:t>class </a:t>
+            </a:r>
+            <a:r>
+              <a:rPr lang="en-US" sz="1400" spc="90" dirty="0">
+                <a:solidFill>
+                  <a:srgbClr val="000080"/>
+                </a:solidFill>
+                <a:latin typeface="Consolas" panose="020B0609020204030204" pitchFamily="49" charset="0"/>
+                <a:cs typeface="Consolas" panose="020B0609020204030204" pitchFamily="49" charset="0"/>
+              </a:rPr>
+              <a:t> </a:t>
+            </a:r>
+            <a:r>
+              <a:rPr lang="en-US" sz="1400" b="1" spc="5" dirty="0" err="1">
+                <a:solidFill>
+                  <a:srgbClr val="FF0000"/>
+                </a:solidFill>
+                <a:latin typeface="Consolas" panose="020B0609020204030204" pitchFamily="49" charset="0"/>
+                <a:cs typeface="Consolas" panose="020B0609020204030204" pitchFamily="49" charset="0"/>
+              </a:rPr>
+              <a:t>MainComponen</a:t>
+            </a:r>
+            <a:r>
+              <a:rPr lang="en-US" sz="1400" b="1" dirty="0" err="1">
+                <a:solidFill>
+                  <a:srgbClr val="FF0000"/>
+                </a:solidFill>
+                <a:latin typeface="Consolas" panose="020B0609020204030204" pitchFamily="49" charset="0"/>
+                <a:cs typeface="Consolas" panose="020B0609020204030204" pitchFamily="49" charset="0"/>
+              </a:rPr>
+              <a:t>t</a:t>
+            </a:r>
+            <a:r>
+              <a:rPr lang="en-US" sz="1400" dirty="0">
+                <a:latin typeface="Consolas" panose="020B0609020204030204" pitchFamily="49" charset="0"/>
+                <a:cs typeface="Consolas" panose="020B0609020204030204" pitchFamily="49" charset="0"/>
+              </a:rPr>
+              <a:t> </a:t>
+            </a:r>
+            <a:r>
+              <a:rPr lang="en-US" sz="1400" spc="90" dirty="0">
+                <a:latin typeface="Consolas" panose="020B0609020204030204" pitchFamily="49" charset="0"/>
+                <a:cs typeface="Consolas" panose="020B0609020204030204" pitchFamily="49" charset="0"/>
+              </a:rPr>
+              <a:t> </a:t>
+            </a:r>
+            <a:r>
+              <a:rPr lang="en-US" sz="1400" spc="5" dirty="0">
+                <a:solidFill>
+                  <a:srgbClr val="000080"/>
+                </a:solidFill>
+                <a:latin typeface="Consolas" panose="020B0609020204030204" pitchFamily="49" charset="0"/>
+                <a:cs typeface="Consolas" panose="020B0609020204030204" pitchFamily="49" charset="0"/>
+              </a:rPr>
+              <a:t>implement</a:t>
+            </a:r>
+            <a:r>
+              <a:rPr lang="en-US" sz="1400" dirty="0">
+                <a:solidFill>
+                  <a:srgbClr val="000080"/>
+                </a:solidFill>
+                <a:latin typeface="Consolas" panose="020B0609020204030204" pitchFamily="49" charset="0"/>
+                <a:cs typeface="Consolas" panose="020B0609020204030204" pitchFamily="49" charset="0"/>
+              </a:rPr>
+              <a:t>s </a:t>
+            </a:r>
+            <a:r>
+              <a:rPr lang="en-US" sz="1400" spc="85" dirty="0">
+                <a:solidFill>
+                  <a:srgbClr val="000080"/>
+                </a:solidFill>
+                <a:latin typeface="Consolas" panose="020B0609020204030204" pitchFamily="49" charset="0"/>
+                <a:cs typeface="Consolas" panose="020B0609020204030204" pitchFamily="49" charset="0"/>
+              </a:rPr>
+              <a:t> </a:t>
+            </a:r>
+            <a:r>
+              <a:rPr lang="en-US" sz="1400" spc="5" dirty="0" err="1">
+                <a:latin typeface="Consolas" panose="020B0609020204030204" pitchFamily="49" charset="0"/>
+                <a:cs typeface="Consolas" panose="020B0609020204030204" pitchFamily="49" charset="0"/>
+              </a:rPr>
+              <a:t>OnIni</a:t>
+            </a:r>
+            <a:r>
+              <a:rPr lang="en-US" sz="1400" dirty="0" err="1">
+                <a:latin typeface="Consolas" panose="020B0609020204030204" pitchFamily="49" charset="0"/>
+                <a:cs typeface="Consolas" panose="020B0609020204030204" pitchFamily="49" charset="0"/>
+              </a:rPr>
+              <a:t>t</a:t>
+            </a:r>
+            <a:r>
+              <a:rPr lang="en-US" sz="1400" dirty="0">
+                <a:latin typeface="Consolas" panose="020B0609020204030204" pitchFamily="49" charset="0"/>
+                <a:cs typeface="Consolas" panose="020B0609020204030204" pitchFamily="49" charset="0"/>
+              </a:rPr>
+              <a:t> </a:t>
+            </a:r>
+            <a:r>
+              <a:rPr lang="en-US" sz="1400" spc="90" dirty="0">
+                <a:latin typeface="Consolas" panose="020B0609020204030204" pitchFamily="49" charset="0"/>
+                <a:cs typeface="Consolas" panose="020B0609020204030204" pitchFamily="49" charset="0"/>
+              </a:rPr>
+              <a:t> </a:t>
+            </a:r>
+            <a:r>
+              <a:rPr lang="en-US" sz="1400" dirty="0">
+                <a:latin typeface="Consolas" panose="020B0609020204030204" pitchFamily="49" charset="0"/>
+                <a:cs typeface="Consolas" panose="020B0609020204030204" pitchFamily="49" charset="0"/>
+              </a:rPr>
+              <a:t>{ }</a:t>
+            </a:r>
+          </a:p>
+          <a:p>
+            <a:pPr marL="1871345">
+              <a:lnSpc>
+                <a:spcPct val="100000"/>
+              </a:lnSpc>
+              <a:spcBef>
+                <a:spcPts val="10"/>
+              </a:spcBef>
+            </a:pPr>
+            <a:endParaRPr lang="en-US" sz="1400" dirty="0">
+              <a:latin typeface="Consolas" panose="020B0609020204030204" pitchFamily="49" charset="0"/>
+              <a:cs typeface="Consolas" panose="020B0609020204030204" pitchFamily="49" charset="0"/>
+            </a:endParaRPr>
+          </a:p>
+          <a:p>
+            <a:endParaRPr lang="en-NL" sz="1400" dirty="0">
+              <a:latin typeface="Consolas" panose="020B0609020204030204" pitchFamily="49" charset="0"/>
+              <a:cs typeface="Consolas" panose="020B0609020204030204" pitchFamily="49" charset="0"/>
             </a:endParaRPr>
           </a:p>
         </p:txBody>

--- a/PPT/05- Angular Routing.pptx
+++ b/PPT/05- Angular Routing.pptx
@@ -1900,7 +1900,7 @@
           <a:p>
             <a:fld id="{B496B693-9FDE-D34D-BA2D-87876F5E0558}" type="datetime1">
               <a:rPr lang="en-US" smtClean="0"/>
-              <a:t>1/9/22</a:t>
+              <a:t>1/10/22</a:t>
             </a:fld>
             <a:endParaRPr lang="en-US"/>
           </a:p>
@@ -2059,7 +2059,7 @@
           <a:p>
             <a:fld id="{2C668659-E1B9-F248-8B7A-62E98257FA2B}" type="datetime1">
               <a:rPr lang="en-US" smtClean="0"/>
-              <a:t>1/9/22</a:t>
+              <a:t>1/10/22</a:t>
             </a:fld>
             <a:endParaRPr lang="en-US"/>
           </a:p>
@@ -2537,7 +2537,7 @@
           <a:p>
             <a:fld id="{B6121E9A-9D8F-554C-B283-F41E0A321D9E}" type="datetime1">
               <a:rPr lang="en-US" smtClean="0"/>
-              <a:t>1/9/22</a:t>
+              <a:t>1/10/22</a:t>
             </a:fld>
             <a:endParaRPr lang="en-US"/>
           </a:p>
@@ -2662,7 +2662,7 @@
           <a:p>
             <a:fld id="{4830FFAC-C408-5B4A-A43B-C51D21E865D6}" type="datetime1">
               <a:rPr lang="en-US" smtClean="0"/>
-              <a:t>1/9/22</a:t>
+              <a:t>1/10/22</a:t>
             </a:fld>
             <a:endParaRPr lang="en-US"/>
           </a:p>
@@ -2758,7 +2758,7 @@
           <a:p>
             <a:fld id="{AAFBA3EB-6224-474F-84CA-5E91E4443D27}" type="datetime1">
               <a:rPr lang="en-US" smtClean="0"/>
-              <a:t>1/9/22</a:t>
+              <a:t>1/10/22</a:t>
             </a:fld>
             <a:endParaRPr lang="en-US"/>
           </a:p>
@@ -2992,7 +2992,7 @@
           <a:p>
             <a:fld id="{5A1FA41D-3A39-F741-AA79-3F454EC99F26}" type="datetime1">
               <a:rPr lang="en-US" smtClean="0"/>
-              <a:t>1/9/22</a:t>
+              <a:t>1/10/22</a:t>
             </a:fld>
             <a:endParaRPr lang="en-US"/>
           </a:p>
@@ -30883,7 +30883,21 @@
                 <a:latin typeface="Consolas" panose="020B0609020204030204" pitchFamily="49" charset="0"/>
                 <a:cs typeface="Consolas" panose="020B0609020204030204" pitchFamily="49" charset="0"/>
               </a:rPr>
-              <a:t>      name: 'filter’</a:t>
+              <a:t>      name: ‘</a:t>
+            </a:r>
+            <a:r>
+              <a:rPr lang="en-US" sz="1400" dirty="0" err="1">
+                <a:latin typeface="Consolas" panose="020B0609020204030204" pitchFamily="49" charset="0"/>
+                <a:cs typeface="Consolas" panose="020B0609020204030204" pitchFamily="49" charset="0"/>
+              </a:rPr>
+              <a:t>Myfilter</a:t>
+            </a:r>
+            <a:r>
+              <a:rPr lang="en-US" sz="1400" dirty="0">
+                <a:latin typeface="Consolas" panose="020B0609020204030204" pitchFamily="49" charset="0"/>
+                <a:cs typeface="Consolas" panose="020B0609020204030204" pitchFamily="49" charset="0"/>
+              </a:rPr>
+              <a:t>’</a:t>
             </a:r>
           </a:p>
           <a:p>
@@ -31067,7 +31081,24 @@
                 <a:latin typeface="Consolas" panose="020B0609020204030204" pitchFamily="49" charset="0"/>
                 <a:cs typeface="Consolas" panose="020B0609020204030204" pitchFamily="49" charset="0"/>
               </a:rPr>
-              <a:t>   return value;</a:t>
+              <a:t>   return </a:t>
+            </a:r>
+            <a:r>
+              <a:rPr lang="en-US" sz="1400" b="1" dirty="0" err="1">
+                <a:solidFill>
+                  <a:srgbClr val="C00000"/>
+                </a:solidFill>
+                <a:latin typeface="Consolas" panose="020B0609020204030204" pitchFamily="49" charset="0"/>
+                <a:cs typeface="Consolas" panose="020B0609020204030204" pitchFamily="49" charset="0"/>
+              </a:rPr>
+              <a:t>listItems</a:t>
+            </a:r>
+            <a:r>
+              <a:rPr lang="en-US" sz="1400" dirty="0">
+                <a:latin typeface="Consolas" panose="020B0609020204030204" pitchFamily="49" charset="0"/>
+                <a:cs typeface="Consolas" panose="020B0609020204030204" pitchFamily="49" charset="0"/>
+              </a:rPr>
+              <a:t>;</a:t>
             </a:r>
           </a:p>
           <a:p>
@@ -31100,14 +31131,14 @@
               <a:t>if (</a:t>
             </a:r>
             <a:r>
-              <a:rPr lang="en-US" sz="1400" b="1" dirty="0">
+              <a:rPr lang="en-US" sz="1400" b="1" dirty="0" err="1">
                 <a:solidFill>
                   <a:srgbClr val="C00000"/>
                 </a:solidFill>
                 <a:latin typeface="Consolas" panose="020B0609020204030204" pitchFamily="49" charset="0"/>
                 <a:cs typeface="Consolas" panose="020B0609020204030204" pitchFamily="49" charset="0"/>
               </a:rPr>
-              <a:t>value</a:t>
+              <a:t>listItems</a:t>
             </a:r>
             <a:r>
               <a:rPr lang="en-US" sz="1400" dirty="0">
@@ -31572,7 +31603,7 @@
                 <a:latin typeface="Consolas" panose="020B0609020204030204" pitchFamily="49" charset="0"/>
                 <a:cs typeface="Consolas" panose="020B0609020204030204" pitchFamily="49" charset="0"/>
               </a:rPr>
-              <a:t>filter:filterCity</a:t>
+              <a:t>Myfilter:filterCity</a:t>
             </a:r>
             <a:r>
               <a:rPr lang="en-US" sz="1600" dirty="0">

--- a/PPT/05- Angular Routing.pptx
+++ b/PPT/05- Angular Routing.pptx
@@ -1900,7 +1900,7 @@
           <a:p>
             <a:fld id="{B496B693-9FDE-D34D-BA2D-87876F5E0558}" type="datetime1">
               <a:rPr lang="en-US" smtClean="0"/>
-              <a:t>1/10/22</a:t>
+              <a:t>1/22/22</a:t>
             </a:fld>
             <a:endParaRPr lang="en-US"/>
           </a:p>
@@ -2059,7 +2059,7 @@
           <a:p>
             <a:fld id="{2C668659-E1B9-F248-8B7A-62E98257FA2B}" type="datetime1">
               <a:rPr lang="en-US" smtClean="0"/>
-              <a:t>1/10/22</a:t>
+              <a:t>1/22/22</a:t>
             </a:fld>
             <a:endParaRPr lang="en-US"/>
           </a:p>
@@ -2537,7 +2537,7 @@
           <a:p>
             <a:fld id="{B6121E9A-9D8F-554C-B283-F41E0A321D9E}" type="datetime1">
               <a:rPr lang="en-US" smtClean="0"/>
-              <a:t>1/10/22</a:t>
+              <a:t>1/22/22</a:t>
             </a:fld>
             <a:endParaRPr lang="en-US"/>
           </a:p>
@@ -2662,7 +2662,7 @@
           <a:p>
             <a:fld id="{4830FFAC-C408-5B4A-A43B-C51D21E865D6}" type="datetime1">
               <a:rPr lang="en-US" smtClean="0"/>
-              <a:t>1/10/22</a:t>
+              <a:t>1/22/22</a:t>
             </a:fld>
             <a:endParaRPr lang="en-US"/>
           </a:p>
@@ -2758,7 +2758,7 @@
           <a:p>
             <a:fld id="{AAFBA3EB-6224-474F-84CA-5E91E4443D27}" type="datetime1">
               <a:rPr lang="en-US" smtClean="0"/>
-              <a:t>1/10/22</a:t>
+              <a:t>1/22/22</a:t>
             </a:fld>
             <a:endParaRPr lang="en-US"/>
           </a:p>
@@ -2992,7 +2992,7 @@
           <a:p>
             <a:fld id="{5A1FA41D-3A39-F741-AA79-3F454EC99F26}" type="datetime1">
               <a:rPr lang="en-US" smtClean="0"/>
-              <a:t>1/10/22</a:t>
+              <a:t>1/22/22</a:t>
             </a:fld>
             <a:endParaRPr lang="en-US"/>
           </a:p>
@@ -30485,7 +30485,24 @@
                 <a:latin typeface="Consolas" panose="020B0609020204030204" pitchFamily="49" charset="0"/>
                 <a:cs typeface="Consolas" panose="020B0609020204030204" pitchFamily="49" charset="0"/>
               </a:rPr>
-              <a:t>     name: 'filter’</a:t>
+              <a:t>     name: ‘</a:t>
+            </a:r>
+            <a:r>
+              <a:rPr lang="en-US" dirty="0" err="1">
+                <a:solidFill>
+                  <a:srgbClr val="FF0000"/>
+                </a:solidFill>
+                <a:latin typeface="Consolas" panose="020B0609020204030204" pitchFamily="49" charset="0"/>
+                <a:cs typeface="Consolas" panose="020B0609020204030204" pitchFamily="49" charset="0"/>
+              </a:rPr>
+              <a:t>myfilter</a:t>
+            </a:r>
+            <a:r>
+              <a:rPr lang="en-US" dirty="0">
+                <a:latin typeface="Consolas" panose="020B0609020204030204" pitchFamily="49" charset="0"/>
+                <a:cs typeface="Consolas" panose="020B0609020204030204" pitchFamily="49" charset="0"/>
+              </a:rPr>
+              <a:t>’</a:t>
             </a:r>
           </a:p>
           <a:p>
@@ -30886,11 +30903,11 @@
               <a:t>      name: ‘</a:t>
             </a:r>
             <a:r>
-              <a:rPr lang="en-US" sz="1400" dirty="0" err="1">
+              <a:rPr lang="en-US" sz="1400" b="1" dirty="0" err="1">
                 <a:latin typeface="Consolas" panose="020B0609020204030204" pitchFamily="49" charset="0"/>
                 <a:cs typeface="Consolas" panose="020B0609020204030204" pitchFamily="49" charset="0"/>
               </a:rPr>
-              <a:t>Myfilter</a:t>
+              <a:t>myfilter</a:t>
             </a:r>
             <a:r>
               <a:rPr lang="en-US" sz="1400" dirty="0">
@@ -31013,7 +31030,7 @@
                 <a:latin typeface="Consolas" panose="020B0609020204030204" pitchFamily="49" charset="0"/>
                 <a:cs typeface="Consolas" panose="020B0609020204030204" pitchFamily="49" charset="0"/>
               </a:rPr>
-              <a:t>listItems</a:t>
+              <a:t>listOfItems</a:t>
             </a:r>
             <a:r>
               <a:rPr lang="en-US" sz="1400" dirty="0">
@@ -31023,14 +31040,24 @@
               <a:t>: any[], </a:t>
             </a:r>
             <a:r>
-              <a:rPr lang="en-US" sz="1400" b="1" dirty="0" err="1">
-                <a:solidFill>
-                  <a:srgbClr val="C00000"/>
+              <a:rPr lang="en-US" sz="1400" dirty="0" err="1">
+                <a:solidFill>
+                  <a:srgbClr val="FF0000"/>
                 </a:solidFill>
                 <a:latin typeface="Consolas" panose="020B0609020204030204" pitchFamily="49" charset="0"/>
                 <a:cs typeface="Consolas" panose="020B0609020204030204" pitchFamily="49" charset="0"/>
               </a:rPr>
-              <a:t>args</a:t>
+              <a:t>search</a:t>
+            </a:r>
+            <a:r>
+              <a:rPr lang="en-US" sz="1400" b="1" dirty="0" err="1">
+                <a:solidFill>
+                  <a:srgbClr val="FF0000"/>
+                </a:solidFill>
+                <a:latin typeface="Consolas" panose="020B0609020204030204" pitchFamily="49" charset="0"/>
+                <a:cs typeface="Consolas" panose="020B0609020204030204" pitchFamily="49" charset="0"/>
+              </a:rPr>
+              <a:t>arg</a:t>
             </a:r>
             <a:r>
               <a:rPr lang="en-US" sz="1400" dirty="0">
@@ -31057,14 +31084,24 @@
               <a:t>if (!</a:t>
             </a:r>
             <a:r>
-              <a:rPr lang="en-US" sz="1400" b="1" dirty="0" err="1">
-                <a:solidFill>
-                  <a:srgbClr val="C00000"/>
+              <a:rPr lang="en-US" sz="1400" dirty="0" err="1">
+                <a:solidFill>
+                  <a:srgbClr val="FF0000"/>
                 </a:solidFill>
                 <a:latin typeface="Consolas" panose="020B0609020204030204" pitchFamily="49" charset="0"/>
                 <a:cs typeface="Consolas" panose="020B0609020204030204" pitchFamily="49" charset="0"/>
               </a:rPr>
-              <a:t>args</a:t>
+              <a:t>search</a:t>
+            </a:r>
+            <a:r>
+              <a:rPr lang="en-US" sz="1400" b="1" dirty="0" err="1">
+                <a:solidFill>
+                  <a:srgbClr val="FF0000"/>
+                </a:solidFill>
+                <a:latin typeface="Consolas" panose="020B0609020204030204" pitchFamily="49" charset="0"/>
+                <a:cs typeface="Consolas" panose="020B0609020204030204" pitchFamily="49" charset="0"/>
+              </a:rPr>
+              <a:t>arg</a:t>
             </a:r>
             <a:r>
               <a:rPr lang="en-US" sz="1400" dirty="0">
@@ -31091,7 +31128,7 @@
                 <a:latin typeface="Consolas" panose="020B0609020204030204" pitchFamily="49" charset="0"/>
                 <a:cs typeface="Consolas" panose="020B0609020204030204" pitchFamily="49" charset="0"/>
               </a:rPr>
-              <a:t>listItems</a:t>
+              <a:t>listOfItems</a:t>
             </a:r>
             <a:r>
               <a:rPr lang="en-US" sz="1400" dirty="0">
@@ -31172,14 +31209,24 @@
               <a:t> = </a:t>
             </a:r>
             <a:r>
-              <a:rPr lang="en-US" sz="1400" b="1" dirty="0" err="1">
+              <a:rPr lang="en-US" sz="1400" dirty="0" err="1">
                 <a:solidFill>
                   <a:srgbClr val="FF0000"/>
                 </a:solidFill>
                 <a:latin typeface="Consolas" panose="020B0609020204030204" pitchFamily="49" charset="0"/>
                 <a:cs typeface="Consolas" panose="020B0609020204030204" pitchFamily="49" charset="0"/>
               </a:rPr>
-              <a:t>args</a:t>
+              <a:t>search</a:t>
+            </a:r>
+            <a:r>
+              <a:rPr lang="en-US" sz="1400" b="1" dirty="0" err="1">
+                <a:solidFill>
+                  <a:srgbClr val="FF0000"/>
+                </a:solidFill>
+                <a:latin typeface="Consolas" panose="020B0609020204030204" pitchFamily="49" charset="0"/>
+                <a:cs typeface="Consolas" panose="020B0609020204030204" pitchFamily="49" charset="0"/>
+              </a:rPr>
+              <a:t>arg</a:t>
             </a:r>
             <a:r>
               <a:rPr lang="en-US" sz="1400" b="1" dirty="0">
@@ -31525,6 +31572,9 @@
             </a:r>
             <a:r>
               <a:rPr lang="en-US" sz="1600" b="1" dirty="0" err="1">
+                <a:solidFill>
+                  <a:srgbClr val="FF0000"/>
+                </a:solidFill>
                 <a:latin typeface="Consolas" panose="020B0609020204030204" pitchFamily="49" charset="0"/>
                 <a:cs typeface="Consolas" panose="020B0609020204030204" pitchFamily="49" charset="0"/>
               </a:rPr>
@@ -31603,7 +31653,17 @@
                 <a:latin typeface="Consolas" panose="020B0609020204030204" pitchFamily="49" charset="0"/>
                 <a:cs typeface="Consolas" panose="020B0609020204030204" pitchFamily="49" charset="0"/>
               </a:rPr>
-              <a:t>Myfilter:filterCity</a:t>
+              <a:t>myfilter:</a:t>
+            </a:r>
+            <a:r>
+              <a:rPr lang="en-US" sz="1600" b="1" dirty="0" err="1">
+                <a:solidFill>
+                  <a:srgbClr val="FF0000"/>
+                </a:solidFill>
+                <a:latin typeface="Consolas" panose="020B0609020204030204" pitchFamily="49" charset="0"/>
+                <a:cs typeface="Consolas" panose="020B0609020204030204" pitchFamily="49" charset="0"/>
+              </a:rPr>
+              <a:t>filterCity</a:t>
             </a:r>
             <a:r>
               <a:rPr lang="en-US" sz="1600" dirty="0">
